--- a/presentation/Slides_Viktor_Pecherskiy.pptx
+++ b/presentation/Slides_Viktor_Pecherskiy.pptx
@@ -7,18 +7,23 @@
   <p:sldIdLst>
     <p:sldId id="257" r:id="rId2"/>
     <p:sldId id="261" r:id="rId3"/>
-    <p:sldId id="262" r:id="rId4"/>
-    <p:sldId id="263" r:id="rId5"/>
-    <p:sldId id="264" r:id="rId6"/>
-    <p:sldId id="265" r:id="rId7"/>
-    <p:sldId id="268" r:id="rId8"/>
-    <p:sldId id="269" r:id="rId9"/>
-    <p:sldId id="273" r:id="rId10"/>
-    <p:sldId id="270" r:id="rId11"/>
-    <p:sldId id="271" r:id="rId12"/>
-    <p:sldId id="272" r:id="rId13"/>
-    <p:sldId id="267" r:id="rId14"/>
-    <p:sldId id="277" r:id="rId15"/>
+    <p:sldId id="269" r:id="rId4"/>
+    <p:sldId id="278" r:id="rId5"/>
+    <p:sldId id="279" r:id="rId6"/>
+    <p:sldId id="281" r:id="rId7"/>
+    <p:sldId id="280" r:id="rId8"/>
+    <p:sldId id="262" r:id="rId9"/>
+    <p:sldId id="263" r:id="rId10"/>
+    <p:sldId id="264" r:id="rId11"/>
+    <p:sldId id="265" r:id="rId12"/>
+    <p:sldId id="268" r:id="rId13"/>
+    <p:sldId id="273" r:id="rId14"/>
+    <p:sldId id="270" r:id="rId15"/>
+    <p:sldId id="271" r:id="rId16"/>
+    <p:sldId id="272" r:id="rId17"/>
+    <p:sldId id="267" r:id="rId18"/>
+    <p:sldId id="277" r:id="rId19"/>
+    <p:sldId id="274" r:id="rId20"/>
   </p:sldIdLst>
   <p:sldSz cx="9144000" cy="6858000" type="screen4x3"/>
   <p:notesSz cx="6858000" cy="9144000"/>
@@ -117,22 +122,6 @@
       </a:defRPr>
     </a:lvl9pPr>
   </p:defaultTextStyle>
-  <p:extLst>
-    <p:ext uri="{EFAFB233-063F-42B5-8137-9DF3F51BA10A}">
-      <p15:sldGuideLst xmlns:p15="http://schemas.microsoft.com/office/powerpoint/2012/main">
-        <p15:guide id="1" orient="horz" pos="2160">
-          <p15:clr>
-            <a:srgbClr val="A4A3A4"/>
-          </p15:clr>
-        </p15:guide>
-        <p15:guide id="2" pos="2880">
-          <p15:clr>
-            <a:srgbClr val="A4A3A4"/>
-          </p15:clr>
-        </p15:guide>
-      </p15:sldGuideLst>
-    </p:ext>
-  </p:extLst>
 </p:presentation>
 </file>
 
@@ -329,7 +318,7 @@
           <a:p>
             <a:fld id="{B4C71EC6-210F-42DE-9C53-41977AD35B3D}" type="datetimeFigureOut">
               <a:rPr lang="ru-RU" smtClean="0"/>
-              <a:t>29.05.17</a:t>
+              <a:t>31.05.2017</a:t>
             </a:fld>
             <a:endParaRPr lang="ru-RU"/>
           </a:p>
@@ -594,7 +583,7 @@
           <a:p>
             <a:fld id="{B4C71EC6-210F-42DE-9C53-41977AD35B3D}" type="datetimeFigureOut">
               <a:rPr lang="ru-RU" smtClean="0"/>
-              <a:t>29.05.17</a:t>
+              <a:t>31.05.2017</a:t>
             </a:fld>
             <a:endParaRPr lang="ru-RU"/>
           </a:p>
@@ -769,7 +758,7 @@
           <a:p>
             <a:fld id="{B4C71EC6-210F-42DE-9C53-41977AD35B3D}" type="datetimeFigureOut">
               <a:rPr lang="ru-RU" smtClean="0"/>
-              <a:t>29.05.17</a:t>
+              <a:t>31.05.2017</a:t>
             </a:fld>
             <a:endParaRPr lang="ru-RU"/>
           </a:p>
@@ -934,7 +923,7 @@
           <a:p>
             <a:fld id="{B4C71EC6-210F-42DE-9C53-41977AD35B3D}" type="datetimeFigureOut">
               <a:rPr lang="ru-RU" smtClean="0"/>
-              <a:t>29.05.17</a:t>
+              <a:t>31.05.2017</a:t>
             </a:fld>
             <a:endParaRPr lang="ru-RU"/>
           </a:p>
@@ -1183,7 +1172,7 @@
           <a:p>
             <a:fld id="{B4C71EC6-210F-42DE-9C53-41977AD35B3D}" type="datetimeFigureOut">
               <a:rPr lang="ru-RU" smtClean="0"/>
-              <a:t>29.05.17</a:t>
+              <a:t>31.05.2017</a:t>
             </a:fld>
             <a:endParaRPr lang="ru-RU"/>
           </a:p>
@@ -1466,7 +1455,7 @@
           <a:p>
             <a:fld id="{B4C71EC6-210F-42DE-9C53-41977AD35B3D}" type="datetimeFigureOut">
               <a:rPr lang="ru-RU" smtClean="0"/>
-              <a:t>29.05.17</a:t>
+              <a:t>31.05.2017</a:t>
             </a:fld>
             <a:endParaRPr lang="ru-RU"/>
           </a:p>
@@ -1905,7 +1894,7 @@
           <a:p>
             <a:fld id="{B4C71EC6-210F-42DE-9C53-41977AD35B3D}" type="datetimeFigureOut">
               <a:rPr lang="ru-RU" smtClean="0"/>
-              <a:t>29.05.17</a:t>
+              <a:t>31.05.2017</a:t>
             </a:fld>
             <a:endParaRPr lang="ru-RU"/>
           </a:p>
@@ -2018,7 +2007,7 @@
           <a:p>
             <a:fld id="{B4C71EC6-210F-42DE-9C53-41977AD35B3D}" type="datetimeFigureOut">
               <a:rPr lang="ru-RU" smtClean="0"/>
-              <a:t>29.05.17</a:t>
+              <a:t>31.05.2017</a:t>
             </a:fld>
             <a:endParaRPr lang="ru-RU"/>
           </a:p>
@@ -2108,7 +2097,7 @@
           <a:p>
             <a:fld id="{B4C71EC6-210F-42DE-9C53-41977AD35B3D}" type="datetimeFigureOut">
               <a:rPr lang="ru-RU" smtClean="0"/>
-              <a:t>29.05.17</a:t>
+              <a:t>31.05.2017</a:t>
             </a:fld>
             <a:endParaRPr lang="ru-RU"/>
           </a:p>
@@ -2350,7 +2339,7 @@
           <a:p>
             <a:fld id="{B4C71EC6-210F-42DE-9C53-41977AD35B3D}" type="datetimeFigureOut">
               <a:rPr lang="ru-RU" smtClean="0"/>
-              <a:t>29.05.17</a:t>
+              <a:t>31.05.2017</a:t>
             </a:fld>
             <a:endParaRPr lang="ru-RU"/>
           </a:p>
@@ -2644,7 +2633,7 @@
           <a:p>
             <a:fld id="{B4C71EC6-210F-42DE-9C53-41977AD35B3D}" type="datetimeFigureOut">
               <a:rPr lang="ru-RU" smtClean="0"/>
-              <a:t>29.05.17</a:t>
+              <a:t>31.05.2017</a:t>
             </a:fld>
             <a:endParaRPr lang="ru-RU"/>
           </a:p>
@@ -2938,7 +2927,7 @@
           <a:p>
             <a:fld id="{B4C71EC6-210F-42DE-9C53-41977AD35B3D}" type="datetimeFigureOut">
               <a:rPr lang="ru-RU" smtClean="0"/>
-              <a:t>29.05.17</a:t>
+              <a:t>31.05.2017</a:t>
             </a:fld>
             <a:endParaRPr lang="ru-RU"/>
           </a:p>
@@ -3431,7 +3420,7 @@
         </p:nvSpPr>
         <p:spPr>
           <a:xfrm>
-            <a:off x="683568" y="2060848"/>
+            <a:off x="539552" y="764704"/>
             <a:ext cx="8165971" cy="2308324"/>
           </a:xfrm>
           <a:prstGeom prst="rect">
@@ -3446,54 +3435,187 @@
           <a:p>
             <a:pPr algn="ctr"/>
             <a:r>
-              <a:rPr lang="ru-RU" sz="3600" b="1" dirty="0" smtClean="0">
-                <a:latin typeface="Times New Roman" panose="02020603050405020304" pitchFamily="18" charset="0"/>
-                <a:cs typeface="Times New Roman" panose="02020603050405020304" pitchFamily="18" charset="0"/>
+              <a:rPr lang="ru-RU" sz="3600" b="1" dirty="0">
+                <a:latin typeface="Tahoma" panose="020B0604030504040204" pitchFamily="34" charset="0"/>
+                <a:ea typeface="Tahoma" panose="020B0604030504040204" pitchFamily="34" charset="0"/>
+                <a:cs typeface="Tahoma" panose="020B0604030504040204" pitchFamily="34" charset="0"/>
               </a:rPr>
               <a:t>РАЗРАБОТКА ПРОГРАММНОГО </a:t>
             </a:r>
             <a:r>
               <a:rPr lang="ru-RU" sz="3600" b="1" dirty="0">
-                <a:latin typeface="Times New Roman" panose="02020603050405020304" pitchFamily="18" charset="0"/>
-                <a:cs typeface="Times New Roman" panose="02020603050405020304" pitchFamily="18" charset="0"/>
+                <a:latin typeface="Tahoma" panose="020B0604030504040204" pitchFamily="34" charset="0"/>
+                <a:ea typeface="Tahoma" panose="020B0604030504040204" pitchFamily="34" charset="0"/>
+                <a:cs typeface="Tahoma" panose="020B0604030504040204" pitchFamily="34" charset="0"/>
               </a:rPr>
               <a:t>ОБЕСПЕЧЕНИЯ ДЛЯ  </a:t>
             </a:r>
-            <a:endParaRPr lang="ru-RU" sz="3600" b="1" dirty="0" smtClean="0">
-              <a:latin typeface="Times New Roman" panose="02020603050405020304" pitchFamily="18" charset="0"/>
-              <a:cs typeface="Times New Roman" panose="02020603050405020304" pitchFamily="18" charset="0"/>
+            <a:endParaRPr lang="ru-RU" sz="3600" b="1" dirty="0">
+              <a:latin typeface="Tahoma" panose="020B0604030504040204" pitchFamily="34" charset="0"/>
+              <a:ea typeface="Tahoma" panose="020B0604030504040204" pitchFamily="34" charset="0"/>
+              <a:cs typeface="Tahoma" panose="020B0604030504040204" pitchFamily="34" charset="0"/>
             </a:endParaRPr>
           </a:p>
           <a:p>
             <a:pPr algn="ctr"/>
             <a:r>
-              <a:rPr lang="ru-RU" sz="3600" b="1" dirty="0" smtClean="0">
-                <a:latin typeface="Times New Roman" panose="02020603050405020304" pitchFamily="18" charset="0"/>
-                <a:cs typeface="Times New Roman" panose="02020603050405020304" pitchFamily="18" charset="0"/>
+              <a:rPr lang="ru-RU" sz="3600" b="1" dirty="0">
+                <a:latin typeface="Tahoma" panose="020B0604030504040204" pitchFamily="34" charset="0"/>
+                <a:ea typeface="Tahoma" panose="020B0604030504040204" pitchFamily="34" charset="0"/>
+                <a:cs typeface="Tahoma" panose="020B0604030504040204" pitchFamily="34" charset="0"/>
               </a:rPr>
               <a:t>ОПТИМИЗАЦИИ РАЗМЕЩЕНИЯ ЭЛЕМЕНТОВ </a:t>
             </a:r>
             <a:r>
-              <a:rPr lang="en-US" sz="3600" b="1" dirty="0" smtClean="0">
-                <a:latin typeface="Times New Roman" panose="02020603050405020304" pitchFamily="18" charset="0"/>
-                <a:cs typeface="Times New Roman" panose="02020603050405020304" pitchFamily="18" charset="0"/>
+              <a:rPr lang="en-US" sz="3600" b="1" dirty="0">
+                <a:latin typeface="Tahoma" panose="020B0604030504040204" pitchFamily="34" charset="0"/>
+                <a:ea typeface="Tahoma" panose="020B0604030504040204" pitchFamily="34" charset="0"/>
+                <a:cs typeface="Tahoma" panose="020B0604030504040204" pitchFamily="34" charset="0"/>
               </a:rPr>
               <a:t>UML </a:t>
             </a:r>
             <a:r>
-              <a:rPr lang="ru-RU" sz="3600" b="1" dirty="0" smtClean="0">
-                <a:latin typeface="Times New Roman" panose="02020603050405020304" pitchFamily="18" charset="0"/>
-                <a:cs typeface="Times New Roman" panose="02020603050405020304" pitchFamily="18" charset="0"/>
+              <a:rPr lang="ru-RU" sz="3600" b="1" dirty="0">
+                <a:latin typeface="Tahoma" panose="020B0604030504040204" pitchFamily="34" charset="0"/>
+                <a:ea typeface="Tahoma" panose="020B0604030504040204" pitchFamily="34" charset="0"/>
+                <a:cs typeface="Tahoma" panose="020B0604030504040204" pitchFamily="34" charset="0"/>
               </a:rPr>
               <a:t>ДИАГРАММ </a:t>
             </a:r>
             <a:endParaRPr lang="ru-RU" sz="3600" b="1" dirty="0">
-              <a:latin typeface="Times New Roman" panose="02020603050405020304" pitchFamily="18" charset="0"/>
-              <a:cs typeface="Times New Roman" panose="02020603050405020304" pitchFamily="18" charset="0"/>
+              <a:latin typeface="Tahoma" panose="020B0604030504040204" pitchFamily="34" charset="0"/>
+              <a:ea typeface="Tahoma" panose="020B0604030504040204" pitchFamily="34" charset="0"/>
+              <a:cs typeface="Tahoma" panose="020B0604030504040204" pitchFamily="34" charset="0"/>
             </a:endParaRPr>
           </a:p>
         </p:txBody>
       </p:sp>
+      <p:grpSp>
+        <p:nvGrpSpPr>
+          <p:cNvPr id="5" name="Группа 4"/>
+          <p:cNvGrpSpPr/>
+          <p:nvPr/>
+        </p:nvGrpSpPr>
+        <p:grpSpPr>
+          <a:xfrm>
+            <a:off x="2521269" y="4509119"/>
+            <a:ext cx="6151808" cy="830997"/>
+            <a:chOff x="2521269" y="4509119"/>
+            <a:chExt cx="6151808" cy="830997"/>
+          </a:xfrm>
+        </p:grpSpPr>
+        <p:sp>
+          <p:nvSpPr>
+            <p:cNvPr id="3" name="Прямоугольник 2"/>
+            <p:cNvSpPr/>
+            <p:nvPr/>
+          </p:nvSpPr>
+          <p:spPr>
+            <a:xfrm>
+              <a:off x="2521269" y="4509119"/>
+              <a:ext cx="3672408" cy="830997"/>
+            </a:xfrm>
+            <a:prstGeom prst="rect">
+              <a:avLst/>
+            </a:prstGeom>
+            <a:ln>
+              <a:noFill/>
+            </a:ln>
+          </p:spPr>
+          <p:txBody>
+            <a:bodyPr wrap="square">
+              <a:spAutoFit/>
+            </a:bodyPr>
+            <a:lstStyle/>
+            <a:p>
+              <a:r>
+                <a:rPr lang="ru-RU" sz="2400" dirty="0" smtClean="0">
+                  <a:cs typeface="Times New Roman" panose="02020603050405020304" pitchFamily="18" charset="0"/>
+                </a:rPr>
+                <a:t>  </a:t>
+              </a:r>
+              <a:r>
+                <a:rPr lang="ru-RU" sz="2400" dirty="0">
+                  <a:latin typeface="Tahoma" panose="020B0604030504040204" pitchFamily="34" charset="0"/>
+                  <a:ea typeface="Tahoma" panose="020B0604030504040204" pitchFamily="34" charset="0"/>
+                  <a:cs typeface="Tahoma" panose="020B0604030504040204" pitchFamily="34" charset="0"/>
+                </a:rPr>
+                <a:t>Автор студент</a:t>
+              </a:r>
+            </a:p>
+            <a:p>
+              <a:r>
+                <a:rPr lang="ru-RU" sz="2400" dirty="0" smtClean="0">
+                  <a:cs typeface="Times New Roman" panose="02020603050405020304" pitchFamily="18" charset="0"/>
+                </a:rPr>
+                <a:t>  </a:t>
+              </a:r>
+              <a:r>
+                <a:rPr lang="ru-RU" sz="2400" dirty="0">
+                  <a:latin typeface="Tahoma" panose="020B0604030504040204" pitchFamily="34" charset="0"/>
+                  <a:ea typeface="Tahoma" panose="020B0604030504040204" pitchFamily="34" charset="0"/>
+                  <a:cs typeface="Tahoma" panose="020B0604030504040204" pitchFamily="34" charset="0"/>
+                </a:rPr>
+                <a:t>Руководитель к.ф.-м.н.       </a:t>
+              </a:r>
+            </a:p>
+          </p:txBody>
+        </p:sp>
+        <p:sp>
+          <p:nvSpPr>
+            <p:cNvPr id="4" name="Прямоугольник 3"/>
+            <p:cNvSpPr/>
+            <p:nvPr/>
+          </p:nvSpPr>
+          <p:spPr>
+            <a:xfrm>
+              <a:off x="6135873" y="4509119"/>
+              <a:ext cx="2537204" cy="830997"/>
+            </a:xfrm>
+            <a:prstGeom prst="rect">
+              <a:avLst/>
+            </a:prstGeom>
+            <a:ln>
+              <a:noFill/>
+            </a:ln>
+          </p:spPr>
+          <p:txBody>
+            <a:bodyPr wrap="square">
+              <a:spAutoFit/>
+            </a:bodyPr>
+            <a:lstStyle/>
+            <a:p>
+              <a:r>
+                <a:rPr lang="ru-RU" sz="2400" dirty="0">
+                  <a:latin typeface="Tahoma" panose="020B0604030504040204" pitchFamily="34" charset="0"/>
+                  <a:ea typeface="Tahoma" panose="020B0604030504040204" pitchFamily="34" charset="0"/>
+                  <a:cs typeface="Tahoma" panose="020B0604030504040204" pitchFamily="34" charset="0"/>
+                </a:rPr>
+                <a:t>Печерский В.Н.</a:t>
+              </a:r>
+            </a:p>
+            <a:p>
+              <a:r>
+                <a:rPr lang="ru-RU" sz="2400" dirty="0">
+                  <a:latin typeface="Tahoma" panose="020B0604030504040204" pitchFamily="34" charset="0"/>
+                  <a:ea typeface="Tahoma" panose="020B0604030504040204" pitchFamily="34" charset="0"/>
+                  <a:cs typeface="Tahoma" panose="020B0604030504040204" pitchFamily="34" charset="0"/>
+                </a:rPr>
+                <a:t>Ермолаев</a:t>
+              </a:r>
+              <a:r>
+                <a:rPr lang="ru-RU" sz="2400" dirty="0" smtClean="0">
+                  <a:cs typeface="Times New Roman" panose="02020603050405020304" pitchFamily="18" charset="0"/>
+                </a:rPr>
+                <a:t> В.А.       </a:t>
+              </a:r>
+              <a:endParaRPr lang="ru-RU" sz="2400" dirty="0" smtClean="0">
+                <a:cs typeface="Times New Roman" panose="02020603050405020304" pitchFamily="18" charset="0"/>
+              </a:endParaRPr>
+            </a:p>
+          </p:txBody>
+        </p:sp>
+      </p:grpSp>
     </p:spTree>
     <p:extLst>
       <p:ext uri="{BB962C8B-B14F-4D97-AF65-F5344CB8AC3E}">
@@ -3515,6 +3637,1023 @@
 </file>
 
 <file path=ppt/slides/slide10.xml><?xml version="1.0" encoding="utf-8"?>
+<p:sld xmlns:a="http://schemas.openxmlformats.org/drawingml/2006/main" xmlns:r="http://schemas.openxmlformats.org/officeDocument/2006/relationships" xmlns:p="http://schemas.openxmlformats.org/presentationml/2006/main">
+  <p:cSld>
+    <p:spTree>
+      <p:nvGrpSpPr>
+        <p:cNvPr id="1" name=""/>
+        <p:cNvGrpSpPr/>
+        <p:nvPr/>
+      </p:nvGrpSpPr>
+      <p:grpSpPr>
+        <a:xfrm>
+          <a:off x="0" y="0"/>
+          <a:ext cx="0" cy="0"/>
+          <a:chOff x="0" y="0"/>
+          <a:chExt cx="0" cy="0"/>
+        </a:xfrm>
+      </p:grpSpPr>
+      <p:sp>
+        <p:nvSpPr>
+          <p:cNvPr id="2" name="Content Placeholder 2"/>
+          <p:cNvSpPr txBox="1">
+            <a:spLocks/>
+          </p:cNvSpPr>
+          <p:nvPr/>
+        </p:nvSpPr>
+        <p:spPr>
+          <a:xfrm>
+            <a:off x="251520" y="548680"/>
+            <a:ext cx="8640960" cy="5688632"/>
+          </a:xfrm>
+          <a:prstGeom prst="rect">
+            <a:avLst/>
+          </a:prstGeom>
+        </p:spPr>
+        <p:txBody>
+          <a:bodyPr>
+            <a:noAutofit/>
+          </a:bodyPr>
+          <a:lstStyle>
+            <a:lvl1pPr marL="342900" indent="-342900" algn="l" defTabSz="914400" rtl="0" eaLnBrk="1" latinLnBrk="0" hangingPunct="1">
+              <a:spcBef>
+                <a:spcPct val="20000"/>
+              </a:spcBef>
+              <a:buFont typeface="Arial" pitchFamily="34" charset="0"/>
+              <a:buChar char="•"/>
+              <a:defRPr sz="3200" kern="1200">
+                <a:solidFill>
+                  <a:schemeClr val="tx1"/>
+                </a:solidFill>
+                <a:latin typeface="+mn-lt"/>
+                <a:ea typeface="+mn-ea"/>
+                <a:cs typeface="+mn-cs"/>
+              </a:defRPr>
+            </a:lvl1pPr>
+            <a:lvl2pPr marL="742950" indent="-285750" algn="l" defTabSz="914400" rtl="0" eaLnBrk="1" latinLnBrk="0" hangingPunct="1">
+              <a:spcBef>
+                <a:spcPct val="20000"/>
+              </a:spcBef>
+              <a:buFont typeface="Arial" pitchFamily="34" charset="0"/>
+              <a:buChar char="–"/>
+              <a:defRPr sz="2800" kern="1200">
+                <a:solidFill>
+                  <a:schemeClr val="tx1"/>
+                </a:solidFill>
+                <a:latin typeface="+mn-lt"/>
+                <a:ea typeface="+mn-ea"/>
+                <a:cs typeface="+mn-cs"/>
+              </a:defRPr>
+            </a:lvl2pPr>
+            <a:lvl3pPr marL="1143000" indent="-228600" algn="l" defTabSz="914400" rtl="0" eaLnBrk="1" latinLnBrk="0" hangingPunct="1">
+              <a:spcBef>
+                <a:spcPct val="20000"/>
+              </a:spcBef>
+              <a:buFont typeface="Arial" pitchFamily="34" charset="0"/>
+              <a:buChar char="•"/>
+              <a:defRPr sz="2400" kern="1200">
+                <a:solidFill>
+                  <a:schemeClr val="tx1"/>
+                </a:solidFill>
+                <a:latin typeface="+mn-lt"/>
+                <a:ea typeface="+mn-ea"/>
+                <a:cs typeface="+mn-cs"/>
+              </a:defRPr>
+            </a:lvl3pPr>
+            <a:lvl4pPr marL="1600200" indent="-228600" algn="l" defTabSz="914400" rtl="0" eaLnBrk="1" latinLnBrk="0" hangingPunct="1">
+              <a:spcBef>
+                <a:spcPct val="20000"/>
+              </a:spcBef>
+              <a:buFont typeface="Arial" pitchFamily="34" charset="0"/>
+              <a:buChar char="–"/>
+              <a:defRPr sz="2000" kern="1200">
+                <a:solidFill>
+                  <a:schemeClr val="tx1"/>
+                </a:solidFill>
+                <a:latin typeface="+mn-lt"/>
+                <a:ea typeface="+mn-ea"/>
+                <a:cs typeface="+mn-cs"/>
+              </a:defRPr>
+            </a:lvl4pPr>
+            <a:lvl5pPr marL="2057400" indent="-228600" algn="l" defTabSz="914400" rtl="0" eaLnBrk="1" latinLnBrk="0" hangingPunct="1">
+              <a:spcBef>
+                <a:spcPct val="20000"/>
+              </a:spcBef>
+              <a:buFont typeface="Arial" pitchFamily="34" charset="0"/>
+              <a:buChar char="»"/>
+              <a:defRPr sz="2000" kern="1200">
+                <a:solidFill>
+                  <a:schemeClr val="tx1"/>
+                </a:solidFill>
+                <a:latin typeface="+mn-lt"/>
+                <a:ea typeface="+mn-ea"/>
+                <a:cs typeface="+mn-cs"/>
+              </a:defRPr>
+            </a:lvl5pPr>
+            <a:lvl6pPr marL="2514600" indent="-228600" algn="l" defTabSz="914400" rtl="0" eaLnBrk="1" latinLnBrk="0" hangingPunct="1">
+              <a:spcBef>
+                <a:spcPct val="20000"/>
+              </a:spcBef>
+              <a:buFont typeface="Arial" pitchFamily="34" charset="0"/>
+              <a:buChar char="•"/>
+              <a:defRPr sz="2000" kern="1200">
+                <a:solidFill>
+                  <a:schemeClr val="tx1"/>
+                </a:solidFill>
+                <a:latin typeface="+mn-lt"/>
+                <a:ea typeface="+mn-ea"/>
+                <a:cs typeface="+mn-cs"/>
+              </a:defRPr>
+            </a:lvl6pPr>
+            <a:lvl7pPr marL="2971800" indent="-228600" algn="l" defTabSz="914400" rtl="0" eaLnBrk="1" latinLnBrk="0" hangingPunct="1">
+              <a:spcBef>
+                <a:spcPct val="20000"/>
+              </a:spcBef>
+              <a:buFont typeface="Arial" pitchFamily="34" charset="0"/>
+              <a:buChar char="•"/>
+              <a:defRPr sz="2000" kern="1200">
+                <a:solidFill>
+                  <a:schemeClr val="tx1"/>
+                </a:solidFill>
+                <a:latin typeface="+mn-lt"/>
+                <a:ea typeface="+mn-ea"/>
+                <a:cs typeface="+mn-cs"/>
+              </a:defRPr>
+            </a:lvl7pPr>
+            <a:lvl8pPr marL="3429000" indent="-228600" algn="l" defTabSz="914400" rtl="0" eaLnBrk="1" latinLnBrk="0" hangingPunct="1">
+              <a:spcBef>
+                <a:spcPct val="20000"/>
+              </a:spcBef>
+              <a:buFont typeface="Arial" pitchFamily="34" charset="0"/>
+              <a:buChar char="•"/>
+              <a:defRPr sz="2000" kern="1200">
+                <a:solidFill>
+                  <a:schemeClr val="tx1"/>
+                </a:solidFill>
+                <a:latin typeface="+mn-lt"/>
+                <a:ea typeface="+mn-ea"/>
+                <a:cs typeface="+mn-cs"/>
+              </a:defRPr>
+            </a:lvl8pPr>
+            <a:lvl9pPr marL="3886200" indent="-228600" algn="l" defTabSz="914400" rtl="0" eaLnBrk="1" latinLnBrk="0" hangingPunct="1">
+              <a:spcBef>
+                <a:spcPct val="20000"/>
+              </a:spcBef>
+              <a:buFont typeface="Arial" pitchFamily="34" charset="0"/>
+              <a:buChar char="•"/>
+              <a:defRPr sz="2000" kern="1200">
+                <a:solidFill>
+                  <a:schemeClr val="tx1"/>
+                </a:solidFill>
+                <a:latin typeface="+mn-lt"/>
+                <a:ea typeface="+mn-ea"/>
+                <a:cs typeface="+mn-cs"/>
+              </a:defRPr>
+            </a:lvl9pPr>
+          </a:lstStyle>
+          <a:p>
+            <a:pPr marL="0" indent="0">
+              <a:buNone/>
+            </a:pPr>
+            <a:r>
+              <a:rPr lang="ru-RU" sz="2800" b="1" dirty="0" smtClean="0">
+                <a:latin typeface="Times New Roman" panose="02020603050405020304" pitchFamily="18" charset="0"/>
+                <a:cs typeface="Times New Roman" panose="02020603050405020304" pitchFamily="18" charset="0"/>
+              </a:rPr>
+              <a:t>Алгоритм </a:t>
+            </a:r>
+            <a:r>
+              <a:rPr lang="ru-RU" sz="2600" dirty="0" smtClean="0">
+                <a:latin typeface="Times New Roman" panose="02020603050405020304" pitchFamily="18" charset="0"/>
+                <a:cs typeface="Times New Roman" panose="02020603050405020304" pitchFamily="18" charset="0"/>
+              </a:rPr>
+              <a:t>последовательность </a:t>
+            </a:r>
+            <a:r>
+              <a:rPr lang="ru-RU" sz="2600" dirty="0">
+                <a:latin typeface="Times New Roman" panose="02020603050405020304" pitchFamily="18" charset="0"/>
+                <a:cs typeface="Times New Roman" panose="02020603050405020304" pitchFamily="18" charset="0"/>
+              </a:rPr>
+              <a:t>команд, предназначенная исполнителю, в результате выполнения которой он должен решить поставленную задачу. </a:t>
+            </a:r>
+          </a:p>
+          <a:p>
+            <a:pPr marL="0" indent="0">
+              <a:buNone/>
+            </a:pPr>
+            <a:r>
+              <a:rPr lang="ru-RU" sz="2600" dirty="0" smtClean="0">
+                <a:latin typeface="Times New Roman" panose="02020603050405020304" pitchFamily="18" charset="0"/>
+                <a:cs typeface="Times New Roman" panose="02020603050405020304" pitchFamily="18" charset="0"/>
+              </a:rPr>
+              <a:t> Алгоритмы визуализации графов можно условно разделить:</a:t>
+            </a:r>
+          </a:p>
+          <a:p>
+            <a:pPr algn="just"/>
+            <a:r>
+              <a:rPr lang="ru-RU" sz="2600" dirty="0">
+                <a:latin typeface="Times New Roman" panose="02020603050405020304" pitchFamily="18" charset="0"/>
+                <a:cs typeface="Times New Roman" panose="02020603050405020304" pitchFamily="18" charset="0"/>
+              </a:rPr>
+              <a:t>а</a:t>
+            </a:r>
+            <a:r>
+              <a:rPr lang="ru-RU" sz="2600" dirty="0" smtClean="0">
+                <a:latin typeface="Times New Roman" panose="02020603050405020304" pitchFamily="18" charset="0"/>
+                <a:cs typeface="Times New Roman" panose="02020603050405020304" pitchFamily="18" charset="0"/>
+              </a:rPr>
+              <a:t>лгоритм компоновки</a:t>
+            </a:r>
+          </a:p>
+          <a:p>
+            <a:pPr algn="just"/>
+            <a:r>
+              <a:rPr lang="ru-RU" sz="2600" dirty="0">
+                <a:latin typeface="Times New Roman" panose="02020603050405020304" pitchFamily="18" charset="0"/>
+                <a:cs typeface="Times New Roman" panose="02020603050405020304" pitchFamily="18" charset="0"/>
+              </a:rPr>
+              <a:t>а</a:t>
+            </a:r>
+            <a:r>
+              <a:rPr lang="ru-RU" sz="2600" dirty="0" smtClean="0">
+                <a:latin typeface="Times New Roman" panose="02020603050405020304" pitchFamily="18" charset="0"/>
+                <a:cs typeface="Times New Roman" panose="02020603050405020304" pitchFamily="18" charset="0"/>
+              </a:rPr>
+              <a:t>лгоритм размещения</a:t>
+            </a:r>
+          </a:p>
+          <a:p>
+            <a:pPr algn="just"/>
+            <a:r>
+              <a:rPr lang="ru-RU" sz="2600" dirty="0">
+                <a:latin typeface="Times New Roman" panose="02020603050405020304" pitchFamily="18" charset="0"/>
+                <a:cs typeface="Times New Roman" panose="02020603050405020304" pitchFamily="18" charset="0"/>
+              </a:rPr>
+              <a:t>а</a:t>
+            </a:r>
+            <a:r>
+              <a:rPr lang="ru-RU" sz="2600" dirty="0" smtClean="0">
+                <a:latin typeface="Times New Roman" panose="02020603050405020304" pitchFamily="18" charset="0"/>
+                <a:cs typeface="Times New Roman" panose="02020603050405020304" pitchFamily="18" charset="0"/>
+              </a:rPr>
+              <a:t>лгоритм трассировки</a:t>
+            </a:r>
+            <a:endParaRPr lang="ru-RU" sz="2600" dirty="0">
+              <a:latin typeface="Times New Roman" panose="02020603050405020304" pitchFamily="18" charset="0"/>
+              <a:cs typeface="Times New Roman" panose="02020603050405020304" pitchFamily="18" charset="0"/>
+            </a:endParaRPr>
+          </a:p>
+          <a:p>
+            <a:pPr marL="0" indent="0">
+              <a:buNone/>
+            </a:pPr>
+            <a:r>
+              <a:rPr lang="uk-UA" sz="2600" dirty="0" smtClean="0">
+                <a:latin typeface="Times New Roman" panose="02020603050405020304" pitchFamily="18" charset="0"/>
+                <a:cs typeface="Times New Roman" panose="02020603050405020304" pitchFamily="18" charset="0"/>
+              </a:rPr>
+              <a:t> </a:t>
+            </a:r>
+            <a:endParaRPr lang="en-US" sz="2600" dirty="0">
+              <a:latin typeface="Times New Roman" panose="02020603050405020304" pitchFamily="18" charset="0"/>
+              <a:cs typeface="Times New Roman" panose="02020603050405020304" pitchFamily="18" charset="0"/>
+            </a:endParaRPr>
+          </a:p>
+        </p:txBody>
+      </p:sp>
+    </p:spTree>
+    <p:extLst>
+      <p:ext uri="{BB962C8B-B14F-4D97-AF65-F5344CB8AC3E}">
+        <p14:creationId xmlns:p14="http://schemas.microsoft.com/office/powerpoint/2010/main" val="2407367015"/>
+      </p:ext>
+    </p:extLst>
+  </p:cSld>
+  <p:clrMapOvr>
+    <a:masterClrMapping/>
+  </p:clrMapOvr>
+  <p:timing>
+    <p:tnLst>
+      <p:par>
+        <p:cTn id="1" dur="indefinite" restart="never" nodeType="tmRoot"/>
+      </p:par>
+    </p:tnLst>
+  </p:timing>
+</p:sld>
+</file>
+
+<file path=ppt/slides/slide11.xml><?xml version="1.0" encoding="utf-8"?>
+<p:sld xmlns:a="http://schemas.openxmlformats.org/drawingml/2006/main" xmlns:r="http://schemas.openxmlformats.org/officeDocument/2006/relationships" xmlns:p="http://schemas.openxmlformats.org/presentationml/2006/main">
+  <p:cSld>
+    <p:spTree>
+      <p:nvGrpSpPr>
+        <p:cNvPr id="1" name=""/>
+        <p:cNvGrpSpPr/>
+        <p:nvPr/>
+      </p:nvGrpSpPr>
+      <p:grpSpPr>
+        <a:xfrm>
+          <a:off x="0" y="0"/>
+          <a:ext cx="0" cy="0"/>
+          <a:chOff x="0" y="0"/>
+          <a:chExt cx="0" cy="0"/>
+        </a:xfrm>
+      </p:grpSpPr>
+      <p:sp>
+        <p:nvSpPr>
+          <p:cNvPr id="2" name="Content Placeholder 2"/>
+          <p:cNvSpPr txBox="1">
+            <a:spLocks/>
+          </p:cNvSpPr>
+          <p:nvPr/>
+        </p:nvSpPr>
+        <p:spPr>
+          <a:xfrm>
+            <a:off x="251520" y="548680"/>
+            <a:ext cx="8640960" cy="5688632"/>
+          </a:xfrm>
+          <a:prstGeom prst="rect">
+            <a:avLst/>
+          </a:prstGeom>
+        </p:spPr>
+        <p:txBody>
+          <a:bodyPr>
+            <a:noAutofit/>
+          </a:bodyPr>
+          <a:lstStyle>
+            <a:lvl1pPr marL="342900" indent="-342900" algn="l" defTabSz="914400" rtl="0" eaLnBrk="1" latinLnBrk="0" hangingPunct="1">
+              <a:spcBef>
+                <a:spcPct val="20000"/>
+              </a:spcBef>
+              <a:buFont typeface="Arial" pitchFamily="34" charset="0"/>
+              <a:buChar char="•"/>
+              <a:defRPr sz="3200" kern="1200">
+                <a:solidFill>
+                  <a:schemeClr val="tx1"/>
+                </a:solidFill>
+                <a:latin typeface="+mn-lt"/>
+                <a:ea typeface="+mn-ea"/>
+                <a:cs typeface="+mn-cs"/>
+              </a:defRPr>
+            </a:lvl1pPr>
+            <a:lvl2pPr marL="742950" indent="-285750" algn="l" defTabSz="914400" rtl="0" eaLnBrk="1" latinLnBrk="0" hangingPunct="1">
+              <a:spcBef>
+                <a:spcPct val="20000"/>
+              </a:spcBef>
+              <a:buFont typeface="Arial" pitchFamily="34" charset="0"/>
+              <a:buChar char="–"/>
+              <a:defRPr sz="2800" kern="1200">
+                <a:solidFill>
+                  <a:schemeClr val="tx1"/>
+                </a:solidFill>
+                <a:latin typeface="+mn-lt"/>
+                <a:ea typeface="+mn-ea"/>
+                <a:cs typeface="+mn-cs"/>
+              </a:defRPr>
+            </a:lvl2pPr>
+            <a:lvl3pPr marL="1143000" indent="-228600" algn="l" defTabSz="914400" rtl="0" eaLnBrk="1" latinLnBrk="0" hangingPunct="1">
+              <a:spcBef>
+                <a:spcPct val="20000"/>
+              </a:spcBef>
+              <a:buFont typeface="Arial" pitchFamily="34" charset="0"/>
+              <a:buChar char="•"/>
+              <a:defRPr sz="2400" kern="1200">
+                <a:solidFill>
+                  <a:schemeClr val="tx1"/>
+                </a:solidFill>
+                <a:latin typeface="+mn-lt"/>
+                <a:ea typeface="+mn-ea"/>
+                <a:cs typeface="+mn-cs"/>
+              </a:defRPr>
+            </a:lvl3pPr>
+            <a:lvl4pPr marL="1600200" indent="-228600" algn="l" defTabSz="914400" rtl="0" eaLnBrk="1" latinLnBrk="0" hangingPunct="1">
+              <a:spcBef>
+                <a:spcPct val="20000"/>
+              </a:spcBef>
+              <a:buFont typeface="Arial" pitchFamily="34" charset="0"/>
+              <a:buChar char="–"/>
+              <a:defRPr sz="2000" kern="1200">
+                <a:solidFill>
+                  <a:schemeClr val="tx1"/>
+                </a:solidFill>
+                <a:latin typeface="+mn-lt"/>
+                <a:ea typeface="+mn-ea"/>
+                <a:cs typeface="+mn-cs"/>
+              </a:defRPr>
+            </a:lvl4pPr>
+            <a:lvl5pPr marL="2057400" indent="-228600" algn="l" defTabSz="914400" rtl="0" eaLnBrk="1" latinLnBrk="0" hangingPunct="1">
+              <a:spcBef>
+                <a:spcPct val="20000"/>
+              </a:spcBef>
+              <a:buFont typeface="Arial" pitchFamily="34" charset="0"/>
+              <a:buChar char="»"/>
+              <a:defRPr sz="2000" kern="1200">
+                <a:solidFill>
+                  <a:schemeClr val="tx1"/>
+                </a:solidFill>
+                <a:latin typeface="+mn-lt"/>
+                <a:ea typeface="+mn-ea"/>
+                <a:cs typeface="+mn-cs"/>
+              </a:defRPr>
+            </a:lvl5pPr>
+            <a:lvl6pPr marL="2514600" indent="-228600" algn="l" defTabSz="914400" rtl="0" eaLnBrk="1" latinLnBrk="0" hangingPunct="1">
+              <a:spcBef>
+                <a:spcPct val="20000"/>
+              </a:spcBef>
+              <a:buFont typeface="Arial" pitchFamily="34" charset="0"/>
+              <a:buChar char="•"/>
+              <a:defRPr sz="2000" kern="1200">
+                <a:solidFill>
+                  <a:schemeClr val="tx1"/>
+                </a:solidFill>
+                <a:latin typeface="+mn-lt"/>
+                <a:ea typeface="+mn-ea"/>
+                <a:cs typeface="+mn-cs"/>
+              </a:defRPr>
+            </a:lvl6pPr>
+            <a:lvl7pPr marL="2971800" indent="-228600" algn="l" defTabSz="914400" rtl="0" eaLnBrk="1" latinLnBrk="0" hangingPunct="1">
+              <a:spcBef>
+                <a:spcPct val="20000"/>
+              </a:spcBef>
+              <a:buFont typeface="Arial" pitchFamily="34" charset="0"/>
+              <a:buChar char="•"/>
+              <a:defRPr sz="2000" kern="1200">
+                <a:solidFill>
+                  <a:schemeClr val="tx1"/>
+                </a:solidFill>
+                <a:latin typeface="+mn-lt"/>
+                <a:ea typeface="+mn-ea"/>
+                <a:cs typeface="+mn-cs"/>
+              </a:defRPr>
+            </a:lvl7pPr>
+            <a:lvl8pPr marL="3429000" indent="-228600" algn="l" defTabSz="914400" rtl="0" eaLnBrk="1" latinLnBrk="0" hangingPunct="1">
+              <a:spcBef>
+                <a:spcPct val="20000"/>
+              </a:spcBef>
+              <a:buFont typeface="Arial" pitchFamily="34" charset="0"/>
+              <a:buChar char="•"/>
+              <a:defRPr sz="2000" kern="1200">
+                <a:solidFill>
+                  <a:schemeClr val="tx1"/>
+                </a:solidFill>
+                <a:latin typeface="+mn-lt"/>
+                <a:ea typeface="+mn-ea"/>
+                <a:cs typeface="+mn-cs"/>
+              </a:defRPr>
+            </a:lvl8pPr>
+            <a:lvl9pPr marL="3886200" indent="-228600" algn="l" defTabSz="914400" rtl="0" eaLnBrk="1" latinLnBrk="0" hangingPunct="1">
+              <a:spcBef>
+                <a:spcPct val="20000"/>
+              </a:spcBef>
+              <a:buFont typeface="Arial" pitchFamily="34" charset="0"/>
+              <a:buChar char="•"/>
+              <a:defRPr sz="2000" kern="1200">
+                <a:solidFill>
+                  <a:schemeClr val="tx1"/>
+                </a:solidFill>
+                <a:latin typeface="+mn-lt"/>
+                <a:ea typeface="+mn-ea"/>
+                <a:cs typeface="+mn-cs"/>
+              </a:defRPr>
+            </a:lvl9pPr>
+          </a:lstStyle>
+          <a:p>
+            <a:pPr marL="0" indent="0">
+              <a:buNone/>
+            </a:pPr>
+            <a:r>
+              <a:rPr lang="ru-RU" sz="2800" b="1" dirty="0" smtClean="0">
+                <a:latin typeface="Times New Roman" panose="02020603050405020304" pitchFamily="18" charset="0"/>
+                <a:cs typeface="Times New Roman" panose="02020603050405020304" pitchFamily="18" charset="0"/>
+              </a:rPr>
+              <a:t>2 Реализация автоматического размещения </a:t>
+            </a:r>
+            <a:r>
+              <a:rPr lang="en-US" sz="2800" b="1" dirty="0" smtClean="0">
+                <a:latin typeface="Times New Roman" panose="02020603050405020304" pitchFamily="18" charset="0"/>
+                <a:cs typeface="Times New Roman" panose="02020603050405020304" pitchFamily="18" charset="0"/>
+              </a:rPr>
+              <a:t>UML </a:t>
+            </a:r>
+            <a:r>
+              <a:rPr lang="ru-RU" sz="2800" b="1" dirty="0" smtClean="0">
+                <a:latin typeface="Times New Roman" panose="02020603050405020304" pitchFamily="18" charset="0"/>
+                <a:cs typeface="Times New Roman" panose="02020603050405020304" pitchFamily="18" charset="0"/>
+              </a:rPr>
+              <a:t>диаграмм</a:t>
+            </a:r>
+          </a:p>
+          <a:p>
+            <a:pPr marL="0" indent="0">
+              <a:buNone/>
+            </a:pPr>
+            <a:endParaRPr lang="ru-RU" sz="2800" b="1" dirty="0" smtClean="0">
+              <a:latin typeface="Times New Roman" panose="02020603050405020304" pitchFamily="18" charset="0"/>
+              <a:cs typeface="Times New Roman" panose="02020603050405020304" pitchFamily="18" charset="0"/>
+            </a:endParaRPr>
+          </a:p>
+          <a:p>
+            <a:r>
+              <a:rPr lang="ru-RU" sz="2600" dirty="0" smtClean="0">
+                <a:latin typeface="Times New Roman" panose="02020603050405020304" pitchFamily="18" charset="0"/>
+                <a:cs typeface="Times New Roman" panose="02020603050405020304" pitchFamily="18" charset="0"/>
+              </a:rPr>
+              <a:t>Особенности реализации с использованием редактора </a:t>
+            </a:r>
+            <a:r>
+              <a:rPr lang="en-US" sz="2600" dirty="0" err="1" smtClean="0">
+                <a:latin typeface="Times New Roman" panose="02020603050405020304" pitchFamily="18" charset="0"/>
+                <a:cs typeface="Times New Roman" panose="02020603050405020304" pitchFamily="18" charset="0"/>
+              </a:rPr>
+              <a:t>ArgoUML</a:t>
+            </a:r>
+            <a:endParaRPr lang="en-US" sz="2600" dirty="0" smtClean="0">
+              <a:latin typeface="Times New Roman" panose="02020603050405020304" pitchFamily="18" charset="0"/>
+              <a:cs typeface="Times New Roman" panose="02020603050405020304" pitchFamily="18" charset="0"/>
+            </a:endParaRPr>
+          </a:p>
+          <a:p>
+            <a:r>
+              <a:rPr lang="uk-UA" sz="2600" dirty="0" smtClean="0">
+                <a:latin typeface="Times New Roman" panose="02020603050405020304" pitchFamily="18" charset="0"/>
+                <a:cs typeface="Times New Roman" panose="02020603050405020304" pitchFamily="18" charset="0"/>
+              </a:rPr>
+              <a:t>Опис</a:t>
+            </a:r>
+            <a:r>
+              <a:rPr lang="ru-RU" sz="2600" dirty="0" err="1" smtClean="0">
+                <a:latin typeface="Times New Roman" panose="02020603050405020304" pitchFamily="18" charset="0"/>
+                <a:cs typeface="Times New Roman" panose="02020603050405020304" pitchFamily="18" charset="0"/>
+              </a:rPr>
+              <a:t>ание</a:t>
+            </a:r>
+            <a:r>
+              <a:rPr lang="ru-RU" sz="2600" dirty="0" smtClean="0">
+                <a:latin typeface="Times New Roman" panose="02020603050405020304" pitchFamily="18" charset="0"/>
+                <a:cs typeface="Times New Roman" panose="02020603050405020304" pitchFamily="18" charset="0"/>
+              </a:rPr>
+              <a:t> </a:t>
+            </a:r>
+            <a:r>
+              <a:rPr lang="ru-RU" sz="2600" dirty="0" err="1" smtClean="0">
+                <a:latin typeface="Times New Roman" panose="02020603050405020304" pitchFamily="18" charset="0"/>
+                <a:cs typeface="Times New Roman" panose="02020603050405020304" pitchFamily="18" charset="0"/>
+              </a:rPr>
+              <a:t>выбраных</a:t>
+            </a:r>
+            <a:r>
+              <a:rPr lang="ru-RU" sz="2600" dirty="0" smtClean="0">
+                <a:latin typeface="Times New Roman" panose="02020603050405020304" pitchFamily="18" charset="0"/>
+                <a:cs typeface="Times New Roman" panose="02020603050405020304" pitchFamily="18" charset="0"/>
+              </a:rPr>
+              <a:t> алгоритмов </a:t>
+            </a:r>
+            <a:r>
+              <a:rPr lang="ru-RU" sz="2600" dirty="0" err="1" smtClean="0">
+                <a:latin typeface="Times New Roman" panose="02020603050405020304" pitchFamily="18" charset="0"/>
+                <a:cs typeface="Times New Roman" panose="02020603050405020304" pitchFamily="18" charset="0"/>
+              </a:rPr>
+              <a:t>розмищения</a:t>
+            </a:r>
+            <a:endParaRPr lang="ru-RU" sz="2600" dirty="0" smtClean="0">
+              <a:latin typeface="Times New Roman" panose="02020603050405020304" pitchFamily="18" charset="0"/>
+              <a:cs typeface="Times New Roman" panose="02020603050405020304" pitchFamily="18" charset="0"/>
+            </a:endParaRPr>
+          </a:p>
+          <a:p>
+            <a:r>
+              <a:rPr lang="ru-RU" sz="2600" dirty="0" smtClean="0">
+                <a:latin typeface="Times New Roman" panose="02020603050405020304" pitchFamily="18" charset="0"/>
+                <a:cs typeface="Times New Roman" panose="02020603050405020304" pitchFamily="18" charset="0"/>
+              </a:rPr>
+              <a:t>Реализация</a:t>
+            </a:r>
+            <a:endParaRPr lang="en-US" sz="2600" dirty="0" smtClean="0">
+              <a:latin typeface="Times New Roman" panose="02020603050405020304" pitchFamily="18" charset="0"/>
+              <a:cs typeface="Times New Roman" panose="02020603050405020304" pitchFamily="18" charset="0"/>
+            </a:endParaRPr>
+          </a:p>
+        </p:txBody>
+      </p:sp>
+    </p:spTree>
+    <p:extLst>
+      <p:ext uri="{BB962C8B-B14F-4D97-AF65-F5344CB8AC3E}">
+        <p14:creationId xmlns:p14="http://schemas.microsoft.com/office/powerpoint/2010/main" val="2837910175"/>
+      </p:ext>
+    </p:extLst>
+  </p:cSld>
+  <p:clrMapOvr>
+    <a:masterClrMapping/>
+  </p:clrMapOvr>
+  <p:timing>
+    <p:tnLst>
+      <p:par>
+        <p:cTn id="1" dur="indefinite" restart="never" nodeType="tmRoot"/>
+      </p:par>
+    </p:tnLst>
+  </p:timing>
+</p:sld>
+</file>
+
+<file path=ppt/slides/slide12.xml><?xml version="1.0" encoding="utf-8"?>
+<p:sld xmlns:a="http://schemas.openxmlformats.org/drawingml/2006/main" xmlns:r="http://schemas.openxmlformats.org/officeDocument/2006/relationships" xmlns:p="http://schemas.openxmlformats.org/presentationml/2006/main">
+  <p:cSld>
+    <p:spTree>
+      <p:nvGrpSpPr>
+        <p:cNvPr id="1" name=""/>
+        <p:cNvGrpSpPr/>
+        <p:nvPr/>
+      </p:nvGrpSpPr>
+      <p:grpSpPr>
+        <a:xfrm>
+          <a:off x="0" y="0"/>
+          <a:ext cx="0" cy="0"/>
+          <a:chOff x="0" y="0"/>
+          <a:chExt cx="0" cy="0"/>
+        </a:xfrm>
+      </p:grpSpPr>
+      <p:pic>
+        <p:nvPicPr>
+          <p:cNvPr id="1026" name="Picture 2"/>
+          <p:cNvPicPr>
+            <a:picLocks noChangeAspect="1" noChangeArrowheads="1"/>
+          </p:cNvPicPr>
+          <p:nvPr/>
+        </p:nvPicPr>
+        <p:blipFill>
+          <a:blip r:embed="rId2">
+            <a:extLst>
+              <a:ext uri="{28A0092B-C50C-407E-A947-70E740481C1C}">
+                <a14:useLocalDpi xmlns:a14="http://schemas.microsoft.com/office/drawing/2010/main" val="0"/>
+              </a:ext>
+            </a:extLst>
+          </a:blip>
+          <a:srcRect/>
+          <a:stretch>
+            <a:fillRect/>
+          </a:stretch>
+        </p:blipFill>
+        <p:spPr bwMode="auto">
+          <a:xfrm>
+            <a:off x="420894" y="1052736"/>
+            <a:ext cx="8379759" cy="5328592"/>
+          </a:xfrm>
+          <a:prstGeom prst="rect">
+            <a:avLst/>
+          </a:prstGeom>
+          <a:noFill/>
+          <a:ln>
+            <a:noFill/>
+          </a:ln>
+          <a:extLst>
+            <a:ext uri="{909E8E84-426E-40DD-AFC4-6F175D3DCCD1}">
+              <a14:hiddenFill xmlns:a14="http://schemas.microsoft.com/office/drawing/2010/main">
+                <a:solidFill>
+                  <a:schemeClr val="accent1"/>
+                </a:solidFill>
+              </a14:hiddenFill>
+            </a:ext>
+            <a:ext uri="{91240B29-F687-4F45-9708-019B960494DF}">
+              <a14:hiddenLine xmlns:a14="http://schemas.microsoft.com/office/drawing/2010/main" w="9525">
+                <a:solidFill>
+                  <a:schemeClr val="tx1"/>
+                </a:solidFill>
+                <a:miter lim="800000"/>
+                <a:headEnd/>
+                <a:tailEnd/>
+              </a14:hiddenLine>
+            </a:ext>
+          </a:extLst>
+        </p:spPr>
+      </p:pic>
+      <p:sp>
+        <p:nvSpPr>
+          <p:cNvPr id="3" name="Прямоугольник 2"/>
+          <p:cNvSpPr/>
+          <p:nvPr/>
+        </p:nvSpPr>
+        <p:spPr>
+          <a:xfrm>
+            <a:off x="2411760" y="332656"/>
+            <a:ext cx="4572000" cy="523220"/>
+          </a:xfrm>
+          <a:prstGeom prst="rect">
+            <a:avLst/>
+          </a:prstGeom>
+        </p:spPr>
+        <p:txBody>
+          <a:bodyPr>
+            <a:spAutoFit/>
+          </a:bodyPr>
+          <a:lstStyle/>
+          <a:p>
+            <a:pPr algn="ctr"/>
+            <a:r>
+              <a:rPr lang="ru-RU" sz="2800" dirty="0" smtClean="0">
+                <a:latin typeface="Times New Roman" panose="02020603050405020304" pitchFamily="18" charset="0"/>
+                <a:cs typeface="Times New Roman" panose="02020603050405020304" pitchFamily="18" charset="0"/>
+              </a:rPr>
+              <a:t>Редактор </a:t>
+            </a:r>
+            <a:r>
+              <a:rPr lang="en-US" sz="2800" dirty="0" err="1">
+                <a:latin typeface="Times New Roman" panose="02020603050405020304" pitchFamily="18" charset="0"/>
+                <a:cs typeface="Times New Roman" panose="02020603050405020304" pitchFamily="18" charset="0"/>
+              </a:rPr>
+              <a:t>ArgoUML</a:t>
+            </a:r>
+            <a:endParaRPr lang="en-US" sz="2800" dirty="0">
+              <a:latin typeface="Times New Roman" panose="02020603050405020304" pitchFamily="18" charset="0"/>
+              <a:cs typeface="Times New Roman" panose="02020603050405020304" pitchFamily="18" charset="0"/>
+            </a:endParaRPr>
+          </a:p>
+        </p:txBody>
+      </p:sp>
+    </p:spTree>
+    <p:extLst>
+      <p:ext uri="{BB962C8B-B14F-4D97-AF65-F5344CB8AC3E}">
+        <p14:creationId xmlns:p14="http://schemas.microsoft.com/office/powerpoint/2010/main" val="2003169493"/>
+      </p:ext>
+    </p:extLst>
+  </p:cSld>
+  <p:clrMapOvr>
+    <a:masterClrMapping/>
+  </p:clrMapOvr>
+  <p:timing>
+    <p:tnLst>
+      <p:par>
+        <p:cTn id="1" dur="indefinite" restart="never" nodeType="tmRoot"/>
+      </p:par>
+    </p:tnLst>
+  </p:timing>
+</p:sld>
+</file>
+
+<file path=ppt/slides/slide13.xml><?xml version="1.0" encoding="utf-8"?>
+<p:sld xmlns:a="http://schemas.openxmlformats.org/drawingml/2006/main" xmlns:r="http://schemas.openxmlformats.org/officeDocument/2006/relationships" xmlns:p="http://schemas.openxmlformats.org/presentationml/2006/main">
+  <p:cSld>
+    <p:spTree>
+      <p:nvGrpSpPr>
+        <p:cNvPr id="1" name=""/>
+        <p:cNvGrpSpPr/>
+        <p:nvPr/>
+      </p:nvGrpSpPr>
+      <p:grpSpPr>
+        <a:xfrm>
+          <a:off x="0" y="0"/>
+          <a:ext cx="0" cy="0"/>
+          <a:chOff x="0" y="0"/>
+          <a:chExt cx="0" cy="0"/>
+        </a:xfrm>
+      </p:grpSpPr>
+      <p:sp>
+        <p:nvSpPr>
+          <p:cNvPr id="2" name="Content Placeholder 2"/>
+          <p:cNvSpPr txBox="1">
+            <a:spLocks/>
+          </p:cNvSpPr>
+          <p:nvPr/>
+        </p:nvSpPr>
+        <p:spPr>
+          <a:xfrm>
+            <a:off x="251520" y="548680"/>
+            <a:ext cx="8640960" cy="5688632"/>
+          </a:xfrm>
+          <a:prstGeom prst="rect">
+            <a:avLst/>
+          </a:prstGeom>
+        </p:spPr>
+        <p:txBody>
+          <a:bodyPr>
+            <a:noAutofit/>
+          </a:bodyPr>
+          <a:lstStyle>
+            <a:lvl1pPr marL="342900" indent="-342900" algn="l" defTabSz="914400" rtl="0" eaLnBrk="1" latinLnBrk="0" hangingPunct="1">
+              <a:spcBef>
+                <a:spcPct val="20000"/>
+              </a:spcBef>
+              <a:buFont typeface="Arial" pitchFamily="34" charset="0"/>
+              <a:buChar char="•"/>
+              <a:defRPr sz="3200" kern="1200">
+                <a:solidFill>
+                  <a:schemeClr val="tx1"/>
+                </a:solidFill>
+                <a:latin typeface="+mn-lt"/>
+                <a:ea typeface="+mn-ea"/>
+                <a:cs typeface="+mn-cs"/>
+              </a:defRPr>
+            </a:lvl1pPr>
+            <a:lvl2pPr marL="742950" indent="-285750" algn="l" defTabSz="914400" rtl="0" eaLnBrk="1" latinLnBrk="0" hangingPunct="1">
+              <a:spcBef>
+                <a:spcPct val="20000"/>
+              </a:spcBef>
+              <a:buFont typeface="Arial" pitchFamily="34" charset="0"/>
+              <a:buChar char="–"/>
+              <a:defRPr sz="2800" kern="1200">
+                <a:solidFill>
+                  <a:schemeClr val="tx1"/>
+                </a:solidFill>
+                <a:latin typeface="+mn-lt"/>
+                <a:ea typeface="+mn-ea"/>
+                <a:cs typeface="+mn-cs"/>
+              </a:defRPr>
+            </a:lvl2pPr>
+            <a:lvl3pPr marL="1143000" indent="-228600" algn="l" defTabSz="914400" rtl="0" eaLnBrk="1" latinLnBrk="0" hangingPunct="1">
+              <a:spcBef>
+                <a:spcPct val="20000"/>
+              </a:spcBef>
+              <a:buFont typeface="Arial" pitchFamily="34" charset="0"/>
+              <a:buChar char="•"/>
+              <a:defRPr sz="2400" kern="1200">
+                <a:solidFill>
+                  <a:schemeClr val="tx1"/>
+                </a:solidFill>
+                <a:latin typeface="+mn-lt"/>
+                <a:ea typeface="+mn-ea"/>
+                <a:cs typeface="+mn-cs"/>
+              </a:defRPr>
+            </a:lvl3pPr>
+            <a:lvl4pPr marL="1600200" indent="-228600" algn="l" defTabSz="914400" rtl="0" eaLnBrk="1" latinLnBrk="0" hangingPunct="1">
+              <a:spcBef>
+                <a:spcPct val="20000"/>
+              </a:spcBef>
+              <a:buFont typeface="Arial" pitchFamily="34" charset="0"/>
+              <a:buChar char="–"/>
+              <a:defRPr sz="2000" kern="1200">
+                <a:solidFill>
+                  <a:schemeClr val="tx1"/>
+                </a:solidFill>
+                <a:latin typeface="+mn-lt"/>
+                <a:ea typeface="+mn-ea"/>
+                <a:cs typeface="+mn-cs"/>
+              </a:defRPr>
+            </a:lvl4pPr>
+            <a:lvl5pPr marL="2057400" indent="-228600" algn="l" defTabSz="914400" rtl="0" eaLnBrk="1" latinLnBrk="0" hangingPunct="1">
+              <a:spcBef>
+                <a:spcPct val="20000"/>
+              </a:spcBef>
+              <a:buFont typeface="Arial" pitchFamily="34" charset="0"/>
+              <a:buChar char="»"/>
+              <a:defRPr sz="2000" kern="1200">
+                <a:solidFill>
+                  <a:schemeClr val="tx1"/>
+                </a:solidFill>
+                <a:latin typeface="+mn-lt"/>
+                <a:ea typeface="+mn-ea"/>
+                <a:cs typeface="+mn-cs"/>
+              </a:defRPr>
+            </a:lvl5pPr>
+            <a:lvl6pPr marL="2514600" indent="-228600" algn="l" defTabSz="914400" rtl="0" eaLnBrk="1" latinLnBrk="0" hangingPunct="1">
+              <a:spcBef>
+                <a:spcPct val="20000"/>
+              </a:spcBef>
+              <a:buFont typeface="Arial" pitchFamily="34" charset="0"/>
+              <a:buChar char="•"/>
+              <a:defRPr sz="2000" kern="1200">
+                <a:solidFill>
+                  <a:schemeClr val="tx1"/>
+                </a:solidFill>
+                <a:latin typeface="+mn-lt"/>
+                <a:ea typeface="+mn-ea"/>
+                <a:cs typeface="+mn-cs"/>
+              </a:defRPr>
+            </a:lvl6pPr>
+            <a:lvl7pPr marL="2971800" indent="-228600" algn="l" defTabSz="914400" rtl="0" eaLnBrk="1" latinLnBrk="0" hangingPunct="1">
+              <a:spcBef>
+                <a:spcPct val="20000"/>
+              </a:spcBef>
+              <a:buFont typeface="Arial" pitchFamily="34" charset="0"/>
+              <a:buChar char="•"/>
+              <a:defRPr sz="2000" kern="1200">
+                <a:solidFill>
+                  <a:schemeClr val="tx1"/>
+                </a:solidFill>
+                <a:latin typeface="+mn-lt"/>
+                <a:ea typeface="+mn-ea"/>
+                <a:cs typeface="+mn-cs"/>
+              </a:defRPr>
+            </a:lvl7pPr>
+            <a:lvl8pPr marL="3429000" indent="-228600" algn="l" defTabSz="914400" rtl="0" eaLnBrk="1" latinLnBrk="0" hangingPunct="1">
+              <a:spcBef>
+                <a:spcPct val="20000"/>
+              </a:spcBef>
+              <a:buFont typeface="Arial" pitchFamily="34" charset="0"/>
+              <a:buChar char="•"/>
+              <a:defRPr sz="2000" kern="1200">
+                <a:solidFill>
+                  <a:schemeClr val="tx1"/>
+                </a:solidFill>
+                <a:latin typeface="+mn-lt"/>
+                <a:ea typeface="+mn-ea"/>
+                <a:cs typeface="+mn-cs"/>
+              </a:defRPr>
+            </a:lvl8pPr>
+            <a:lvl9pPr marL="3886200" indent="-228600" algn="l" defTabSz="914400" rtl="0" eaLnBrk="1" latinLnBrk="0" hangingPunct="1">
+              <a:spcBef>
+                <a:spcPct val="20000"/>
+              </a:spcBef>
+              <a:buFont typeface="Arial" pitchFamily="34" charset="0"/>
+              <a:buChar char="•"/>
+              <a:defRPr sz="2000" kern="1200">
+                <a:solidFill>
+                  <a:schemeClr val="tx1"/>
+                </a:solidFill>
+                <a:latin typeface="+mn-lt"/>
+                <a:ea typeface="+mn-ea"/>
+                <a:cs typeface="+mn-cs"/>
+              </a:defRPr>
+            </a:lvl9pPr>
+          </a:lstStyle>
+          <a:p>
+            <a:pPr marL="0" indent="0" algn="just">
+              <a:buNone/>
+            </a:pPr>
+            <a:r>
+              <a:rPr lang="ru-RU" sz="2800" b="1" dirty="0">
+                <a:latin typeface="Times New Roman" panose="02020603050405020304" pitchFamily="18" charset="0"/>
+                <a:cs typeface="Times New Roman" panose="02020603050405020304" pitchFamily="18" charset="0"/>
+              </a:rPr>
+              <a:t>3</a:t>
+            </a:r>
+            <a:r>
+              <a:rPr lang="ru-RU" sz="2800" b="1" dirty="0" smtClean="0">
+                <a:latin typeface="Times New Roman" panose="02020603050405020304" pitchFamily="18" charset="0"/>
+                <a:cs typeface="Times New Roman" panose="02020603050405020304" pitchFamily="18" charset="0"/>
+              </a:rPr>
+              <a:t> Экспериментальная проверка результатов размещения</a:t>
+            </a:r>
+          </a:p>
+          <a:p>
+            <a:pPr algn="just"/>
+            <a:r>
+              <a:rPr lang="ru-RU" sz="2600" dirty="0" smtClean="0">
+                <a:latin typeface="Times New Roman" panose="02020603050405020304" pitchFamily="18" charset="0"/>
+                <a:cs typeface="Times New Roman" panose="02020603050405020304" pitchFamily="18" charset="0"/>
+              </a:rPr>
+              <a:t>Шаги проведения эксперимента</a:t>
+            </a:r>
+          </a:p>
+          <a:p>
+            <a:pPr algn="just"/>
+            <a:r>
+              <a:rPr lang="ru-RU" sz="2600" dirty="0" smtClean="0">
+                <a:latin typeface="Times New Roman" panose="02020603050405020304" pitchFamily="18" charset="0"/>
+                <a:cs typeface="Times New Roman" panose="02020603050405020304" pitchFamily="18" charset="0"/>
+              </a:rPr>
+              <a:t>Проверка на практике отображения и удобства размещения </a:t>
+            </a:r>
+            <a:r>
+              <a:rPr lang="en-US" sz="2600" dirty="0" smtClean="0">
+                <a:latin typeface="Times New Roman" panose="02020603050405020304" pitchFamily="18" charset="0"/>
+                <a:cs typeface="Times New Roman" panose="02020603050405020304" pitchFamily="18" charset="0"/>
+              </a:rPr>
+              <a:t>UML </a:t>
+            </a:r>
+            <a:r>
+              <a:rPr lang="ru-RU" sz="2600" dirty="0" smtClean="0">
+                <a:latin typeface="Times New Roman" panose="02020603050405020304" pitchFamily="18" charset="0"/>
+                <a:cs typeface="Times New Roman" panose="02020603050405020304" pitchFamily="18" charset="0"/>
+              </a:rPr>
+              <a:t>диаграммы</a:t>
+            </a:r>
+          </a:p>
+          <a:p>
+            <a:pPr algn="just"/>
+            <a:r>
+              <a:rPr lang="ru-RU" sz="2600" dirty="0" smtClean="0">
+                <a:latin typeface="Times New Roman" panose="02020603050405020304" pitchFamily="18" charset="0"/>
+                <a:cs typeface="Times New Roman" panose="02020603050405020304" pitchFamily="18" charset="0"/>
+              </a:rPr>
+              <a:t>Анализ и оценка</a:t>
+            </a:r>
+            <a:endParaRPr lang="en-US" sz="2600" dirty="0" smtClean="0">
+              <a:latin typeface="Times New Roman" panose="02020603050405020304" pitchFamily="18" charset="0"/>
+              <a:cs typeface="Times New Roman" panose="02020603050405020304" pitchFamily="18" charset="0"/>
+            </a:endParaRPr>
+          </a:p>
+        </p:txBody>
+      </p:sp>
+    </p:spTree>
+    <p:extLst>
+      <p:ext uri="{BB962C8B-B14F-4D97-AF65-F5344CB8AC3E}">
+        <p14:creationId xmlns:p14="http://schemas.microsoft.com/office/powerpoint/2010/main" val="2839034499"/>
+      </p:ext>
+    </p:extLst>
+  </p:cSld>
+  <p:clrMapOvr>
+    <a:masterClrMapping/>
+  </p:clrMapOvr>
+  <p:timing>
+    <p:tnLst>
+      <p:par>
+        <p:cTn id="1" dur="indefinite" restart="never" nodeType="tmRoot"/>
+      </p:par>
+    </p:tnLst>
+  </p:timing>
+</p:sld>
+</file>
+
+<file path=ppt/slides/slide14.xml><?xml version="1.0" encoding="utf-8"?>
 <p:sld xmlns:a="http://schemas.openxmlformats.org/drawingml/2006/main" xmlns:r="http://schemas.openxmlformats.org/officeDocument/2006/relationships" xmlns:p="http://schemas.openxmlformats.org/presentationml/2006/main">
   <p:cSld>
     <p:spTree>
@@ -3783,7 +4922,7 @@
 </p:sld>
 </file>
 
-<file path=ppt/slides/slide11.xml><?xml version="1.0" encoding="utf-8"?>
+<file path=ppt/slides/slide15.xml><?xml version="1.0" encoding="utf-8"?>
 <p:sld xmlns:a="http://schemas.openxmlformats.org/drawingml/2006/main" xmlns:r="http://schemas.openxmlformats.org/officeDocument/2006/relationships" xmlns:p="http://schemas.openxmlformats.org/presentationml/2006/main">
   <p:cSld>
     <p:spTree>
@@ -4088,7 +5227,7 @@
 </p:sld>
 </file>
 
-<file path=ppt/slides/slide12.xml><?xml version="1.0" encoding="utf-8"?>
+<file path=ppt/slides/slide16.xml><?xml version="1.0" encoding="utf-8"?>
 <p:sld xmlns:a="http://schemas.openxmlformats.org/drawingml/2006/main" xmlns:r="http://schemas.openxmlformats.org/officeDocument/2006/relationships" xmlns:p="http://schemas.openxmlformats.org/presentationml/2006/main">
   <p:cSld>
     <p:spTree>
@@ -4417,7 +5556,7 @@
 </p:sld>
 </file>
 
-<file path=ppt/slides/slide13.xml><?xml version="1.0" encoding="utf-8"?>
+<file path=ppt/slides/slide17.xml><?xml version="1.0" encoding="utf-8"?>
 <p:sld xmlns:a="http://schemas.openxmlformats.org/drawingml/2006/main" xmlns:r="http://schemas.openxmlformats.org/officeDocument/2006/relationships" xmlns:p="http://schemas.openxmlformats.org/presentationml/2006/main">
   <p:cSld>
     <p:spTree>
@@ -5076,7 +6215,7 @@
 </p:sld>
 </file>
 
-<file path=ppt/slides/slide14.xml><?xml version="1.0" encoding="utf-8"?>
+<file path=ppt/slides/slide18.xml><?xml version="1.0" encoding="utf-8"?>
 <p:sld xmlns:a="http://schemas.openxmlformats.org/drawingml/2006/main" xmlns:r="http://schemas.openxmlformats.org/officeDocument/2006/relationships" xmlns:p="http://schemas.openxmlformats.org/presentationml/2006/main">
   <p:cSld>
     <p:spTree>
@@ -5305,14 +6444,21 @@
                 <a:latin typeface="Times New Roman" panose="02020603050405020304" pitchFamily="18" charset="0"/>
                 <a:cs typeface="Times New Roman" panose="02020603050405020304" pitchFamily="18" charset="0"/>
               </a:rPr>
-              <a:t>лементов диаграммы а также учитывает </a:t>
+              <a:t>лементов диаграммы а также </a:t>
+            </a:r>
+            <a:r>
+              <a:rPr lang="ru-RU" sz="2600" dirty="0" smtClean="0">
+                <a:latin typeface="Times New Roman" panose="02020603050405020304" pitchFamily="18" charset="0"/>
+                <a:cs typeface="Times New Roman" panose="02020603050405020304" pitchFamily="18" charset="0"/>
+              </a:rPr>
+              <a:t>учитывает </a:t>
             </a:r>
             <a:r>
               <a:rPr lang="ru-RU" sz="2600" dirty="0">
                 <a:latin typeface="Times New Roman" panose="02020603050405020304" pitchFamily="18" charset="0"/>
                 <a:cs typeface="Times New Roman" panose="02020603050405020304" pitchFamily="18" charset="0"/>
               </a:rPr>
-              <a:t>учитывая их веса и </a:t>
+              <a:t>их веса и </a:t>
             </a:r>
             <a:r>
               <a:rPr lang="ru-RU" sz="2600" dirty="0" smtClean="0">
@@ -5332,11 +6478,11 @@
               <a:t>Последующие улучшения будут касаться возможности использовать различные алгоритмы размещения для разных частей диаграмм, внедрение зума (</a:t>
             </a:r>
             <a:r>
-              <a:rPr lang="ru-RU" sz="2600" dirty="0" err="1">
-                <a:latin typeface="Times New Roman" panose="02020603050405020304" pitchFamily="18" charset="0"/>
-                <a:cs typeface="Times New Roman" panose="02020603050405020304" pitchFamily="18" charset="0"/>
-              </a:rPr>
-              <a:t>маштабирование</a:t>
+              <a:rPr lang="ru-RU" sz="2600" dirty="0" smtClean="0">
+                <a:latin typeface="Times New Roman" panose="02020603050405020304" pitchFamily="18" charset="0"/>
+                <a:cs typeface="Times New Roman" panose="02020603050405020304" pitchFamily="18" charset="0"/>
+              </a:rPr>
+              <a:t>масштабирование</a:t>
             </a:r>
             <a:r>
               <a:rPr lang="ru-RU" sz="2600" dirty="0">
@@ -5473,6 +6619,43 @@
     <p:extLst>
       <p:ext uri="{BB962C8B-B14F-4D97-AF65-F5344CB8AC3E}">
         <p14:creationId xmlns:p14="http://schemas.microsoft.com/office/powerpoint/2010/main" val="1889995017"/>
+      </p:ext>
+    </p:extLst>
+  </p:cSld>
+  <p:clrMapOvr>
+    <a:masterClrMapping/>
+  </p:clrMapOvr>
+  <p:timing>
+    <p:tnLst>
+      <p:par>
+        <p:cTn id="1" dur="indefinite" restart="never" nodeType="tmRoot"/>
+      </p:par>
+    </p:tnLst>
+  </p:timing>
+</p:sld>
+</file>
+
+<file path=ppt/slides/slide19.xml><?xml version="1.0" encoding="utf-8"?>
+<p:sld xmlns:a="http://schemas.openxmlformats.org/drawingml/2006/main" xmlns:r="http://schemas.openxmlformats.org/officeDocument/2006/relationships" xmlns:p="http://schemas.openxmlformats.org/presentationml/2006/main">
+  <p:cSld>
+    <p:spTree>
+      <p:nvGrpSpPr>
+        <p:cNvPr id="1" name=""/>
+        <p:cNvGrpSpPr/>
+        <p:nvPr/>
+      </p:nvGrpSpPr>
+      <p:grpSpPr>
+        <a:xfrm>
+          <a:off x="0" y="0"/>
+          <a:ext cx="0" cy="0"/>
+          <a:chOff x="0" y="0"/>
+          <a:chExt cx="0" cy="0"/>
+        </a:xfrm>
+      </p:grpSpPr>
+    </p:spTree>
+    <p:extLst>
+      <p:ext uri="{BB962C8B-B14F-4D97-AF65-F5344CB8AC3E}">
+        <p14:creationId xmlns:p14="http://schemas.microsoft.com/office/powerpoint/2010/main" val="813758737"/>
       </p:ext>
     </p:extLst>
   </p:cSld>
@@ -5715,126 +6898,181 @@
             </a:pPr>
             <a:r>
               <a:rPr lang="ru-RU" sz="2800" b="1" dirty="0" smtClean="0">
-                <a:latin typeface="Times New Roman" panose="02020603050405020304" pitchFamily="18" charset="0"/>
-                <a:cs typeface="Times New Roman" panose="02020603050405020304" pitchFamily="18" charset="0"/>
+                <a:latin typeface="Tahoma" panose="020B0604030504040204" pitchFamily="34" charset="0"/>
+                <a:ea typeface="Tahoma" panose="020B0604030504040204" pitchFamily="34" charset="0"/>
+                <a:cs typeface="Tahoma" panose="020B0604030504040204" pitchFamily="34" charset="0"/>
               </a:rPr>
               <a:t>Цель работы</a:t>
             </a:r>
             <a:r>
               <a:rPr lang="ru-RU" sz="2800" b="1" dirty="0">
-                <a:latin typeface="Times New Roman" panose="02020603050405020304" pitchFamily="18" charset="0"/>
-                <a:cs typeface="Times New Roman" panose="02020603050405020304" pitchFamily="18" charset="0"/>
+                <a:latin typeface="Tahoma" panose="020B0604030504040204" pitchFamily="34" charset="0"/>
+                <a:ea typeface="Tahoma" panose="020B0604030504040204" pitchFamily="34" charset="0"/>
+                <a:cs typeface="Tahoma" panose="020B0604030504040204" pitchFamily="34" charset="0"/>
               </a:rPr>
               <a:t> </a:t>
             </a:r>
             <a:r>
-              <a:rPr lang="ru-RU" sz="2600" dirty="0" smtClean="0">
-                <a:latin typeface="Times New Roman" panose="02020603050405020304" pitchFamily="18" charset="0"/>
-                <a:cs typeface="Times New Roman" panose="02020603050405020304" pitchFamily="18" charset="0"/>
-              </a:rPr>
-              <a:t>- разработка алгоритма автоматического размещения элементов для дальнейшего использования в </a:t>
-            </a:r>
-            <a:r>
-              <a:rPr lang="en-US" sz="2600" dirty="0" smtClean="0">
-                <a:latin typeface="Times New Roman" panose="02020603050405020304" pitchFamily="18" charset="0"/>
-                <a:cs typeface="Times New Roman" panose="02020603050405020304" pitchFamily="18" charset="0"/>
+              <a:rPr lang="ru-RU" sz="2400" dirty="0" smtClean="0">
+                <a:latin typeface="Tahoma" panose="020B0604030504040204" pitchFamily="34" charset="0"/>
+                <a:ea typeface="Tahoma" panose="020B0604030504040204" pitchFamily="34" charset="0"/>
+                <a:cs typeface="Tahoma" panose="020B0604030504040204" pitchFamily="34" charset="0"/>
+              </a:rPr>
+              <a:t>- разработка </a:t>
+            </a:r>
+            <a:r>
+              <a:rPr lang="ru-RU" sz="2400" dirty="0" smtClean="0">
+                <a:solidFill>
+                  <a:srgbClr val="FF0000"/>
+                </a:solidFill>
+                <a:latin typeface="Tahoma" panose="020B0604030504040204" pitchFamily="34" charset="0"/>
+                <a:ea typeface="Tahoma" panose="020B0604030504040204" pitchFamily="34" charset="0"/>
+                <a:cs typeface="Tahoma" panose="020B0604030504040204" pitchFamily="34" charset="0"/>
+              </a:rPr>
+              <a:t>алгоритмического</a:t>
+            </a:r>
+            <a:r>
+              <a:rPr lang="ru-RU" sz="2400" dirty="0" smtClean="0">
+                <a:latin typeface="Tahoma" panose="020B0604030504040204" pitchFamily="34" charset="0"/>
+                <a:ea typeface="Tahoma" panose="020B0604030504040204" pitchFamily="34" charset="0"/>
+                <a:cs typeface="Tahoma" panose="020B0604030504040204" pitchFamily="34" charset="0"/>
+              </a:rPr>
+              <a:t> и программного обеспечения для оптимизации размещения </a:t>
+            </a:r>
+            <a:r>
+              <a:rPr lang="en-US" sz="2400" dirty="0">
+                <a:latin typeface="Tahoma" panose="020B0604030504040204" pitchFamily="34" charset="0"/>
+                <a:ea typeface="Tahoma" panose="020B0604030504040204" pitchFamily="34" charset="0"/>
+                <a:cs typeface="Tahoma" panose="020B0604030504040204" pitchFamily="34" charset="0"/>
               </a:rPr>
               <a:t>UML</a:t>
             </a:r>
             <a:r>
-              <a:rPr lang="ru-RU" sz="2600" dirty="0" smtClean="0">
-                <a:latin typeface="Times New Roman" panose="02020603050405020304" pitchFamily="18" charset="0"/>
-                <a:cs typeface="Times New Roman" panose="02020603050405020304" pitchFamily="18" charset="0"/>
-              </a:rPr>
-              <a:t> диаграммах</a:t>
-            </a:r>
+              <a:rPr lang="ru-RU" sz="2400" dirty="0">
+                <a:latin typeface="Tahoma" panose="020B0604030504040204" pitchFamily="34" charset="0"/>
+                <a:ea typeface="Tahoma" panose="020B0604030504040204" pitchFamily="34" charset="0"/>
+                <a:cs typeface="Tahoma" panose="020B0604030504040204" pitchFamily="34" charset="0"/>
+              </a:rPr>
+              <a:t> </a:t>
+            </a:r>
+            <a:r>
+              <a:rPr lang="ru-RU" sz="2400" dirty="0" smtClean="0">
+                <a:latin typeface="Tahoma" panose="020B0604030504040204" pitchFamily="34" charset="0"/>
+                <a:ea typeface="Tahoma" panose="020B0604030504040204" pitchFamily="34" charset="0"/>
+                <a:cs typeface="Tahoma" panose="020B0604030504040204" pitchFamily="34" charset="0"/>
+              </a:rPr>
+              <a:t>диаграмм.</a:t>
+            </a:r>
+            <a:endParaRPr lang="ru-RU" sz="2600" dirty="0">
+              <a:latin typeface="Tahoma" panose="020B0604030504040204" pitchFamily="34" charset="0"/>
+              <a:ea typeface="Tahoma" panose="020B0604030504040204" pitchFamily="34" charset="0"/>
+              <a:cs typeface="Tahoma" panose="020B0604030504040204" pitchFamily="34" charset="0"/>
+            </a:endParaRPr>
           </a:p>
           <a:p>
             <a:pPr marL="0" indent="0" algn="just">
               <a:buNone/>
             </a:pPr>
-            <a:endParaRPr lang="ru-RU" sz="2600" dirty="0" smtClean="0">
-              <a:latin typeface="Times New Roman" panose="02020603050405020304" pitchFamily="18" charset="0"/>
-              <a:cs typeface="Times New Roman" panose="02020603050405020304" pitchFamily="18" charset="0"/>
-            </a:endParaRPr>
-          </a:p>
-          <a:p>
-            <a:pPr marL="0" indent="0" algn="just">
-              <a:buNone/>
-            </a:pPr>
             <a:r>
               <a:rPr lang="ru-RU" sz="2800" b="1" dirty="0" smtClean="0">
-                <a:latin typeface="Times New Roman" panose="02020603050405020304" pitchFamily="18" charset="0"/>
-                <a:cs typeface="Times New Roman" panose="02020603050405020304" pitchFamily="18" charset="0"/>
-              </a:rPr>
-              <a:t>Практическое значение</a:t>
-            </a:r>
-            <a:r>
-              <a:rPr lang="ru-RU" sz="2800" dirty="0" smtClean="0">
-                <a:latin typeface="Times New Roman" panose="02020603050405020304" pitchFamily="18" charset="0"/>
-                <a:cs typeface="Times New Roman" panose="02020603050405020304" pitchFamily="18" charset="0"/>
+                <a:latin typeface="Tahoma" panose="020B0604030504040204" pitchFamily="34" charset="0"/>
+                <a:ea typeface="Tahoma" panose="020B0604030504040204" pitchFamily="34" charset="0"/>
+                <a:cs typeface="Tahoma" panose="020B0604030504040204" pitchFamily="34" charset="0"/>
+              </a:rPr>
+              <a:t>Практическое </a:t>
+            </a:r>
+            <a:r>
+              <a:rPr lang="ru-RU" sz="2800" b="1" dirty="0" smtClean="0">
+                <a:latin typeface="Tahoma" panose="020B0604030504040204" pitchFamily="34" charset="0"/>
+                <a:ea typeface="Tahoma" panose="020B0604030504040204" pitchFamily="34" charset="0"/>
+                <a:cs typeface="Tahoma" panose="020B0604030504040204" pitchFamily="34" charset="0"/>
+              </a:rPr>
+              <a:t>значение</a:t>
+            </a:r>
+            <a:r>
+              <a:rPr lang="ru-RU" sz="2400" dirty="0" smtClean="0">
+                <a:latin typeface="Tahoma" panose="020B0604030504040204" pitchFamily="34" charset="0"/>
+                <a:ea typeface="Tahoma" panose="020B0604030504040204" pitchFamily="34" charset="0"/>
+                <a:cs typeface="Tahoma" panose="020B0604030504040204" pitchFamily="34" charset="0"/>
+              </a:rPr>
+              <a:t> сформулированы критерии оценивания функциональных возможностей основных модулей алгоритмов визуализации </a:t>
+            </a:r>
+            <a:r>
+              <a:rPr lang="ru-RU" sz="2400" dirty="0" err="1" smtClean="0">
+                <a:latin typeface="Tahoma" panose="020B0604030504040204" pitchFamily="34" charset="0"/>
+                <a:ea typeface="Tahoma" panose="020B0604030504040204" pitchFamily="34" charset="0"/>
+                <a:cs typeface="Tahoma" panose="020B0604030504040204" pitchFamily="34" charset="0"/>
+              </a:rPr>
+              <a:t>графовых</a:t>
+            </a:r>
+            <a:r>
+              <a:rPr lang="ru-RU" sz="2400" dirty="0" smtClean="0">
+                <a:latin typeface="Tahoma" panose="020B0604030504040204" pitchFamily="34" charset="0"/>
+                <a:ea typeface="Tahoma" panose="020B0604030504040204" pitchFamily="34" charset="0"/>
+                <a:cs typeface="Tahoma" panose="020B0604030504040204" pitchFamily="34" charset="0"/>
+              </a:rPr>
+              <a:t> моделей. Построен алгоритм отображения </a:t>
+            </a:r>
+            <a:r>
+              <a:rPr lang="en-US" sz="2400" dirty="0" smtClean="0">
+                <a:latin typeface="Tahoma" panose="020B0604030504040204" pitchFamily="34" charset="0"/>
+                <a:ea typeface="Tahoma" panose="020B0604030504040204" pitchFamily="34" charset="0"/>
+                <a:cs typeface="Tahoma" panose="020B0604030504040204" pitchFamily="34" charset="0"/>
+              </a:rPr>
+              <a:t>UML</a:t>
+            </a:r>
+            <a:r>
+              <a:rPr lang="ru-RU" sz="2400" dirty="0" smtClean="0">
+                <a:latin typeface="Tahoma" panose="020B0604030504040204" pitchFamily="34" charset="0"/>
+                <a:ea typeface="Tahoma" panose="020B0604030504040204" pitchFamily="34" charset="0"/>
+                <a:cs typeface="Tahoma" panose="020B0604030504040204" pitchFamily="34" charset="0"/>
+              </a:rPr>
+              <a:t> диаграмм на основе существующих алгоритмов </a:t>
+            </a:r>
+            <a:r>
+              <a:rPr lang="en-US" sz="2400" dirty="0" smtClean="0">
+                <a:latin typeface="Tahoma" panose="020B0604030504040204" pitchFamily="34" charset="0"/>
+                <a:ea typeface="Tahoma" panose="020B0604030504040204" pitchFamily="34" charset="0"/>
+                <a:cs typeface="Tahoma" panose="020B0604030504040204" pitchFamily="34" charset="0"/>
               </a:rPr>
               <a:t> </a:t>
             </a:r>
             <a:r>
-              <a:rPr lang="ru-RU" sz="2600" dirty="0" smtClean="0">
-                <a:latin typeface="Times New Roman" panose="02020603050405020304" pitchFamily="18" charset="0"/>
-                <a:cs typeface="Times New Roman" panose="02020603050405020304" pitchFamily="18" charset="0"/>
-              </a:rPr>
-              <a:t>сформулированы критерии оценивания функциональных возможностей основных модулей алгоритмов визуализации </a:t>
-            </a:r>
-            <a:r>
-              <a:rPr lang="ru-RU" sz="2600" dirty="0" err="1" smtClean="0">
-                <a:latin typeface="Times New Roman" panose="02020603050405020304" pitchFamily="18" charset="0"/>
-                <a:cs typeface="Times New Roman" panose="02020603050405020304" pitchFamily="18" charset="0"/>
-              </a:rPr>
-              <a:t>графовых</a:t>
-            </a:r>
-            <a:r>
-              <a:rPr lang="ru-RU" sz="2600" dirty="0" smtClean="0">
-                <a:latin typeface="Times New Roman" panose="02020603050405020304" pitchFamily="18" charset="0"/>
-                <a:cs typeface="Times New Roman" panose="02020603050405020304" pitchFamily="18" charset="0"/>
-              </a:rPr>
-              <a:t> моделей. Построен алгоритм отображения </a:t>
-            </a:r>
-            <a:r>
-              <a:rPr lang="en-US" sz="2600" dirty="0" smtClean="0">
-                <a:latin typeface="Times New Roman" panose="02020603050405020304" pitchFamily="18" charset="0"/>
-                <a:cs typeface="Times New Roman" panose="02020603050405020304" pitchFamily="18" charset="0"/>
-              </a:rPr>
-              <a:t>UML</a:t>
-            </a:r>
-            <a:r>
-              <a:rPr lang="ru-RU" sz="2600" dirty="0" smtClean="0">
-                <a:latin typeface="Times New Roman" panose="02020603050405020304" pitchFamily="18" charset="0"/>
-                <a:cs typeface="Times New Roman" panose="02020603050405020304" pitchFamily="18" charset="0"/>
-              </a:rPr>
-              <a:t> диаграмм на основе существующих алгоритмов </a:t>
-            </a:r>
-            <a:r>
-              <a:rPr lang="en-US" sz="2600" dirty="0" smtClean="0">
-                <a:latin typeface="Times New Roman" panose="02020603050405020304" pitchFamily="18" charset="0"/>
-                <a:cs typeface="Times New Roman" panose="02020603050405020304" pitchFamily="18" charset="0"/>
-              </a:rPr>
-              <a:t> </a:t>
-            </a:r>
-            <a:r>
-              <a:rPr lang="ru-RU" sz="2600" dirty="0" smtClean="0">
-                <a:latin typeface="Times New Roman" panose="02020603050405020304" pitchFamily="18" charset="0"/>
-                <a:cs typeface="Times New Roman" panose="02020603050405020304" pitchFamily="18" charset="0"/>
-              </a:rPr>
-              <a:t>с проведение его дальнейшей оптимизации учитывая текущие требования.</a:t>
-            </a:r>
-            <a:endParaRPr lang="ru-RU" sz="2600" dirty="0">
-              <a:latin typeface="Times New Roman" panose="02020603050405020304" pitchFamily="18" charset="0"/>
-              <a:cs typeface="Times New Roman" panose="02020603050405020304" pitchFamily="18" charset="0"/>
+              <a:rPr lang="ru-RU" sz="2400" dirty="0" smtClean="0">
+                <a:latin typeface="Tahoma" panose="020B0604030504040204" pitchFamily="34" charset="0"/>
+                <a:ea typeface="Tahoma" panose="020B0604030504040204" pitchFamily="34" charset="0"/>
+                <a:cs typeface="Tahoma" panose="020B0604030504040204" pitchFamily="34" charset="0"/>
+              </a:rPr>
+              <a:t>с </a:t>
+            </a:r>
+            <a:r>
+              <a:rPr lang="ru-RU" sz="2400" dirty="0" smtClean="0">
+                <a:latin typeface="Tahoma" panose="020B0604030504040204" pitchFamily="34" charset="0"/>
+                <a:ea typeface="Tahoma" panose="020B0604030504040204" pitchFamily="34" charset="0"/>
+                <a:cs typeface="Tahoma" panose="020B0604030504040204" pitchFamily="34" charset="0"/>
+              </a:rPr>
+              <a:t>проведением </a:t>
+            </a:r>
+            <a:r>
+              <a:rPr lang="ru-RU" sz="2400" dirty="0" smtClean="0">
+                <a:latin typeface="Tahoma" panose="020B0604030504040204" pitchFamily="34" charset="0"/>
+                <a:ea typeface="Tahoma" panose="020B0604030504040204" pitchFamily="34" charset="0"/>
+                <a:cs typeface="Tahoma" panose="020B0604030504040204" pitchFamily="34" charset="0"/>
+              </a:rPr>
+              <a:t>его дальнейшей оптимизации учитывая текущие требования.</a:t>
+            </a:r>
+            <a:endParaRPr lang="ru-RU" sz="2400" dirty="0">
+              <a:latin typeface="Tahoma" panose="020B0604030504040204" pitchFamily="34" charset="0"/>
+              <a:ea typeface="Tahoma" panose="020B0604030504040204" pitchFamily="34" charset="0"/>
+              <a:cs typeface="Tahoma" panose="020B0604030504040204" pitchFamily="34" charset="0"/>
             </a:endParaRPr>
           </a:p>
           <a:p>
             <a:pPr algn="just"/>
             <a:endParaRPr lang="en-US" sz="2600" dirty="0">
-              <a:latin typeface="Times New Roman" panose="02020603050405020304" pitchFamily="18" charset="0"/>
-              <a:cs typeface="Times New Roman" panose="02020603050405020304" pitchFamily="18" charset="0"/>
+              <a:latin typeface="Tahoma" panose="020B0604030504040204" pitchFamily="34" charset="0"/>
+              <a:ea typeface="Tahoma" panose="020B0604030504040204" pitchFamily="34" charset="0"/>
+              <a:cs typeface="Tahoma" panose="020B0604030504040204" pitchFamily="34" charset="0"/>
             </a:endParaRPr>
           </a:p>
         </p:txBody>
@@ -5884,6 +7122,1767 @@
           <a:chExt cx="0" cy="0"/>
         </a:xfrm>
       </p:grpSpPr>
+      <p:pic>
+        <p:nvPicPr>
+          <p:cNvPr id="4" name="officeArt object" descr="image31.png"/>
+          <p:cNvPicPr/>
+          <p:nvPr/>
+        </p:nvPicPr>
+        <p:blipFill rotWithShape="1">
+          <a:blip r:embed="rId2">
+            <a:extLst/>
+          </a:blip>
+          <a:srcRect r="7016"/>
+          <a:stretch/>
+        </p:blipFill>
+        <p:spPr>
+          <a:xfrm>
+            <a:off x="4042256" y="1202255"/>
+            <a:ext cx="4850224" cy="5351614"/>
+          </a:xfrm>
+          <a:prstGeom prst="rect">
+            <a:avLst/>
+          </a:prstGeom>
+          <a:ln w="12700" cap="flat">
+            <a:noFill/>
+            <a:miter lim="400000"/>
+          </a:ln>
+          <a:effectLst/>
+        </p:spPr>
+      </p:pic>
+      <p:sp>
+        <p:nvSpPr>
+          <p:cNvPr id="5" name="TextBox 4"/>
+          <p:cNvSpPr txBox="1"/>
+          <p:nvPr/>
+        </p:nvSpPr>
+        <p:spPr>
+          <a:xfrm>
+            <a:off x="323528" y="278925"/>
+            <a:ext cx="8568952" cy="830997"/>
+          </a:xfrm>
+          <a:prstGeom prst="rect">
+            <a:avLst/>
+          </a:prstGeom>
+          <a:noFill/>
+        </p:spPr>
+        <p:txBody>
+          <a:bodyPr wrap="square" rtlCol="0">
+            <a:spAutoFit/>
+          </a:bodyPr>
+          <a:lstStyle/>
+          <a:p>
+            <a:r>
+              <a:rPr lang="uk-UA" sz="2400" dirty="0" err="1">
+                <a:latin typeface="Tahoma" panose="020B0604030504040204" pitchFamily="34" charset="0"/>
+                <a:ea typeface="Tahoma" panose="020B0604030504040204" pitchFamily="34" charset="0"/>
+                <a:cs typeface="Tahoma" panose="020B0604030504040204" pitchFamily="34" charset="0"/>
+              </a:rPr>
+              <a:t>Orthogonal</a:t>
+            </a:r>
+            <a:r>
+              <a:rPr lang="uk-UA" sz="2400" dirty="0">
+                <a:latin typeface="Tahoma" panose="020B0604030504040204" pitchFamily="34" charset="0"/>
+                <a:ea typeface="Tahoma" panose="020B0604030504040204" pitchFamily="34" charset="0"/>
+                <a:cs typeface="Tahoma" panose="020B0604030504040204" pitchFamily="34" charset="0"/>
+              </a:rPr>
+              <a:t> </a:t>
+            </a:r>
+            <a:r>
+              <a:rPr lang="uk-UA" sz="2400" dirty="0" err="1">
+                <a:latin typeface="Tahoma" panose="020B0604030504040204" pitchFamily="34" charset="0"/>
+                <a:ea typeface="Tahoma" panose="020B0604030504040204" pitchFamily="34" charset="0"/>
+                <a:cs typeface="Tahoma" panose="020B0604030504040204" pitchFamily="34" charset="0"/>
+              </a:rPr>
+              <a:t>Layout</a:t>
+            </a:r>
+            <a:r>
+              <a:rPr lang="uk-UA" sz="2400" dirty="0">
+                <a:latin typeface="Tahoma" panose="020B0604030504040204" pitchFamily="34" charset="0"/>
+                <a:ea typeface="Tahoma" panose="020B0604030504040204" pitchFamily="34" charset="0"/>
+                <a:cs typeface="Tahoma" panose="020B0604030504040204" pitchFamily="34" charset="0"/>
+              </a:rPr>
+              <a:t> </a:t>
+            </a:r>
+            <a:r>
+              <a:rPr lang="uk-UA" sz="2400" dirty="0">
+                <a:latin typeface="Tahoma" panose="020B0604030504040204" pitchFamily="34" charset="0"/>
+                <a:ea typeface="Tahoma" panose="020B0604030504040204" pitchFamily="34" charset="0"/>
+                <a:cs typeface="Tahoma" panose="020B0604030504040204" pitchFamily="34" charset="0"/>
+              </a:rPr>
+              <a:t>– </a:t>
+            </a:r>
+            <a:r>
+              <a:rPr lang="uk-UA" sz="2400" dirty="0" err="1">
+                <a:latin typeface="Tahoma" panose="020B0604030504040204" pitchFamily="34" charset="0"/>
+                <a:ea typeface="Tahoma" panose="020B0604030504040204" pitchFamily="34" charset="0"/>
+                <a:cs typeface="Tahoma" panose="020B0604030504040204" pitchFamily="34" charset="0"/>
+              </a:rPr>
+              <a:t>это</a:t>
+            </a:r>
+            <a:r>
+              <a:rPr lang="uk-UA" sz="2400" dirty="0">
+                <a:latin typeface="Tahoma" panose="020B0604030504040204" pitchFamily="34" charset="0"/>
+                <a:ea typeface="Tahoma" panose="020B0604030504040204" pitchFamily="34" charset="0"/>
+                <a:cs typeface="Tahoma" panose="020B0604030504040204" pitchFamily="34" charset="0"/>
+              </a:rPr>
+              <a:t> </a:t>
+            </a:r>
+            <a:r>
+              <a:rPr lang="uk-UA" sz="2400" dirty="0" err="1">
+                <a:latin typeface="Tahoma" panose="020B0604030504040204" pitchFamily="34" charset="0"/>
+                <a:ea typeface="Tahoma" panose="020B0604030504040204" pitchFamily="34" charset="0"/>
+                <a:cs typeface="Tahoma" panose="020B0604030504040204" pitchFamily="34" charset="0"/>
+              </a:rPr>
+              <a:t>основной</a:t>
+            </a:r>
+            <a:r>
+              <a:rPr lang="uk-UA" sz="2400" dirty="0">
+                <a:latin typeface="Tahoma" panose="020B0604030504040204" pitchFamily="34" charset="0"/>
+                <a:ea typeface="Tahoma" panose="020B0604030504040204" pitchFamily="34" charset="0"/>
+                <a:cs typeface="Tahoma" panose="020B0604030504040204" pitchFamily="34" charset="0"/>
+              </a:rPr>
+              <a:t> алгоритм для </a:t>
+            </a:r>
+            <a:r>
+              <a:rPr lang="ru-RU" sz="2400" dirty="0">
+                <a:latin typeface="Tahoma" panose="020B0604030504040204" pitchFamily="34" charset="0"/>
+                <a:ea typeface="Tahoma" panose="020B0604030504040204" pitchFamily="34" charset="0"/>
+                <a:cs typeface="Tahoma" panose="020B0604030504040204" pitchFamily="34" charset="0"/>
+              </a:rPr>
+              <a:t>выполнения</a:t>
+            </a:r>
+            <a:r>
+              <a:rPr lang="uk-UA" sz="2400" dirty="0">
+                <a:latin typeface="Tahoma" panose="020B0604030504040204" pitchFamily="34" charset="0"/>
+                <a:ea typeface="Tahoma" panose="020B0604030504040204" pitchFamily="34" charset="0"/>
+                <a:cs typeface="Tahoma" panose="020B0604030504040204" pitchFamily="34" charset="0"/>
+              </a:rPr>
+              <a:t> </a:t>
+            </a:r>
+            <a:r>
+              <a:rPr lang="ru-RU" sz="2400" dirty="0">
+                <a:latin typeface="Tahoma" panose="020B0604030504040204" pitchFamily="34" charset="0"/>
+                <a:ea typeface="Tahoma" panose="020B0604030504040204" pitchFamily="34" charset="0"/>
+                <a:cs typeface="Tahoma" panose="020B0604030504040204" pitchFamily="34" charset="0"/>
+              </a:rPr>
+              <a:t>размещения</a:t>
+            </a:r>
+            <a:r>
+              <a:rPr lang="uk-UA" sz="2400" dirty="0">
+                <a:latin typeface="Tahoma" panose="020B0604030504040204" pitchFamily="34" charset="0"/>
+                <a:ea typeface="Tahoma" panose="020B0604030504040204" pitchFamily="34" charset="0"/>
+                <a:cs typeface="Tahoma" panose="020B0604030504040204" pitchFamily="34" charset="0"/>
+              </a:rPr>
+              <a:t> </a:t>
+            </a:r>
+            <a:r>
+              <a:rPr lang="ru-RU" sz="2400" dirty="0">
+                <a:latin typeface="Tahoma" panose="020B0604030504040204" pitchFamily="34" charset="0"/>
+                <a:ea typeface="Tahoma" panose="020B0604030504040204" pitchFamily="34" charset="0"/>
+                <a:cs typeface="Tahoma" panose="020B0604030504040204" pitchFamily="34" charset="0"/>
+              </a:rPr>
+              <a:t>неориентированных</a:t>
+            </a:r>
+            <a:r>
+              <a:rPr lang="uk-UA" sz="2400" dirty="0">
+                <a:latin typeface="Tahoma" panose="020B0604030504040204" pitchFamily="34" charset="0"/>
+                <a:ea typeface="Tahoma" panose="020B0604030504040204" pitchFamily="34" charset="0"/>
+                <a:cs typeface="Tahoma" panose="020B0604030504040204" pitchFamily="34" charset="0"/>
+              </a:rPr>
+              <a:t> </a:t>
+            </a:r>
+            <a:r>
+              <a:rPr lang="uk-UA" sz="2400" dirty="0" err="1">
+                <a:latin typeface="Tahoma" panose="020B0604030504040204" pitchFamily="34" charset="0"/>
+                <a:ea typeface="Tahoma" panose="020B0604030504040204" pitchFamily="34" charset="0"/>
+                <a:cs typeface="Tahoma" panose="020B0604030504040204" pitchFamily="34" charset="0"/>
+              </a:rPr>
+              <a:t>графов</a:t>
+            </a:r>
+            <a:r>
+              <a:rPr lang="uk-UA" sz="2400" dirty="0">
+                <a:latin typeface="Tahoma" panose="020B0604030504040204" pitchFamily="34" charset="0"/>
+                <a:ea typeface="Tahoma" panose="020B0604030504040204" pitchFamily="34" charset="0"/>
+                <a:cs typeface="Tahoma" panose="020B0604030504040204" pitchFamily="34" charset="0"/>
+              </a:rPr>
+              <a:t>. </a:t>
+            </a:r>
+            <a:endParaRPr lang="ru-RU" sz="2400" dirty="0">
+              <a:latin typeface="Tahoma" panose="020B0604030504040204" pitchFamily="34" charset="0"/>
+              <a:ea typeface="Tahoma" panose="020B0604030504040204" pitchFamily="34" charset="0"/>
+              <a:cs typeface="Tahoma" panose="020B0604030504040204" pitchFamily="34" charset="0"/>
+            </a:endParaRPr>
+          </a:p>
+        </p:txBody>
+      </p:sp>
+      <p:sp>
+        <p:nvSpPr>
+          <p:cNvPr id="6" name="TextBox 5"/>
+          <p:cNvSpPr txBox="1"/>
+          <p:nvPr/>
+        </p:nvSpPr>
+        <p:spPr>
+          <a:xfrm>
+            <a:off x="491720" y="1440996"/>
+            <a:ext cx="3312368" cy="615553"/>
+          </a:xfrm>
+          <a:prstGeom prst="rect">
+            <a:avLst/>
+          </a:prstGeom>
+          <a:noFill/>
+          <a:ln w="12700">
+            <a:solidFill>
+              <a:schemeClr val="tx1"/>
+            </a:solidFill>
+          </a:ln>
+        </p:spPr>
+        <p:txBody>
+          <a:bodyPr wrap="square" rtlCol="0">
+            <a:spAutoFit/>
+          </a:bodyPr>
+          <a:lstStyle/>
+          <a:p>
+            <a:pPr algn="ctr"/>
+            <a:r>
+              <a:rPr lang="ru-RU" sz="1700" dirty="0">
+                <a:latin typeface="Tahoma" panose="020B0604030504040204" pitchFamily="34" charset="0"/>
+                <a:ea typeface="Tahoma" panose="020B0604030504040204" pitchFamily="34" charset="0"/>
+                <a:cs typeface="Tahoma" panose="020B0604030504040204" pitchFamily="34" charset="0"/>
+              </a:rPr>
+              <a:t>временно удаляет какие-либо </a:t>
+            </a:r>
+          </a:p>
+          <a:p>
+            <a:pPr algn="ctr"/>
+            <a:r>
+              <a:rPr lang="ru-RU" sz="1700" dirty="0">
+                <a:latin typeface="Tahoma" panose="020B0604030504040204" pitchFamily="34" charset="0"/>
+                <a:ea typeface="Tahoma" panose="020B0604030504040204" pitchFamily="34" charset="0"/>
+                <a:cs typeface="Tahoma" panose="020B0604030504040204" pitchFamily="34" charset="0"/>
+              </a:rPr>
+              <a:t>н</a:t>
+            </a:r>
+            <a:r>
+              <a:rPr lang="ru-RU" sz="1700" dirty="0">
+                <a:latin typeface="Tahoma" panose="020B0604030504040204" pitchFamily="34" charset="0"/>
+                <a:ea typeface="Tahoma" panose="020B0604030504040204" pitchFamily="34" charset="0"/>
+                <a:cs typeface="Tahoma" panose="020B0604030504040204" pitchFamily="34" charset="0"/>
+              </a:rPr>
+              <a:t>аправленные циклы </a:t>
+            </a:r>
+            <a:endParaRPr lang="ru-RU" sz="1700" dirty="0">
+              <a:latin typeface="Tahoma" panose="020B0604030504040204" pitchFamily="34" charset="0"/>
+              <a:ea typeface="Tahoma" panose="020B0604030504040204" pitchFamily="34" charset="0"/>
+              <a:cs typeface="Tahoma" panose="020B0604030504040204" pitchFamily="34" charset="0"/>
+            </a:endParaRPr>
+          </a:p>
+        </p:txBody>
+      </p:sp>
+      <p:sp>
+        <p:nvSpPr>
+          <p:cNvPr id="7" name="Стрелка вниз 6"/>
+          <p:cNvSpPr/>
+          <p:nvPr/>
+        </p:nvSpPr>
+        <p:spPr>
+          <a:xfrm>
+            <a:off x="1890121" y="2066423"/>
+            <a:ext cx="432048" cy="504056"/>
+          </a:xfrm>
+          <a:prstGeom prst="downArrow">
+            <a:avLst/>
+          </a:prstGeom>
+          <a:noFill/>
+          <a:ln w="19050">
+            <a:solidFill>
+              <a:schemeClr val="tx1"/>
+            </a:solidFill>
+          </a:ln>
+        </p:spPr>
+        <p:style>
+          <a:lnRef idx="2">
+            <a:schemeClr val="accent1">
+              <a:shade val="50000"/>
+            </a:schemeClr>
+          </a:lnRef>
+          <a:fillRef idx="1">
+            <a:schemeClr val="accent1"/>
+          </a:fillRef>
+          <a:effectRef idx="0">
+            <a:schemeClr val="accent1"/>
+          </a:effectRef>
+          <a:fontRef idx="minor">
+            <a:schemeClr val="lt1"/>
+          </a:fontRef>
+        </p:style>
+        <p:txBody>
+          <a:bodyPr rtlCol="0" anchor="ctr"/>
+          <a:lstStyle/>
+          <a:p>
+            <a:pPr algn="ctr"/>
+            <a:endParaRPr lang="ru-RU" sz="1500"/>
+          </a:p>
+        </p:txBody>
+      </p:sp>
+      <p:sp>
+        <p:nvSpPr>
+          <p:cNvPr id="8" name="TextBox 7"/>
+          <p:cNvSpPr txBox="1"/>
+          <p:nvPr/>
+        </p:nvSpPr>
+        <p:spPr>
+          <a:xfrm>
+            <a:off x="491720" y="2611903"/>
+            <a:ext cx="3312368" cy="615553"/>
+          </a:xfrm>
+          <a:prstGeom prst="rect">
+            <a:avLst/>
+          </a:prstGeom>
+          <a:noFill/>
+          <a:ln w="12700">
+            <a:solidFill>
+              <a:schemeClr val="tx1"/>
+            </a:solidFill>
+          </a:ln>
+        </p:spPr>
+        <p:txBody>
+          <a:bodyPr wrap="square" rtlCol="0">
+            <a:spAutoFit/>
+          </a:bodyPr>
+          <a:lstStyle/>
+          <a:p>
+            <a:pPr algn="ctr"/>
+            <a:r>
+              <a:rPr lang="ru-RU" sz="1700" dirty="0">
+                <a:latin typeface="Tahoma" panose="020B0604030504040204" pitchFamily="34" charset="0"/>
+                <a:ea typeface="Tahoma" panose="020B0604030504040204" pitchFamily="34" charset="0"/>
+                <a:cs typeface="Tahoma" panose="020B0604030504040204" pitchFamily="34" charset="0"/>
+              </a:rPr>
+              <a:t>р</a:t>
+            </a:r>
+            <a:r>
+              <a:rPr lang="ru-RU" sz="1700" dirty="0">
+                <a:latin typeface="Tahoma" panose="020B0604030504040204" pitchFamily="34" charset="0"/>
+                <a:ea typeface="Tahoma" panose="020B0604030504040204" pitchFamily="34" charset="0"/>
+                <a:cs typeface="Tahoma" panose="020B0604030504040204" pitchFamily="34" charset="0"/>
+              </a:rPr>
+              <a:t>а</a:t>
+            </a:r>
+            <a:r>
+              <a:rPr lang="ru-RU" sz="1700" dirty="0">
+                <a:latin typeface="Tahoma" panose="020B0604030504040204" pitchFamily="34" charset="0"/>
+                <a:ea typeface="Tahoma" panose="020B0604030504040204" pitchFamily="34" charset="0"/>
+                <a:cs typeface="Tahoma" panose="020B0604030504040204" pitchFamily="34" charset="0"/>
+              </a:rPr>
+              <a:t>змещает узлы на </a:t>
+            </a:r>
+          </a:p>
+          <a:p>
+            <a:pPr algn="ctr"/>
+            <a:r>
+              <a:rPr lang="ru-RU" sz="1700" dirty="0">
+                <a:latin typeface="Tahoma" panose="020B0604030504040204" pitchFamily="34" charset="0"/>
+                <a:ea typeface="Tahoma" panose="020B0604030504040204" pitchFamily="34" charset="0"/>
+                <a:cs typeface="Tahoma" panose="020B0604030504040204" pitchFamily="34" charset="0"/>
+              </a:rPr>
+              <a:t>горизонтальных уровнях</a:t>
+            </a:r>
+            <a:endParaRPr lang="ru-RU" sz="1700" dirty="0">
+              <a:latin typeface="Tahoma" panose="020B0604030504040204" pitchFamily="34" charset="0"/>
+              <a:ea typeface="Tahoma" panose="020B0604030504040204" pitchFamily="34" charset="0"/>
+              <a:cs typeface="Tahoma" panose="020B0604030504040204" pitchFamily="34" charset="0"/>
+            </a:endParaRPr>
+          </a:p>
+        </p:txBody>
+      </p:sp>
+      <p:sp>
+        <p:nvSpPr>
+          <p:cNvPr id="9" name="Стрелка вниз 8"/>
+          <p:cNvSpPr/>
+          <p:nvPr/>
+        </p:nvSpPr>
+        <p:spPr>
+          <a:xfrm>
+            <a:off x="1949463" y="3253011"/>
+            <a:ext cx="432048" cy="504056"/>
+          </a:xfrm>
+          <a:prstGeom prst="downArrow">
+            <a:avLst/>
+          </a:prstGeom>
+          <a:noFill/>
+          <a:ln w="19050">
+            <a:solidFill>
+              <a:schemeClr val="tx1"/>
+            </a:solidFill>
+          </a:ln>
+        </p:spPr>
+        <p:style>
+          <a:lnRef idx="2">
+            <a:schemeClr val="accent1">
+              <a:shade val="50000"/>
+            </a:schemeClr>
+          </a:lnRef>
+          <a:fillRef idx="1">
+            <a:schemeClr val="accent1"/>
+          </a:fillRef>
+          <a:effectRef idx="0">
+            <a:schemeClr val="accent1"/>
+          </a:effectRef>
+          <a:fontRef idx="minor">
+            <a:schemeClr val="lt1"/>
+          </a:fontRef>
+        </p:style>
+        <p:txBody>
+          <a:bodyPr rtlCol="0" anchor="ctr"/>
+          <a:lstStyle/>
+          <a:p>
+            <a:pPr algn="ctr"/>
+            <a:endParaRPr lang="ru-RU" sz="1500"/>
+          </a:p>
+        </p:txBody>
+      </p:sp>
+      <p:sp>
+        <p:nvSpPr>
+          <p:cNvPr id="10" name="TextBox 9"/>
+          <p:cNvSpPr txBox="1"/>
+          <p:nvPr/>
+        </p:nvSpPr>
+        <p:spPr>
+          <a:xfrm>
+            <a:off x="509303" y="3825335"/>
+            <a:ext cx="3312368" cy="615553"/>
+          </a:xfrm>
+          <a:prstGeom prst="rect">
+            <a:avLst/>
+          </a:prstGeom>
+          <a:noFill/>
+          <a:ln w="12700">
+            <a:solidFill>
+              <a:schemeClr val="tx1"/>
+            </a:solidFill>
+          </a:ln>
+        </p:spPr>
+        <p:txBody>
+          <a:bodyPr wrap="square" rtlCol="0">
+            <a:spAutoFit/>
+          </a:bodyPr>
+          <a:lstStyle/>
+          <a:p>
+            <a:pPr algn="ctr"/>
+            <a:r>
+              <a:rPr lang="ru-RU" sz="1700" dirty="0">
+                <a:latin typeface="Tahoma" panose="020B0604030504040204" pitchFamily="34" charset="0"/>
+                <a:ea typeface="Tahoma" panose="020B0604030504040204" pitchFamily="34" charset="0"/>
+                <a:cs typeface="Tahoma" panose="020B0604030504040204" pitchFamily="34" charset="0"/>
+              </a:rPr>
+              <a:t>переставляет узлы на </a:t>
+            </a:r>
+          </a:p>
+          <a:p>
+            <a:pPr algn="ctr"/>
+            <a:r>
+              <a:rPr lang="ru-RU" sz="1700" dirty="0">
+                <a:latin typeface="Tahoma" panose="020B0604030504040204" pitchFamily="34" charset="0"/>
+                <a:ea typeface="Tahoma" panose="020B0604030504040204" pitchFamily="34" charset="0"/>
+                <a:cs typeface="Tahoma" panose="020B0604030504040204" pitchFamily="34" charset="0"/>
+              </a:rPr>
+              <a:t>к</a:t>
+            </a:r>
+            <a:r>
+              <a:rPr lang="ru-RU" sz="1700" dirty="0">
+                <a:latin typeface="Tahoma" panose="020B0604030504040204" pitchFamily="34" charset="0"/>
+                <a:ea typeface="Tahoma" panose="020B0604030504040204" pitchFamily="34" charset="0"/>
+                <a:cs typeface="Tahoma" panose="020B0604030504040204" pitchFamily="34" charset="0"/>
+              </a:rPr>
+              <a:t>аждом уровне </a:t>
+            </a:r>
+            <a:endParaRPr lang="ru-RU" sz="1700" dirty="0">
+              <a:latin typeface="Tahoma" panose="020B0604030504040204" pitchFamily="34" charset="0"/>
+              <a:ea typeface="Tahoma" panose="020B0604030504040204" pitchFamily="34" charset="0"/>
+              <a:cs typeface="Tahoma" panose="020B0604030504040204" pitchFamily="34" charset="0"/>
+            </a:endParaRPr>
+          </a:p>
+        </p:txBody>
+      </p:sp>
+      <p:sp>
+        <p:nvSpPr>
+          <p:cNvPr id="11" name="Стрелка вниз 10"/>
+          <p:cNvSpPr/>
+          <p:nvPr/>
+        </p:nvSpPr>
+        <p:spPr>
+          <a:xfrm>
+            <a:off x="1956030" y="4465471"/>
+            <a:ext cx="432048" cy="504056"/>
+          </a:xfrm>
+          <a:prstGeom prst="downArrow">
+            <a:avLst/>
+          </a:prstGeom>
+          <a:noFill/>
+          <a:ln w="19050">
+            <a:solidFill>
+              <a:schemeClr val="tx1"/>
+            </a:solidFill>
+          </a:ln>
+        </p:spPr>
+        <p:style>
+          <a:lnRef idx="2">
+            <a:schemeClr val="accent1">
+              <a:shade val="50000"/>
+            </a:schemeClr>
+          </a:lnRef>
+          <a:fillRef idx="1">
+            <a:schemeClr val="accent1"/>
+          </a:fillRef>
+          <a:effectRef idx="0">
+            <a:schemeClr val="accent1"/>
+          </a:effectRef>
+          <a:fontRef idx="minor">
+            <a:schemeClr val="lt1"/>
+          </a:fontRef>
+        </p:style>
+        <p:txBody>
+          <a:bodyPr rtlCol="0" anchor="ctr"/>
+          <a:lstStyle/>
+          <a:p>
+            <a:pPr algn="ctr"/>
+            <a:endParaRPr lang="ru-RU" sz="1500"/>
+          </a:p>
+        </p:txBody>
+      </p:sp>
+      <p:sp>
+        <p:nvSpPr>
+          <p:cNvPr id="12" name="TextBox 11"/>
+          <p:cNvSpPr txBox="1"/>
+          <p:nvPr/>
+        </p:nvSpPr>
+        <p:spPr>
+          <a:xfrm>
+            <a:off x="530870" y="5030188"/>
+            <a:ext cx="3312368" cy="615553"/>
+          </a:xfrm>
+          <a:prstGeom prst="rect">
+            <a:avLst/>
+          </a:prstGeom>
+          <a:noFill/>
+          <a:ln w="12700">
+            <a:solidFill>
+              <a:schemeClr val="tx1"/>
+            </a:solidFill>
+          </a:ln>
+        </p:spPr>
+        <p:txBody>
+          <a:bodyPr wrap="square" rtlCol="0">
+            <a:spAutoFit/>
+          </a:bodyPr>
+          <a:lstStyle>
+            <a:defPPr>
+              <a:defRPr lang="ru-RU"/>
+            </a:defPPr>
+            <a:lvl1pPr algn="ctr">
+              <a:defRPr sz="1600">
+                <a:latin typeface="Tahoma" panose="020B0604030504040204" pitchFamily="34" charset="0"/>
+                <a:ea typeface="Tahoma" panose="020B0604030504040204" pitchFamily="34" charset="0"/>
+                <a:cs typeface="Tahoma" panose="020B0604030504040204" pitchFamily="34" charset="0"/>
+              </a:defRPr>
+            </a:lvl1pPr>
+          </a:lstStyle>
+          <a:p>
+            <a:r>
+              <a:rPr lang="ru-RU" sz="1700" dirty="0"/>
+              <a:t>добавляет связи ассоциации</a:t>
+            </a:r>
+          </a:p>
+          <a:p>
+            <a:r>
+              <a:rPr lang="ru-RU" sz="1700" dirty="0"/>
+              <a:t>с</a:t>
+            </a:r>
+            <a:r>
+              <a:rPr lang="ru-RU" sz="1700" dirty="0"/>
+              <a:t>охраняя  базовую структуру</a:t>
+            </a:r>
+            <a:endParaRPr lang="ru-RU" sz="1700" dirty="0"/>
+          </a:p>
+        </p:txBody>
+      </p:sp>
+    </p:spTree>
+    <p:extLst>
+      <p:ext uri="{BB962C8B-B14F-4D97-AF65-F5344CB8AC3E}">
+        <p14:creationId xmlns:p14="http://schemas.microsoft.com/office/powerpoint/2010/main" val="3126727771"/>
+      </p:ext>
+    </p:extLst>
+  </p:cSld>
+  <p:clrMapOvr>
+    <a:masterClrMapping/>
+  </p:clrMapOvr>
+  <p:timing>
+    <p:tnLst>
+      <p:par>
+        <p:cTn id="1" dur="indefinite" restart="never" nodeType="tmRoot"/>
+      </p:par>
+    </p:tnLst>
+  </p:timing>
+</p:sld>
+</file>
+
+<file path=ppt/slides/slide4.xml><?xml version="1.0" encoding="utf-8"?>
+<p:sld xmlns:a="http://schemas.openxmlformats.org/drawingml/2006/main" xmlns:r="http://schemas.openxmlformats.org/officeDocument/2006/relationships" xmlns:p="http://schemas.openxmlformats.org/presentationml/2006/main">
+  <p:cSld>
+    <p:spTree>
+      <p:nvGrpSpPr>
+        <p:cNvPr id="1" name=""/>
+        <p:cNvGrpSpPr/>
+        <p:nvPr/>
+      </p:nvGrpSpPr>
+      <p:grpSpPr>
+        <a:xfrm>
+          <a:off x="0" y="0"/>
+          <a:ext cx="0" cy="0"/>
+          <a:chOff x="0" y="0"/>
+          <a:chExt cx="0" cy="0"/>
+        </a:xfrm>
+      </p:grpSpPr>
+      <p:sp>
+        <p:nvSpPr>
+          <p:cNvPr id="4" name="Content Placeholder 2"/>
+          <p:cNvSpPr txBox="1">
+            <a:spLocks/>
+          </p:cNvSpPr>
+          <p:nvPr/>
+        </p:nvSpPr>
+        <p:spPr>
+          <a:xfrm>
+            <a:off x="251520" y="548680"/>
+            <a:ext cx="8496944" cy="1800200"/>
+          </a:xfrm>
+          <a:prstGeom prst="rect">
+            <a:avLst/>
+          </a:prstGeom>
+        </p:spPr>
+        <p:txBody>
+          <a:bodyPr>
+            <a:noAutofit/>
+          </a:bodyPr>
+          <a:lstStyle>
+            <a:lvl1pPr marL="342900" indent="-342900" algn="l" defTabSz="914400" rtl="0" eaLnBrk="1" latinLnBrk="0" hangingPunct="1">
+              <a:spcBef>
+                <a:spcPct val="20000"/>
+              </a:spcBef>
+              <a:buFont typeface="Arial" pitchFamily="34" charset="0"/>
+              <a:buChar char="•"/>
+              <a:defRPr sz="3200" kern="1200">
+                <a:solidFill>
+                  <a:schemeClr val="tx1"/>
+                </a:solidFill>
+                <a:latin typeface="+mn-lt"/>
+                <a:ea typeface="+mn-ea"/>
+                <a:cs typeface="+mn-cs"/>
+              </a:defRPr>
+            </a:lvl1pPr>
+            <a:lvl2pPr marL="742950" indent="-285750" algn="l" defTabSz="914400" rtl="0" eaLnBrk="1" latinLnBrk="0" hangingPunct="1">
+              <a:spcBef>
+                <a:spcPct val="20000"/>
+              </a:spcBef>
+              <a:buFont typeface="Arial" pitchFamily="34" charset="0"/>
+              <a:buChar char="–"/>
+              <a:defRPr sz="2800" kern="1200">
+                <a:solidFill>
+                  <a:schemeClr val="tx1"/>
+                </a:solidFill>
+                <a:latin typeface="+mn-lt"/>
+                <a:ea typeface="+mn-ea"/>
+                <a:cs typeface="+mn-cs"/>
+              </a:defRPr>
+            </a:lvl2pPr>
+            <a:lvl3pPr marL="1143000" indent="-228600" algn="l" defTabSz="914400" rtl="0" eaLnBrk="1" latinLnBrk="0" hangingPunct="1">
+              <a:spcBef>
+                <a:spcPct val="20000"/>
+              </a:spcBef>
+              <a:buFont typeface="Arial" pitchFamily="34" charset="0"/>
+              <a:buChar char="•"/>
+              <a:defRPr sz="2400" kern="1200">
+                <a:solidFill>
+                  <a:schemeClr val="tx1"/>
+                </a:solidFill>
+                <a:latin typeface="+mn-lt"/>
+                <a:ea typeface="+mn-ea"/>
+                <a:cs typeface="+mn-cs"/>
+              </a:defRPr>
+            </a:lvl3pPr>
+            <a:lvl4pPr marL="1600200" indent="-228600" algn="l" defTabSz="914400" rtl="0" eaLnBrk="1" latinLnBrk="0" hangingPunct="1">
+              <a:spcBef>
+                <a:spcPct val="20000"/>
+              </a:spcBef>
+              <a:buFont typeface="Arial" pitchFamily="34" charset="0"/>
+              <a:buChar char="–"/>
+              <a:defRPr sz="2000" kern="1200">
+                <a:solidFill>
+                  <a:schemeClr val="tx1"/>
+                </a:solidFill>
+                <a:latin typeface="+mn-lt"/>
+                <a:ea typeface="+mn-ea"/>
+                <a:cs typeface="+mn-cs"/>
+              </a:defRPr>
+            </a:lvl4pPr>
+            <a:lvl5pPr marL="2057400" indent="-228600" algn="l" defTabSz="914400" rtl="0" eaLnBrk="1" latinLnBrk="0" hangingPunct="1">
+              <a:spcBef>
+                <a:spcPct val="20000"/>
+              </a:spcBef>
+              <a:buFont typeface="Arial" pitchFamily="34" charset="0"/>
+              <a:buChar char="»"/>
+              <a:defRPr sz="2000" kern="1200">
+                <a:solidFill>
+                  <a:schemeClr val="tx1"/>
+                </a:solidFill>
+                <a:latin typeface="+mn-lt"/>
+                <a:ea typeface="+mn-ea"/>
+                <a:cs typeface="+mn-cs"/>
+              </a:defRPr>
+            </a:lvl5pPr>
+            <a:lvl6pPr marL="2514600" indent="-228600" algn="l" defTabSz="914400" rtl="0" eaLnBrk="1" latinLnBrk="0" hangingPunct="1">
+              <a:spcBef>
+                <a:spcPct val="20000"/>
+              </a:spcBef>
+              <a:buFont typeface="Arial" pitchFamily="34" charset="0"/>
+              <a:buChar char="•"/>
+              <a:defRPr sz="2000" kern="1200">
+                <a:solidFill>
+                  <a:schemeClr val="tx1"/>
+                </a:solidFill>
+                <a:latin typeface="+mn-lt"/>
+                <a:ea typeface="+mn-ea"/>
+                <a:cs typeface="+mn-cs"/>
+              </a:defRPr>
+            </a:lvl6pPr>
+            <a:lvl7pPr marL="2971800" indent="-228600" algn="l" defTabSz="914400" rtl="0" eaLnBrk="1" latinLnBrk="0" hangingPunct="1">
+              <a:spcBef>
+                <a:spcPct val="20000"/>
+              </a:spcBef>
+              <a:buFont typeface="Arial" pitchFamily="34" charset="0"/>
+              <a:buChar char="•"/>
+              <a:defRPr sz="2000" kern="1200">
+                <a:solidFill>
+                  <a:schemeClr val="tx1"/>
+                </a:solidFill>
+                <a:latin typeface="+mn-lt"/>
+                <a:ea typeface="+mn-ea"/>
+                <a:cs typeface="+mn-cs"/>
+              </a:defRPr>
+            </a:lvl7pPr>
+            <a:lvl8pPr marL="3429000" indent="-228600" algn="l" defTabSz="914400" rtl="0" eaLnBrk="1" latinLnBrk="0" hangingPunct="1">
+              <a:spcBef>
+                <a:spcPct val="20000"/>
+              </a:spcBef>
+              <a:buFont typeface="Arial" pitchFamily="34" charset="0"/>
+              <a:buChar char="•"/>
+              <a:defRPr sz="2000" kern="1200">
+                <a:solidFill>
+                  <a:schemeClr val="tx1"/>
+                </a:solidFill>
+                <a:latin typeface="+mn-lt"/>
+                <a:ea typeface="+mn-ea"/>
+                <a:cs typeface="+mn-cs"/>
+              </a:defRPr>
+            </a:lvl8pPr>
+            <a:lvl9pPr marL="3886200" indent="-228600" algn="l" defTabSz="914400" rtl="0" eaLnBrk="1" latinLnBrk="0" hangingPunct="1">
+              <a:spcBef>
+                <a:spcPct val="20000"/>
+              </a:spcBef>
+              <a:buFont typeface="Arial" pitchFamily="34" charset="0"/>
+              <a:buChar char="•"/>
+              <a:defRPr sz="2000" kern="1200">
+                <a:solidFill>
+                  <a:schemeClr val="tx1"/>
+                </a:solidFill>
+                <a:latin typeface="+mn-lt"/>
+                <a:ea typeface="+mn-ea"/>
+                <a:cs typeface="+mn-cs"/>
+              </a:defRPr>
+            </a:lvl9pPr>
+          </a:lstStyle>
+          <a:p>
+            <a:pPr marL="0" indent="0" algn="just">
+              <a:buNone/>
+            </a:pPr>
+            <a:r>
+              <a:rPr lang="ru-RU" sz="2600" dirty="0" smtClean="0">
+                <a:latin typeface="Times New Roman" panose="02020603050405020304" pitchFamily="18" charset="0"/>
+                <a:cs typeface="Times New Roman" panose="02020603050405020304" pitchFamily="18" charset="0"/>
+              </a:rPr>
+              <a:t>Алгоритм авто размещения позволяет автоматически расставлять элементы </a:t>
+            </a:r>
+            <a:r>
+              <a:rPr lang="en-US" sz="2600" dirty="0" smtClean="0">
+                <a:latin typeface="Times New Roman" panose="02020603050405020304" pitchFamily="18" charset="0"/>
+                <a:cs typeface="Times New Roman" panose="02020603050405020304" pitchFamily="18" charset="0"/>
+              </a:rPr>
+              <a:t>UML</a:t>
+            </a:r>
+            <a:r>
+              <a:rPr lang="ru-RU" sz="2600" dirty="0" smtClean="0">
+                <a:latin typeface="Times New Roman" panose="02020603050405020304" pitchFamily="18" charset="0"/>
+                <a:cs typeface="Times New Roman" panose="02020603050405020304" pitchFamily="18" charset="0"/>
+              </a:rPr>
+              <a:t> диаграммы. Тем самым предоставляет пользователю базовый вид который может быть использован для ручного редактирования </a:t>
+            </a:r>
+            <a:r>
+              <a:rPr lang="en-US" sz="2600" dirty="0">
+                <a:latin typeface="Times New Roman" panose="02020603050405020304" pitchFamily="18" charset="0"/>
+                <a:cs typeface="Times New Roman" panose="02020603050405020304" pitchFamily="18" charset="0"/>
+              </a:rPr>
+              <a:t>UML</a:t>
+            </a:r>
+            <a:r>
+              <a:rPr lang="ru-RU" sz="2600" dirty="0">
+                <a:latin typeface="Times New Roman" panose="02020603050405020304" pitchFamily="18" charset="0"/>
+                <a:cs typeface="Times New Roman" panose="02020603050405020304" pitchFamily="18" charset="0"/>
+              </a:rPr>
+              <a:t> </a:t>
+            </a:r>
+            <a:r>
+              <a:rPr lang="ru-RU" sz="2600" dirty="0" smtClean="0">
+                <a:latin typeface="Times New Roman" panose="02020603050405020304" pitchFamily="18" charset="0"/>
+                <a:cs typeface="Times New Roman" panose="02020603050405020304" pitchFamily="18" charset="0"/>
+              </a:rPr>
+              <a:t>диаграммы.</a:t>
+            </a:r>
+          </a:p>
+          <a:p>
+            <a:pPr marL="0" indent="0" algn="just">
+              <a:buNone/>
+            </a:pPr>
+            <a:endParaRPr lang="ru-RU" sz="2600" dirty="0">
+              <a:latin typeface="Times New Roman" panose="02020603050405020304" pitchFamily="18" charset="0"/>
+              <a:cs typeface="Times New Roman" panose="02020603050405020304" pitchFamily="18" charset="0"/>
+            </a:endParaRPr>
+          </a:p>
+          <a:p>
+            <a:pPr marL="0" indent="0" algn="just">
+              <a:buNone/>
+            </a:pPr>
+            <a:endParaRPr lang="ru-RU" sz="2600" dirty="0" smtClean="0">
+              <a:latin typeface="Times New Roman" panose="02020603050405020304" pitchFamily="18" charset="0"/>
+              <a:cs typeface="Times New Roman" panose="02020603050405020304" pitchFamily="18" charset="0"/>
+            </a:endParaRPr>
+          </a:p>
+          <a:p>
+            <a:pPr marL="0" indent="0" algn="just">
+              <a:buNone/>
+            </a:pPr>
+            <a:endParaRPr lang="ru-RU" sz="2600" dirty="0">
+              <a:latin typeface="Times New Roman" panose="02020603050405020304" pitchFamily="18" charset="0"/>
+              <a:cs typeface="Times New Roman" panose="02020603050405020304" pitchFamily="18" charset="0"/>
+            </a:endParaRPr>
+          </a:p>
+        </p:txBody>
+      </p:sp>
+      <p:sp>
+        <p:nvSpPr>
+          <p:cNvPr id="5" name="Content Placeholder 2"/>
+          <p:cNvSpPr txBox="1">
+            <a:spLocks/>
+          </p:cNvSpPr>
+          <p:nvPr/>
+        </p:nvSpPr>
+        <p:spPr>
+          <a:xfrm>
+            <a:off x="251520" y="2852936"/>
+            <a:ext cx="8640960" cy="3312368"/>
+          </a:xfrm>
+          <a:prstGeom prst="rect">
+            <a:avLst/>
+          </a:prstGeom>
+        </p:spPr>
+        <p:txBody>
+          <a:bodyPr>
+            <a:noAutofit/>
+          </a:bodyPr>
+          <a:lstStyle>
+            <a:lvl1pPr marL="342900" indent="-342900" algn="l" defTabSz="914400" rtl="0" eaLnBrk="1" latinLnBrk="0" hangingPunct="1">
+              <a:spcBef>
+                <a:spcPct val="20000"/>
+              </a:spcBef>
+              <a:buFont typeface="Arial" pitchFamily="34" charset="0"/>
+              <a:buChar char="•"/>
+              <a:defRPr sz="3200" kern="1200">
+                <a:solidFill>
+                  <a:schemeClr val="tx1"/>
+                </a:solidFill>
+                <a:latin typeface="+mn-lt"/>
+                <a:ea typeface="+mn-ea"/>
+                <a:cs typeface="+mn-cs"/>
+              </a:defRPr>
+            </a:lvl1pPr>
+            <a:lvl2pPr marL="742950" indent="-285750" algn="l" defTabSz="914400" rtl="0" eaLnBrk="1" latinLnBrk="0" hangingPunct="1">
+              <a:spcBef>
+                <a:spcPct val="20000"/>
+              </a:spcBef>
+              <a:buFont typeface="Arial" pitchFamily="34" charset="0"/>
+              <a:buChar char="–"/>
+              <a:defRPr sz="2800" kern="1200">
+                <a:solidFill>
+                  <a:schemeClr val="tx1"/>
+                </a:solidFill>
+                <a:latin typeface="+mn-lt"/>
+                <a:ea typeface="+mn-ea"/>
+                <a:cs typeface="+mn-cs"/>
+              </a:defRPr>
+            </a:lvl2pPr>
+            <a:lvl3pPr marL="1143000" indent="-228600" algn="l" defTabSz="914400" rtl="0" eaLnBrk="1" latinLnBrk="0" hangingPunct="1">
+              <a:spcBef>
+                <a:spcPct val="20000"/>
+              </a:spcBef>
+              <a:buFont typeface="Arial" pitchFamily="34" charset="0"/>
+              <a:buChar char="•"/>
+              <a:defRPr sz="2400" kern="1200">
+                <a:solidFill>
+                  <a:schemeClr val="tx1"/>
+                </a:solidFill>
+                <a:latin typeface="+mn-lt"/>
+                <a:ea typeface="+mn-ea"/>
+                <a:cs typeface="+mn-cs"/>
+              </a:defRPr>
+            </a:lvl3pPr>
+            <a:lvl4pPr marL="1600200" indent="-228600" algn="l" defTabSz="914400" rtl="0" eaLnBrk="1" latinLnBrk="0" hangingPunct="1">
+              <a:spcBef>
+                <a:spcPct val="20000"/>
+              </a:spcBef>
+              <a:buFont typeface="Arial" pitchFamily="34" charset="0"/>
+              <a:buChar char="–"/>
+              <a:defRPr sz="2000" kern="1200">
+                <a:solidFill>
+                  <a:schemeClr val="tx1"/>
+                </a:solidFill>
+                <a:latin typeface="+mn-lt"/>
+                <a:ea typeface="+mn-ea"/>
+                <a:cs typeface="+mn-cs"/>
+              </a:defRPr>
+            </a:lvl4pPr>
+            <a:lvl5pPr marL="2057400" indent="-228600" algn="l" defTabSz="914400" rtl="0" eaLnBrk="1" latinLnBrk="0" hangingPunct="1">
+              <a:spcBef>
+                <a:spcPct val="20000"/>
+              </a:spcBef>
+              <a:buFont typeface="Arial" pitchFamily="34" charset="0"/>
+              <a:buChar char="»"/>
+              <a:defRPr sz="2000" kern="1200">
+                <a:solidFill>
+                  <a:schemeClr val="tx1"/>
+                </a:solidFill>
+                <a:latin typeface="+mn-lt"/>
+                <a:ea typeface="+mn-ea"/>
+                <a:cs typeface="+mn-cs"/>
+              </a:defRPr>
+            </a:lvl5pPr>
+            <a:lvl6pPr marL="2514600" indent="-228600" algn="l" defTabSz="914400" rtl="0" eaLnBrk="1" latinLnBrk="0" hangingPunct="1">
+              <a:spcBef>
+                <a:spcPct val="20000"/>
+              </a:spcBef>
+              <a:buFont typeface="Arial" pitchFamily="34" charset="0"/>
+              <a:buChar char="•"/>
+              <a:defRPr sz="2000" kern="1200">
+                <a:solidFill>
+                  <a:schemeClr val="tx1"/>
+                </a:solidFill>
+                <a:latin typeface="+mn-lt"/>
+                <a:ea typeface="+mn-ea"/>
+                <a:cs typeface="+mn-cs"/>
+              </a:defRPr>
+            </a:lvl6pPr>
+            <a:lvl7pPr marL="2971800" indent="-228600" algn="l" defTabSz="914400" rtl="0" eaLnBrk="1" latinLnBrk="0" hangingPunct="1">
+              <a:spcBef>
+                <a:spcPct val="20000"/>
+              </a:spcBef>
+              <a:buFont typeface="Arial" pitchFamily="34" charset="0"/>
+              <a:buChar char="•"/>
+              <a:defRPr sz="2000" kern="1200">
+                <a:solidFill>
+                  <a:schemeClr val="tx1"/>
+                </a:solidFill>
+                <a:latin typeface="+mn-lt"/>
+                <a:ea typeface="+mn-ea"/>
+                <a:cs typeface="+mn-cs"/>
+              </a:defRPr>
+            </a:lvl7pPr>
+            <a:lvl8pPr marL="3429000" indent="-228600" algn="l" defTabSz="914400" rtl="0" eaLnBrk="1" latinLnBrk="0" hangingPunct="1">
+              <a:spcBef>
+                <a:spcPct val="20000"/>
+              </a:spcBef>
+              <a:buFont typeface="Arial" pitchFamily="34" charset="0"/>
+              <a:buChar char="•"/>
+              <a:defRPr sz="2000" kern="1200">
+                <a:solidFill>
+                  <a:schemeClr val="tx1"/>
+                </a:solidFill>
+                <a:latin typeface="+mn-lt"/>
+                <a:ea typeface="+mn-ea"/>
+                <a:cs typeface="+mn-cs"/>
+              </a:defRPr>
+            </a:lvl8pPr>
+            <a:lvl9pPr marL="3886200" indent="-228600" algn="l" defTabSz="914400" rtl="0" eaLnBrk="1" latinLnBrk="0" hangingPunct="1">
+              <a:spcBef>
+                <a:spcPct val="20000"/>
+              </a:spcBef>
+              <a:buFont typeface="Arial" pitchFamily="34" charset="0"/>
+              <a:buChar char="•"/>
+              <a:defRPr sz="2000" kern="1200">
+                <a:solidFill>
+                  <a:schemeClr val="tx1"/>
+                </a:solidFill>
+                <a:latin typeface="+mn-lt"/>
+                <a:ea typeface="+mn-ea"/>
+                <a:cs typeface="+mn-cs"/>
+              </a:defRPr>
+            </a:lvl9pPr>
+          </a:lstStyle>
+          <a:p>
+            <a:pPr marL="0" indent="0" algn="just">
+              <a:buNone/>
+            </a:pPr>
+            <a:r>
+              <a:rPr lang="uk-UA" sz="2800" dirty="0" err="1" smtClean="0">
+                <a:latin typeface="Times New Roman" panose="02020603050405020304" pitchFamily="18" charset="0"/>
+                <a:cs typeface="Times New Roman" panose="02020603050405020304" pitchFamily="18" charset="0"/>
+              </a:rPr>
+              <a:t>Дальнейшие</a:t>
+            </a:r>
+            <a:r>
+              <a:rPr lang="uk-UA" sz="2800" dirty="0" smtClean="0">
+                <a:latin typeface="Times New Roman" panose="02020603050405020304" pitchFamily="18" charset="0"/>
+                <a:cs typeface="Times New Roman" panose="02020603050405020304" pitchFamily="18" charset="0"/>
+              </a:rPr>
+              <a:t> шаги по </a:t>
+            </a:r>
+            <a:r>
+              <a:rPr lang="uk-UA" sz="2800" dirty="0" err="1" smtClean="0">
+                <a:latin typeface="Times New Roman" panose="02020603050405020304" pitchFamily="18" charset="0"/>
+                <a:cs typeface="Times New Roman" panose="02020603050405020304" pitchFamily="18" charset="0"/>
+              </a:rPr>
+              <a:t>улучшению</a:t>
+            </a:r>
+            <a:r>
+              <a:rPr lang="uk-UA" sz="2800" dirty="0" smtClean="0">
+                <a:latin typeface="Times New Roman" panose="02020603050405020304" pitchFamily="18" charset="0"/>
+                <a:cs typeface="Times New Roman" panose="02020603050405020304" pitchFamily="18" charset="0"/>
+              </a:rPr>
+              <a:t>: </a:t>
+            </a:r>
+            <a:endParaRPr lang="ru-RU" sz="2800" dirty="0" smtClean="0">
+              <a:latin typeface="Times New Roman" panose="02020603050405020304" pitchFamily="18" charset="0"/>
+              <a:cs typeface="Times New Roman" panose="02020603050405020304" pitchFamily="18" charset="0"/>
+            </a:endParaRPr>
+          </a:p>
+          <a:p>
+            <a:pPr algn="just"/>
+            <a:r>
+              <a:rPr lang="ru-RU" sz="2600" dirty="0" smtClean="0">
+                <a:latin typeface="Times New Roman" panose="02020603050405020304" pitchFamily="18" charset="0"/>
+                <a:cs typeface="Times New Roman" panose="02020603050405020304" pitchFamily="18" charset="0"/>
+              </a:rPr>
+              <a:t>Возможность использовать различные алгоритмы размещения для разных частей </a:t>
+            </a:r>
+            <a:r>
+              <a:rPr lang="uk-UA" sz="2600" dirty="0" err="1" smtClean="0">
+                <a:latin typeface="Times New Roman" panose="02020603050405020304" pitchFamily="18" charset="0"/>
+                <a:cs typeface="Times New Roman" panose="02020603050405020304" pitchFamily="18" charset="0"/>
+              </a:rPr>
+              <a:t>диаграммы</a:t>
+            </a:r>
+            <a:r>
+              <a:rPr lang="ru-RU" sz="2600" dirty="0" smtClean="0">
+                <a:latin typeface="Times New Roman" panose="02020603050405020304" pitchFamily="18" charset="0"/>
+                <a:cs typeface="Times New Roman" panose="02020603050405020304" pitchFamily="18" charset="0"/>
+              </a:rPr>
+              <a:t>. </a:t>
+            </a:r>
+          </a:p>
+          <a:p>
+            <a:pPr algn="just"/>
+            <a:r>
+              <a:rPr lang="ru-RU" sz="2600" dirty="0" smtClean="0">
+                <a:latin typeface="Times New Roman" panose="02020603050405020304" pitchFamily="18" charset="0"/>
+                <a:cs typeface="Times New Roman" panose="02020603050405020304" pitchFamily="18" charset="0"/>
+              </a:rPr>
+              <a:t>Реализация зума </a:t>
+            </a:r>
+            <a:r>
+              <a:rPr lang="ru-RU" sz="2600" dirty="0">
+                <a:latin typeface="Times New Roman" panose="02020603050405020304" pitchFamily="18" charset="0"/>
+                <a:cs typeface="Times New Roman" panose="02020603050405020304" pitchFamily="18" charset="0"/>
+              </a:rPr>
+              <a:t>в </a:t>
+            </a:r>
+            <a:r>
+              <a:rPr lang="uk-UA" sz="2600" dirty="0" err="1">
+                <a:latin typeface="Times New Roman" panose="02020603050405020304" pitchFamily="18" charset="0"/>
+                <a:cs typeface="Times New Roman" panose="02020603050405020304" pitchFamily="18" charset="0"/>
+              </a:rPr>
+              <a:t>ArgoUML</a:t>
+            </a:r>
+            <a:r>
+              <a:rPr lang="uk-UA" sz="2600" dirty="0">
+                <a:latin typeface="Times New Roman" panose="02020603050405020304" pitchFamily="18" charset="0"/>
+                <a:cs typeface="Times New Roman" panose="02020603050405020304" pitchFamily="18" charset="0"/>
+              </a:rPr>
+              <a:t> </a:t>
+            </a:r>
+            <a:r>
+              <a:rPr lang="ru-RU" sz="2600" dirty="0" smtClean="0">
+                <a:latin typeface="Times New Roman" panose="02020603050405020304" pitchFamily="18" charset="0"/>
+                <a:cs typeface="Times New Roman" panose="02020603050405020304" pitchFamily="18" charset="0"/>
+              </a:rPr>
+              <a:t>очень полезное улучшение для диаграмм с большим количеством элементов.</a:t>
+            </a:r>
+          </a:p>
+          <a:p>
+            <a:pPr algn="just"/>
+            <a:r>
+              <a:rPr lang="ru-RU" sz="2600" dirty="0">
+                <a:latin typeface="Times New Roman" panose="02020603050405020304" pitchFamily="18" charset="0"/>
+                <a:cs typeface="Times New Roman" panose="02020603050405020304" pitchFamily="18" charset="0"/>
+              </a:rPr>
+              <a:t>Внедрение изогнутых связей между элементами</a:t>
+            </a:r>
+            <a:r>
+              <a:rPr lang="en-US" sz="2600" dirty="0">
+                <a:latin typeface="Times New Roman" panose="02020603050405020304" pitchFamily="18" charset="0"/>
+                <a:cs typeface="Times New Roman" panose="02020603050405020304" pitchFamily="18" charset="0"/>
+              </a:rPr>
+              <a:t> UML </a:t>
+            </a:r>
+            <a:r>
+              <a:rPr lang="uk-UA" sz="2600" dirty="0" err="1">
+                <a:latin typeface="Times New Roman" panose="02020603050405020304" pitchFamily="18" charset="0"/>
+                <a:cs typeface="Times New Roman" panose="02020603050405020304" pitchFamily="18" charset="0"/>
+              </a:rPr>
+              <a:t>диаграмм</a:t>
+            </a:r>
+            <a:r>
+              <a:rPr lang="ru-RU" sz="2600" dirty="0">
+                <a:latin typeface="Times New Roman" panose="02020603050405020304" pitchFamily="18" charset="0"/>
+                <a:cs typeface="Times New Roman" panose="02020603050405020304" pitchFamily="18" charset="0"/>
+              </a:rPr>
+              <a:t>. Реализация этого улучшения </a:t>
+            </a:r>
+            <a:r>
+              <a:rPr lang="ru-RU" sz="2600" dirty="0" err="1">
+                <a:latin typeface="Times New Roman" panose="02020603050405020304" pitchFamily="18" charset="0"/>
+                <a:cs typeface="Times New Roman" panose="02020603050405020304" pitchFamily="18" charset="0"/>
+              </a:rPr>
+              <a:t>свзязано</a:t>
+            </a:r>
+            <a:r>
+              <a:rPr lang="ru-RU" sz="2600" dirty="0">
+                <a:latin typeface="Times New Roman" panose="02020603050405020304" pitchFamily="18" charset="0"/>
+                <a:cs typeface="Times New Roman" panose="02020603050405020304" pitchFamily="18" charset="0"/>
+              </a:rPr>
+              <a:t> с ограничениями которые накладывает </a:t>
+            </a:r>
+            <a:r>
+              <a:rPr lang="en-US" sz="2600" dirty="0" err="1">
+                <a:latin typeface="Times New Roman" panose="02020603050405020304" pitchFamily="18" charset="0"/>
+                <a:cs typeface="Times New Roman" panose="02020603050405020304" pitchFamily="18" charset="0"/>
+              </a:rPr>
+              <a:t>ArgoUML</a:t>
+            </a:r>
+            <a:endParaRPr lang="en-US" sz="2600" dirty="0">
+              <a:latin typeface="Times New Roman" panose="02020603050405020304" pitchFamily="18" charset="0"/>
+              <a:cs typeface="Times New Roman" panose="02020603050405020304" pitchFamily="18" charset="0"/>
+            </a:endParaRPr>
+          </a:p>
+          <a:p>
+            <a:pPr marL="0" indent="0" algn="just">
+              <a:buNone/>
+            </a:pPr>
+            <a:endParaRPr lang="ru-RU" sz="2600" dirty="0" smtClean="0">
+              <a:latin typeface="Times New Roman" panose="02020603050405020304" pitchFamily="18" charset="0"/>
+              <a:cs typeface="Times New Roman" panose="02020603050405020304" pitchFamily="18" charset="0"/>
+            </a:endParaRPr>
+          </a:p>
+          <a:p>
+            <a:pPr algn="just"/>
+            <a:endParaRPr lang="ru-RU" sz="2600" dirty="0" smtClean="0">
+              <a:latin typeface="Times New Roman" panose="02020603050405020304" pitchFamily="18" charset="0"/>
+              <a:cs typeface="Times New Roman" panose="02020603050405020304" pitchFamily="18" charset="0"/>
+            </a:endParaRPr>
+          </a:p>
+          <a:p>
+            <a:pPr algn="just"/>
+            <a:endParaRPr lang="ru-RU" sz="2600" dirty="0">
+              <a:latin typeface="Times New Roman" panose="02020603050405020304" pitchFamily="18" charset="0"/>
+              <a:cs typeface="Times New Roman" panose="02020603050405020304" pitchFamily="18" charset="0"/>
+            </a:endParaRPr>
+          </a:p>
+          <a:p>
+            <a:pPr algn="just"/>
+            <a:endParaRPr lang="ru-RU" sz="2600" dirty="0" smtClean="0">
+              <a:latin typeface="Times New Roman" panose="02020603050405020304" pitchFamily="18" charset="0"/>
+              <a:cs typeface="Times New Roman" panose="02020603050405020304" pitchFamily="18" charset="0"/>
+            </a:endParaRPr>
+          </a:p>
+          <a:p>
+            <a:pPr marL="0" indent="0" algn="just">
+              <a:buNone/>
+            </a:pPr>
+            <a:r>
+              <a:rPr lang="ru-RU" sz="2600" dirty="0" smtClean="0">
+                <a:latin typeface="Times New Roman" panose="02020603050405020304" pitchFamily="18" charset="0"/>
+                <a:cs typeface="Times New Roman" panose="02020603050405020304" pitchFamily="18" charset="0"/>
+              </a:rPr>
+              <a:t>   </a:t>
+            </a:r>
+            <a:endParaRPr lang="ru-RU" sz="2600" dirty="0">
+              <a:latin typeface="Times New Roman" panose="02020603050405020304" pitchFamily="18" charset="0"/>
+              <a:cs typeface="Times New Roman" panose="02020603050405020304" pitchFamily="18" charset="0"/>
+            </a:endParaRPr>
+          </a:p>
+          <a:p>
+            <a:pPr marL="0" indent="0" algn="just">
+              <a:buNone/>
+            </a:pPr>
+            <a:endParaRPr lang="ru-RU" sz="2600" dirty="0">
+              <a:latin typeface="Times New Roman" panose="02020603050405020304" pitchFamily="18" charset="0"/>
+              <a:cs typeface="Times New Roman" panose="02020603050405020304" pitchFamily="18" charset="0"/>
+            </a:endParaRPr>
+          </a:p>
+          <a:p>
+            <a:pPr marL="0" indent="0" algn="just">
+              <a:buNone/>
+            </a:pPr>
+            <a:endParaRPr lang="ru-RU" sz="2600" dirty="0" smtClean="0">
+              <a:latin typeface="Times New Roman" panose="02020603050405020304" pitchFamily="18" charset="0"/>
+              <a:cs typeface="Times New Roman" panose="02020603050405020304" pitchFamily="18" charset="0"/>
+            </a:endParaRPr>
+          </a:p>
+          <a:p>
+            <a:pPr marL="0" indent="0" algn="just">
+              <a:buNone/>
+            </a:pPr>
+            <a:endParaRPr lang="ru-RU" sz="2600" dirty="0">
+              <a:latin typeface="Times New Roman" panose="02020603050405020304" pitchFamily="18" charset="0"/>
+              <a:cs typeface="Times New Roman" panose="02020603050405020304" pitchFamily="18" charset="0"/>
+            </a:endParaRPr>
+          </a:p>
+        </p:txBody>
+      </p:sp>
+    </p:spTree>
+    <p:extLst>
+      <p:ext uri="{BB962C8B-B14F-4D97-AF65-F5344CB8AC3E}">
+        <p14:creationId xmlns:p14="http://schemas.microsoft.com/office/powerpoint/2010/main" val="1193449550"/>
+      </p:ext>
+    </p:extLst>
+  </p:cSld>
+  <p:clrMapOvr>
+    <a:masterClrMapping/>
+  </p:clrMapOvr>
+  <p:timing>
+    <p:tnLst>
+      <p:par>
+        <p:cTn id="1" dur="indefinite" restart="never" nodeType="tmRoot"/>
+      </p:par>
+    </p:tnLst>
+  </p:timing>
+</p:sld>
+</file>
+
+<file path=ppt/slides/slide5.xml><?xml version="1.0" encoding="utf-8"?>
+<p:sld xmlns:a="http://schemas.openxmlformats.org/drawingml/2006/main" xmlns:r="http://schemas.openxmlformats.org/officeDocument/2006/relationships" xmlns:p="http://schemas.openxmlformats.org/presentationml/2006/main">
+  <p:cSld>
+    <p:spTree>
+      <p:nvGrpSpPr>
+        <p:cNvPr id="1" name=""/>
+        <p:cNvGrpSpPr/>
+        <p:nvPr/>
+      </p:nvGrpSpPr>
+      <p:grpSpPr>
+        <a:xfrm>
+          <a:off x="0" y="0"/>
+          <a:ext cx="0" cy="0"/>
+          <a:chOff x="0" y="0"/>
+          <a:chExt cx="0" cy="0"/>
+        </a:xfrm>
+      </p:grpSpPr>
+      <p:sp>
+        <p:nvSpPr>
+          <p:cNvPr id="7" name="Content Placeholder 2"/>
+          <p:cNvSpPr txBox="1">
+            <a:spLocks/>
+          </p:cNvSpPr>
+          <p:nvPr/>
+        </p:nvSpPr>
+        <p:spPr>
+          <a:xfrm>
+            <a:off x="228812" y="548680"/>
+            <a:ext cx="8640960" cy="3312368"/>
+          </a:xfrm>
+          <a:prstGeom prst="rect">
+            <a:avLst/>
+          </a:prstGeom>
+        </p:spPr>
+        <p:txBody>
+          <a:bodyPr>
+            <a:noAutofit/>
+          </a:bodyPr>
+          <a:lstStyle>
+            <a:lvl1pPr marL="342900" indent="-342900" algn="l" defTabSz="914400" rtl="0" eaLnBrk="1" latinLnBrk="0" hangingPunct="1">
+              <a:spcBef>
+                <a:spcPct val="20000"/>
+              </a:spcBef>
+              <a:buFont typeface="Arial" pitchFamily="34" charset="0"/>
+              <a:buChar char="•"/>
+              <a:defRPr sz="3200" kern="1200">
+                <a:solidFill>
+                  <a:schemeClr val="tx1"/>
+                </a:solidFill>
+                <a:latin typeface="+mn-lt"/>
+                <a:ea typeface="+mn-ea"/>
+                <a:cs typeface="+mn-cs"/>
+              </a:defRPr>
+            </a:lvl1pPr>
+            <a:lvl2pPr marL="742950" indent="-285750" algn="l" defTabSz="914400" rtl="0" eaLnBrk="1" latinLnBrk="0" hangingPunct="1">
+              <a:spcBef>
+                <a:spcPct val="20000"/>
+              </a:spcBef>
+              <a:buFont typeface="Arial" pitchFamily="34" charset="0"/>
+              <a:buChar char="–"/>
+              <a:defRPr sz="2800" kern="1200">
+                <a:solidFill>
+                  <a:schemeClr val="tx1"/>
+                </a:solidFill>
+                <a:latin typeface="+mn-lt"/>
+                <a:ea typeface="+mn-ea"/>
+                <a:cs typeface="+mn-cs"/>
+              </a:defRPr>
+            </a:lvl2pPr>
+            <a:lvl3pPr marL="1143000" indent="-228600" algn="l" defTabSz="914400" rtl="0" eaLnBrk="1" latinLnBrk="0" hangingPunct="1">
+              <a:spcBef>
+                <a:spcPct val="20000"/>
+              </a:spcBef>
+              <a:buFont typeface="Arial" pitchFamily="34" charset="0"/>
+              <a:buChar char="•"/>
+              <a:defRPr sz="2400" kern="1200">
+                <a:solidFill>
+                  <a:schemeClr val="tx1"/>
+                </a:solidFill>
+                <a:latin typeface="+mn-lt"/>
+                <a:ea typeface="+mn-ea"/>
+                <a:cs typeface="+mn-cs"/>
+              </a:defRPr>
+            </a:lvl3pPr>
+            <a:lvl4pPr marL="1600200" indent="-228600" algn="l" defTabSz="914400" rtl="0" eaLnBrk="1" latinLnBrk="0" hangingPunct="1">
+              <a:spcBef>
+                <a:spcPct val="20000"/>
+              </a:spcBef>
+              <a:buFont typeface="Arial" pitchFamily="34" charset="0"/>
+              <a:buChar char="–"/>
+              <a:defRPr sz="2000" kern="1200">
+                <a:solidFill>
+                  <a:schemeClr val="tx1"/>
+                </a:solidFill>
+                <a:latin typeface="+mn-lt"/>
+                <a:ea typeface="+mn-ea"/>
+                <a:cs typeface="+mn-cs"/>
+              </a:defRPr>
+            </a:lvl4pPr>
+            <a:lvl5pPr marL="2057400" indent="-228600" algn="l" defTabSz="914400" rtl="0" eaLnBrk="1" latinLnBrk="0" hangingPunct="1">
+              <a:spcBef>
+                <a:spcPct val="20000"/>
+              </a:spcBef>
+              <a:buFont typeface="Arial" pitchFamily="34" charset="0"/>
+              <a:buChar char="»"/>
+              <a:defRPr sz="2000" kern="1200">
+                <a:solidFill>
+                  <a:schemeClr val="tx1"/>
+                </a:solidFill>
+                <a:latin typeface="+mn-lt"/>
+                <a:ea typeface="+mn-ea"/>
+                <a:cs typeface="+mn-cs"/>
+              </a:defRPr>
+            </a:lvl5pPr>
+            <a:lvl6pPr marL="2514600" indent="-228600" algn="l" defTabSz="914400" rtl="0" eaLnBrk="1" latinLnBrk="0" hangingPunct="1">
+              <a:spcBef>
+                <a:spcPct val="20000"/>
+              </a:spcBef>
+              <a:buFont typeface="Arial" pitchFamily="34" charset="0"/>
+              <a:buChar char="•"/>
+              <a:defRPr sz="2000" kern="1200">
+                <a:solidFill>
+                  <a:schemeClr val="tx1"/>
+                </a:solidFill>
+                <a:latin typeface="+mn-lt"/>
+                <a:ea typeface="+mn-ea"/>
+                <a:cs typeface="+mn-cs"/>
+              </a:defRPr>
+            </a:lvl6pPr>
+            <a:lvl7pPr marL="2971800" indent="-228600" algn="l" defTabSz="914400" rtl="0" eaLnBrk="1" latinLnBrk="0" hangingPunct="1">
+              <a:spcBef>
+                <a:spcPct val="20000"/>
+              </a:spcBef>
+              <a:buFont typeface="Arial" pitchFamily="34" charset="0"/>
+              <a:buChar char="•"/>
+              <a:defRPr sz="2000" kern="1200">
+                <a:solidFill>
+                  <a:schemeClr val="tx1"/>
+                </a:solidFill>
+                <a:latin typeface="+mn-lt"/>
+                <a:ea typeface="+mn-ea"/>
+                <a:cs typeface="+mn-cs"/>
+              </a:defRPr>
+            </a:lvl7pPr>
+            <a:lvl8pPr marL="3429000" indent="-228600" algn="l" defTabSz="914400" rtl="0" eaLnBrk="1" latinLnBrk="0" hangingPunct="1">
+              <a:spcBef>
+                <a:spcPct val="20000"/>
+              </a:spcBef>
+              <a:buFont typeface="Arial" pitchFamily="34" charset="0"/>
+              <a:buChar char="•"/>
+              <a:defRPr sz="2000" kern="1200">
+                <a:solidFill>
+                  <a:schemeClr val="tx1"/>
+                </a:solidFill>
+                <a:latin typeface="+mn-lt"/>
+                <a:ea typeface="+mn-ea"/>
+                <a:cs typeface="+mn-cs"/>
+              </a:defRPr>
+            </a:lvl8pPr>
+            <a:lvl9pPr marL="3886200" indent="-228600" algn="l" defTabSz="914400" rtl="0" eaLnBrk="1" latinLnBrk="0" hangingPunct="1">
+              <a:spcBef>
+                <a:spcPct val="20000"/>
+              </a:spcBef>
+              <a:buFont typeface="Arial" pitchFamily="34" charset="0"/>
+              <a:buChar char="•"/>
+              <a:defRPr sz="2000" kern="1200">
+                <a:solidFill>
+                  <a:schemeClr val="tx1"/>
+                </a:solidFill>
+                <a:latin typeface="+mn-lt"/>
+                <a:ea typeface="+mn-ea"/>
+                <a:cs typeface="+mn-cs"/>
+              </a:defRPr>
+            </a:lvl9pPr>
+          </a:lstStyle>
+          <a:p>
+            <a:pPr marL="0" indent="0" algn="just">
+              <a:buNone/>
+            </a:pPr>
+            <a:r>
+              <a:rPr lang="uk-UA" sz="2800" dirty="0" err="1" smtClean="0">
+                <a:latin typeface="Times New Roman" panose="02020603050405020304" pitchFamily="18" charset="0"/>
+                <a:cs typeface="Times New Roman" panose="02020603050405020304" pitchFamily="18" charset="0"/>
+              </a:rPr>
+              <a:t>Вывод</a:t>
+            </a:r>
+            <a:r>
+              <a:rPr lang="uk-UA" sz="2800" dirty="0" smtClean="0">
+                <a:latin typeface="Times New Roman" panose="02020603050405020304" pitchFamily="18" charset="0"/>
+                <a:cs typeface="Times New Roman" panose="02020603050405020304" pitchFamily="18" charset="0"/>
+              </a:rPr>
+              <a:t>:</a:t>
+            </a:r>
+          </a:p>
+          <a:p>
+            <a:pPr algn="just"/>
+            <a:r>
+              <a:rPr lang="ru-RU" sz="2600" dirty="0" smtClean="0">
+                <a:latin typeface="Times New Roman" panose="02020603050405020304" pitchFamily="18" charset="0"/>
+                <a:cs typeface="Times New Roman" panose="02020603050405020304" pitchFamily="18" charset="0"/>
+              </a:rPr>
+              <a:t>Внедрённый алгоритм справляется с функцией авто-размещения </a:t>
+            </a:r>
+            <a:r>
+              <a:rPr lang="en-US" sz="2600" dirty="0" smtClean="0">
+                <a:latin typeface="Times New Roman" panose="02020603050405020304" pitchFamily="18" charset="0"/>
+                <a:cs typeface="Times New Roman" panose="02020603050405020304" pitchFamily="18" charset="0"/>
+              </a:rPr>
+              <a:t>UML</a:t>
+            </a:r>
+            <a:r>
+              <a:rPr lang="ru-RU" sz="2600" dirty="0" smtClean="0">
+                <a:latin typeface="Times New Roman" panose="02020603050405020304" pitchFamily="18" charset="0"/>
+                <a:cs typeface="Times New Roman" panose="02020603050405020304" pitchFamily="18" charset="0"/>
+              </a:rPr>
+              <a:t> </a:t>
+            </a:r>
+            <a:r>
+              <a:rPr lang="ru-RU" sz="2600" dirty="0">
+                <a:latin typeface="Times New Roman" panose="02020603050405020304" pitchFamily="18" charset="0"/>
+                <a:cs typeface="Times New Roman" panose="02020603050405020304" pitchFamily="18" charset="0"/>
+              </a:rPr>
+              <a:t>э</a:t>
+            </a:r>
+            <a:r>
+              <a:rPr lang="ru-RU" sz="2600" dirty="0" smtClean="0">
+                <a:latin typeface="Times New Roman" panose="02020603050405020304" pitchFamily="18" charset="0"/>
+                <a:cs typeface="Times New Roman" panose="02020603050405020304" pitchFamily="18" charset="0"/>
+              </a:rPr>
+              <a:t>лементов диаграммы а также </a:t>
+            </a:r>
+            <a:r>
+              <a:rPr lang="ru-RU" sz="2600" dirty="0" smtClean="0">
+                <a:latin typeface="Times New Roman" panose="02020603050405020304" pitchFamily="18" charset="0"/>
+                <a:cs typeface="Times New Roman" panose="02020603050405020304" pitchFamily="18" charset="0"/>
+              </a:rPr>
+              <a:t>учитывает </a:t>
+            </a:r>
+            <a:r>
+              <a:rPr lang="ru-RU" sz="2600" dirty="0">
+                <a:latin typeface="Times New Roman" panose="02020603050405020304" pitchFamily="18" charset="0"/>
+                <a:cs typeface="Times New Roman" panose="02020603050405020304" pitchFamily="18" charset="0"/>
+              </a:rPr>
+              <a:t>их веса и </a:t>
+            </a:r>
+            <a:r>
+              <a:rPr lang="ru-RU" sz="2600" dirty="0" smtClean="0">
+                <a:latin typeface="Times New Roman" panose="02020603050405020304" pitchFamily="18" charset="0"/>
+                <a:cs typeface="Times New Roman" panose="02020603050405020304" pitchFamily="18" charset="0"/>
+              </a:rPr>
+              <a:t>ранг при размещении.</a:t>
+            </a:r>
+          </a:p>
+          <a:p>
+            <a:pPr algn="just"/>
+            <a:r>
+              <a:rPr lang="ru-RU" sz="2600" dirty="0">
+                <a:latin typeface="Times New Roman" panose="02020603050405020304" pitchFamily="18" charset="0"/>
+                <a:cs typeface="Times New Roman" panose="02020603050405020304" pitchFamily="18" charset="0"/>
+              </a:rPr>
+              <a:t>Последующие улучшения будут касаться возможности использовать различные алгоритмы размещения для разных частей диаграмм, внедрение зума (</a:t>
+            </a:r>
+            <a:r>
+              <a:rPr lang="ru-RU" sz="2600" dirty="0" smtClean="0">
+                <a:latin typeface="Times New Roman" panose="02020603050405020304" pitchFamily="18" charset="0"/>
+                <a:cs typeface="Times New Roman" panose="02020603050405020304" pitchFamily="18" charset="0"/>
+              </a:rPr>
+              <a:t>масштабирование</a:t>
+            </a:r>
+            <a:r>
+              <a:rPr lang="ru-RU" sz="2600" dirty="0">
+                <a:latin typeface="Times New Roman" panose="02020603050405020304" pitchFamily="18" charset="0"/>
+                <a:cs typeface="Times New Roman" panose="02020603050405020304" pitchFamily="18" charset="0"/>
+              </a:rPr>
+              <a:t>), добавление изогнутых связей между элементами</a:t>
+            </a:r>
+            <a:r>
+              <a:rPr lang="en-US" sz="2600" dirty="0">
+                <a:latin typeface="Times New Roman" panose="02020603050405020304" pitchFamily="18" charset="0"/>
+                <a:cs typeface="Times New Roman" panose="02020603050405020304" pitchFamily="18" charset="0"/>
+              </a:rPr>
+              <a:t> UML </a:t>
+            </a:r>
+            <a:r>
+              <a:rPr lang="uk-UA" sz="2600" dirty="0" err="1">
+                <a:latin typeface="Times New Roman" panose="02020603050405020304" pitchFamily="18" charset="0"/>
+                <a:cs typeface="Times New Roman" panose="02020603050405020304" pitchFamily="18" charset="0"/>
+              </a:rPr>
+              <a:t>диаграмм</a:t>
+            </a:r>
+            <a:r>
+              <a:rPr lang="uk-UA" sz="2600" dirty="0">
+                <a:latin typeface="Times New Roman" panose="02020603050405020304" pitchFamily="18" charset="0"/>
+                <a:cs typeface="Times New Roman" panose="02020603050405020304" pitchFamily="18" charset="0"/>
+              </a:rPr>
+              <a:t>.</a:t>
+            </a:r>
+            <a:endParaRPr lang="ru-RU" sz="2600" dirty="0">
+              <a:latin typeface="Times New Roman" panose="02020603050405020304" pitchFamily="18" charset="0"/>
+              <a:cs typeface="Times New Roman" panose="02020603050405020304" pitchFamily="18" charset="0"/>
+            </a:endParaRPr>
+          </a:p>
+          <a:p>
+            <a:pPr algn="just"/>
+            <a:endParaRPr lang="ru-RU" sz="2800" dirty="0" smtClean="0">
+              <a:latin typeface="Times New Roman" panose="02020603050405020304" pitchFamily="18" charset="0"/>
+              <a:cs typeface="Times New Roman" panose="02020603050405020304" pitchFamily="18" charset="0"/>
+            </a:endParaRPr>
+          </a:p>
+          <a:p>
+            <a:pPr algn="just"/>
+            <a:endParaRPr lang="ru-RU" sz="2800" dirty="0">
+              <a:latin typeface="Times New Roman" panose="02020603050405020304" pitchFamily="18" charset="0"/>
+              <a:cs typeface="Times New Roman" panose="02020603050405020304" pitchFamily="18" charset="0"/>
+            </a:endParaRPr>
+          </a:p>
+          <a:p>
+            <a:pPr marL="0" indent="0" algn="just">
+              <a:buNone/>
+            </a:pPr>
+            <a:endParaRPr lang="ru-RU" sz="2800" dirty="0" smtClean="0">
+              <a:latin typeface="Times New Roman" panose="02020603050405020304" pitchFamily="18" charset="0"/>
+              <a:cs typeface="Times New Roman" panose="02020603050405020304" pitchFamily="18" charset="0"/>
+            </a:endParaRPr>
+          </a:p>
+          <a:p>
+            <a:pPr marL="0" indent="0" algn="just">
+              <a:buNone/>
+            </a:pPr>
+            <a:endParaRPr lang="ru-RU" sz="2600" dirty="0" smtClean="0">
+              <a:latin typeface="Times New Roman" panose="02020603050405020304" pitchFamily="18" charset="0"/>
+              <a:cs typeface="Times New Roman" panose="02020603050405020304" pitchFamily="18" charset="0"/>
+            </a:endParaRPr>
+          </a:p>
+          <a:p>
+            <a:pPr algn="just"/>
+            <a:endParaRPr lang="ru-RU" sz="2600" dirty="0" smtClean="0">
+              <a:latin typeface="Times New Roman" panose="02020603050405020304" pitchFamily="18" charset="0"/>
+              <a:cs typeface="Times New Roman" panose="02020603050405020304" pitchFamily="18" charset="0"/>
+            </a:endParaRPr>
+          </a:p>
+          <a:p>
+            <a:pPr algn="just"/>
+            <a:endParaRPr lang="ru-RU" sz="2600" dirty="0">
+              <a:latin typeface="Times New Roman" panose="02020603050405020304" pitchFamily="18" charset="0"/>
+              <a:cs typeface="Times New Roman" panose="02020603050405020304" pitchFamily="18" charset="0"/>
+            </a:endParaRPr>
+          </a:p>
+          <a:p>
+            <a:pPr algn="just"/>
+            <a:endParaRPr lang="ru-RU" sz="2600" dirty="0" smtClean="0">
+              <a:latin typeface="Times New Roman" panose="02020603050405020304" pitchFamily="18" charset="0"/>
+              <a:cs typeface="Times New Roman" panose="02020603050405020304" pitchFamily="18" charset="0"/>
+            </a:endParaRPr>
+          </a:p>
+          <a:p>
+            <a:pPr marL="0" indent="0" algn="just">
+              <a:buNone/>
+            </a:pPr>
+            <a:r>
+              <a:rPr lang="ru-RU" sz="2600" dirty="0" smtClean="0">
+                <a:latin typeface="Times New Roman" panose="02020603050405020304" pitchFamily="18" charset="0"/>
+                <a:cs typeface="Times New Roman" panose="02020603050405020304" pitchFamily="18" charset="0"/>
+              </a:rPr>
+              <a:t>   </a:t>
+            </a:r>
+            <a:endParaRPr lang="ru-RU" sz="2600" dirty="0">
+              <a:latin typeface="Times New Roman" panose="02020603050405020304" pitchFamily="18" charset="0"/>
+              <a:cs typeface="Times New Roman" panose="02020603050405020304" pitchFamily="18" charset="0"/>
+            </a:endParaRPr>
+          </a:p>
+          <a:p>
+            <a:pPr marL="0" indent="0" algn="just">
+              <a:buNone/>
+            </a:pPr>
+            <a:endParaRPr lang="ru-RU" sz="2600" dirty="0">
+              <a:latin typeface="Times New Roman" panose="02020603050405020304" pitchFamily="18" charset="0"/>
+              <a:cs typeface="Times New Roman" panose="02020603050405020304" pitchFamily="18" charset="0"/>
+            </a:endParaRPr>
+          </a:p>
+          <a:p>
+            <a:pPr marL="0" indent="0" algn="just">
+              <a:buNone/>
+            </a:pPr>
+            <a:endParaRPr lang="ru-RU" sz="2600" dirty="0" smtClean="0">
+              <a:latin typeface="Times New Roman" panose="02020603050405020304" pitchFamily="18" charset="0"/>
+              <a:cs typeface="Times New Roman" panose="02020603050405020304" pitchFamily="18" charset="0"/>
+            </a:endParaRPr>
+          </a:p>
+          <a:p>
+            <a:pPr marL="0" indent="0" algn="just">
+              <a:buNone/>
+            </a:pPr>
+            <a:endParaRPr lang="ru-RU" sz="2600" dirty="0">
+              <a:latin typeface="Times New Roman" panose="02020603050405020304" pitchFamily="18" charset="0"/>
+              <a:cs typeface="Times New Roman" panose="02020603050405020304" pitchFamily="18" charset="0"/>
+            </a:endParaRPr>
+          </a:p>
+        </p:txBody>
+      </p:sp>
+    </p:spTree>
+    <p:extLst>
+      <p:ext uri="{BB962C8B-B14F-4D97-AF65-F5344CB8AC3E}">
+        <p14:creationId xmlns:p14="http://schemas.microsoft.com/office/powerpoint/2010/main" val="2391705713"/>
+      </p:ext>
+    </p:extLst>
+  </p:cSld>
+  <p:clrMapOvr>
+    <a:masterClrMapping/>
+  </p:clrMapOvr>
+  <p:timing>
+    <p:tnLst>
+      <p:par>
+        <p:cTn id="1" dur="indefinite" restart="never" nodeType="tmRoot"/>
+      </p:par>
+    </p:tnLst>
+  </p:timing>
+</p:sld>
+</file>
+
+<file path=ppt/slides/slide6.xml><?xml version="1.0" encoding="utf-8"?>
+<p:sld xmlns:a="http://schemas.openxmlformats.org/drawingml/2006/main" xmlns:r="http://schemas.openxmlformats.org/officeDocument/2006/relationships" xmlns:p="http://schemas.openxmlformats.org/presentationml/2006/main">
+  <p:cSld>
+    <p:spTree>
+      <p:nvGrpSpPr>
+        <p:cNvPr id="1" name=""/>
+        <p:cNvGrpSpPr/>
+        <p:nvPr/>
+      </p:nvGrpSpPr>
+      <p:grpSpPr>
+        <a:xfrm>
+          <a:off x="0" y="0"/>
+          <a:ext cx="0" cy="0"/>
+          <a:chOff x="0" y="0"/>
+          <a:chExt cx="0" cy="0"/>
+        </a:xfrm>
+      </p:grpSpPr>
+    </p:spTree>
+    <p:extLst>
+      <p:ext uri="{BB962C8B-B14F-4D97-AF65-F5344CB8AC3E}">
+        <p14:creationId xmlns:p14="http://schemas.microsoft.com/office/powerpoint/2010/main" val="599645953"/>
+      </p:ext>
+    </p:extLst>
+  </p:cSld>
+  <p:clrMapOvr>
+    <a:masterClrMapping/>
+  </p:clrMapOvr>
+</p:sld>
+</file>
+
+<file path=ppt/slides/slide7.xml><?xml version="1.0" encoding="utf-8"?>
+<p:sld xmlns:a="http://schemas.openxmlformats.org/drawingml/2006/main" xmlns:r="http://schemas.openxmlformats.org/officeDocument/2006/relationships" xmlns:p="http://schemas.openxmlformats.org/presentationml/2006/main">
+  <p:cSld>
+    <p:spTree>
+      <p:nvGrpSpPr>
+        <p:cNvPr id="1" name=""/>
+        <p:cNvGrpSpPr/>
+        <p:nvPr/>
+      </p:nvGrpSpPr>
+      <p:grpSpPr>
+        <a:xfrm>
+          <a:off x="0" y="0"/>
+          <a:ext cx="0" cy="0"/>
+          <a:chOff x="0" y="0"/>
+          <a:chExt cx="0" cy="0"/>
+        </a:xfrm>
+      </p:grpSpPr>
+    </p:spTree>
+    <p:extLst>
+      <p:ext uri="{BB962C8B-B14F-4D97-AF65-F5344CB8AC3E}">
+        <p14:creationId xmlns:p14="http://schemas.microsoft.com/office/powerpoint/2010/main" val="3107326396"/>
+      </p:ext>
+    </p:extLst>
+  </p:cSld>
+  <p:clrMapOvr>
+    <a:masterClrMapping/>
+  </p:clrMapOvr>
+</p:sld>
+</file>
+
+<file path=ppt/slides/slide8.xml><?xml version="1.0" encoding="utf-8"?>
+<p:sld xmlns:a="http://schemas.openxmlformats.org/drawingml/2006/main" xmlns:r="http://schemas.openxmlformats.org/officeDocument/2006/relationships" xmlns:p="http://schemas.openxmlformats.org/presentationml/2006/main">
+  <p:cSld>
+    <p:spTree>
+      <p:nvGrpSpPr>
+        <p:cNvPr id="1" name=""/>
+        <p:cNvGrpSpPr/>
+        <p:nvPr/>
+      </p:nvGrpSpPr>
+      <p:grpSpPr>
+        <a:xfrm>
+          <a:off x="0" y="0"/>
+          <a:ext cx="0" cy="0"/>
+          <a:chOff x="0" y="0"/>
+          <a:chExt cx="0" cy="0"/>
+        </a:xfrm>
+      </p:grpSpPr>
       <p:sp>
         <p:nvSpPr>
           <p:cNvPr id="2" name="Content Placeholder 2"/>
@@ -6047,23 +9046,26 @@
               <a:buAutoNum type="arabicPeriod"/>
             </a:pPr>
             <a:r>
-              <a:rPr lang="ru-RU" sz="2800" b="1" dirty="0" smtClean="0">
-                <a:latin typeface="Times New Roman" panose="02020603050405020304" pitchFamily="18" charset="0"/>
-                <a:cs typeface="Times New Roman" panose="02020603050405020304" pitchFamily="18" charset="0"/>
+              <a:rPr lang="ru-RU" sz="2400" dirty="0">
+                <a:latin typeface="Tahoma" panose="020B0604030504040204" pitchFamily="34" charset="0"/>
+                <a:ea typeface="Tahoma" panose="020B0604030504040204" pitchFamily="34" charset="0"/>
+                <a:cs typeface="Tahoma" panose="020B0604030504040204" pitchFamily="34" charset="0"/>
               </a:rPr>
               <a:t>Обзор существующих решений размещения элементов </a:t>
             </a:r>
             <a:r>
-              <a:rPr lang="en-US" sz="2800" b="1" dirty="0" smtClean="0">
-                <a:latin typeface="Times New Roman" panose="02020603050405020304" pitchFamily="18" charset="0"/>
-                <a:cs typeface="Times New Roman" panose="02020603050405020304" pitchFamily="18" charset="0"/>
+              <a:rPr lang="en-US" sz="2400" dirty="0">
+                <a:latin typeface="Tahoma" panose="020B0604030504040204" pitchFamily="34" charset="0"/>
+                <a:ea typeface="Tahoma" panose="020B0604030504040204" pitchFamily="34" charset="0"/>
+                <a:cs typeface="Tahoma" panose="020B0604030504040204" pitchFamily="34" charset="0"/>
               </a:rPr>
               <a:t>UML </a:t>
             </a:r>
             <a:r>
-              <a:rPr lang="ru-RU" sz="2800" b="1" dirty="0" smtClean="0">
-                <a:latin typeface="Times New Roman" panose="02020603050405020304" pitchFamily="18" charset="0"/>
-                <a:cs typeface="Times New Roman" panose="02020603050405020304" pitchFamily="18" charset="0"/>
+              <a:rPr lang="ru-RU" sz="2400" dirty="0">
+                <a:latin typeface="Tahoma" panose="020B0604030504040204" pitchFamily="34" charset="0"/>
+                <a:ea typeface="Tahoma" panose="020B0604030504040204" pitchFamily="34" charset="0"/>
+                <a:cs typeface="Tahoma" panose="020B0604030504040204" pitchFamily="34" charset="0"/>
               </a:rPr>
               <a:t>диаграмм</a:t>
             </a:r>
@@ -6072,138 +9074,163 @@
             <a:pPr marL="0" indent="0">
               <a:buNone/>
             </a:pPr>
-            <a:endParaRPr lang="ru-RU" sz="2800" b="1" dirty="0" smtClean="0">
-              <a:latin typeface="Times New Roman" panose="02020603050405020304" pitchFamily="18" charset="0"/>
-              <a:cs typeface="Times New Roman" panose="02020603050405020304" pitchFamily="18" charset="0"/>
+            <a:endParaRPr lang="ru-RU" sz="2400" dirty="0">
+              <a:latin typeface="Tahoma" panose="020B0604030504040204" pitchFamily="34" charset="0"/>
+              <a:ea typeface="Tahoma" panose="020B0604030504040204" pitchFamily="34" charset="0"/>
+              <a:cs typeface="Tahoma" panose="020B0604030504040204" pitchFamily="34" charset="0"/>
             </a:endParaRPr>
           </a:p>
           <a:p>
             <a:r>
+              <a:rPr lang="ru-RU" sz="2400" dirty="0">
+                <a:latin typeface="Tahoma" panose="020B0604030504040204" pitchFamily="34" charset="0"/>
+                <a:ea typeface="Tahoma" panose="020B0604030504040204" pitchFamily="34" charset="0"/>
+                <a:cs typeface="Tahoma" panose="020B0604030504040204" pitchFamily="34" charset="0"/>
+              </a:rPr>
+              <a:t>Диаграммы в </a:t>
+            </a:r>
+            <a:r>
+              <a:rPr lang="en-US" sz="2400" dirty="0">
+                <a:latin typeface="Tahoma" panose="020B0604030504040204" pitchFamily="34" charset="0"/>
+                <a:ea typeface="Tahoma" panose="020B0604030504040204" pitchFamily="34" charset="0"/>
+                <a:cs typeface="Tahoma" panose="020B0604030504040204" pitchFamily="34" charset="0"/>
+              </a:rPr>
+              <a:t>UML</a:t>
+            </a:r>
+          </a:p>
+          <a:p>
+            <a:r>
+              <a:rPr lang="ru-RU" sz="2400" dirty="0">
+                <a:latin typeface="Tahoma" panose="020B0604030504040204" pitchFamily="34" charset="0"/>
+                <a:ea typeface="Tahoma" panose="020B0604030504040204" pitchFamily="34" charset="0"/>
+                <a:cs typeface="Tahoma" panose="020B0604030504040204" pitchFamily="34" charset="0"/>
+              </a:rPr>
+              <a:t>Обзор существующих алгоритмов для упорядочения графов</a:t>
+            </a:r>
+          </a:p>
+          <a:p>
+            <a:r>
+              <a:rPr lang="ru-RU" sz="2400" dirty="0">
+                <a:latin typeface="Tahoma" panose="020B0604030504040204" pitchFamily="34" charset="0"/>
+                <a:ea typeface="Tahoma" panose="020B0604030504040204" pitchFamily="34" charset="0"/>
+                <a:cs typeface="Tahoma" panose="020B0604030504040204" pitchFamily="34" charset="0"/>
+              </a:rPr>
+              <a:t>Визуализация графов</a:t>
+            </a:r>
+          </a:p>
+          <a:p>
+            <a:endParaRPr lang="ru-RU" sz="2400" dirty="0">
+              <a:latin typeface="Tahoma" panose="020B0604030504040204" pitchFamily="34" charset="0"/>
+              <a:ea typeface="Tahoma" panose="020B0604030504040204" pitchFamily="34" charset="0"/>
+              <a:cs typeface="Tahoma" panose="020B0604030504040204" pitchFamily="34" charset="0"/>
+            </a:endParaRPr>
+          </a:p>
+          <a:p>
+            <a:pPr marL="0" indent="0" algn="just">
+              <a:buNone/>
+            </a:pPr>
+            <a:r>
+              <a:rPr lang="uk-UA" sz="2400" dirty="0">
+                <a:latin typeface="Tahoma" panose="020B0604030504040204" pitchFamily="34" charset="0"/>
+                <a:ea typeface="Tahoma" panose="020B0604030504040204" pitchFamily="34" charset="0"/>
+                <a:cs typeface="Tahoma" panose="020B0604030504040204" pitchFamily="34" charset="0"/>
+              </a:rPr>
+              <a:t> Unified </a:t>
+            </a:r>
+            <a:r>
+              <a:rPr lang="uk-UA" sz="2400" dirty="0">
+                <a:latin typeface="Tahoma" panose="020B0604030504040204" pitchFamily="34" charset="0"/>
+                <a:ea typeface="Tahoma" panose="020B0604030504040204" pitchFamily="34" charset="0"/>
+                <a:cs typeface="Tahoma" panose="020B0604030504040204" pitchFamily="34" charset="0"/>
+              </a:rPr>
+              <a:t>Modeling </a:t>
+            </a:r>
+            <a:r>
+              <a:rPr lang="uk-UA" sz="2400" dirty="0">
+                <a:latin typeface="Tahoma" panose="020B0604030504040204" pitchFamily="34" charset="0"/>
+                <a:ea typeface="Tahoma" panose="020B0604030504040204" pitchFamily="34" charset="0"/>
+                <a:cs typeface="Tahoma" panose="020B0604030504040204" pitchFamily="34" charset="0"/>
+              </a:rPr>
+              <a:t>Language </a:t>
+            </a:r>
+            <a:r>
+              <a:rPr lang="uk-UA" sz="2400" dirty="0">
+                <a:latin typeface="Tahoma" panose="020B0604030504040204" pitchFamily="34" charset="0"/>
+                <a:ea typeface="Tahoma" panose="020B0604030504040204" pitchFamily="34" charset="0"/>
+                <a:cs typeface="Tahoma" panose="020B0604030504040204" pitchFamily="34" charset="0"/>
+              </a:rPr>
+              <a:t>– (</a:t>
+            </a:r>
+            <a:r>
+              <a:rPr lang="uk-UA" sz="2400" dirty="0" err="1">
+                <a:latin typeface="Tahoma" panose="020B0604030504040204" pitchFamily="34" charset="0"/>
+                <a:ea typeface="Tahoma" panose="020B0604030504040204" pitchFamily="34" charset="0"/>
+                <a:cs typeface="Tahoma" panose="020B0604030504040204" pitchFamily="34" charset="0"/>
+              </a:rPr>
+              <a:t>унифицированый</a:t>
+            </a:r>
+            <a:r>
+              <a:rPr lang="uk-UA" sz="2400" dirty="0">
+                <a:latin typeface="Tahoma" panose="020B0604030504040204" pitchFamily="34" charset="0"/>
+                <a:ea typeface="Tahoma" panose="020B0604030504040204" pitchFamily="34" charset="0"/>
+                <a:cs typeface="Tahoma" panose="020B0604030504040204" pitchFamily="34" charset="0"/>
+              </a:rPr>
+              <a:t> </a:t>
+            </a:r>
+            <a:r>
+              <a:rPr lang="uk-UA" sz="2400" dirty="0" err="1">
+                <a:latin typeface="Tahoma" panose="020B0604030504040204" pitchFamily="34" charset="0"/>
+                <a:ea typeface="Tahoma" panose="020B0604030504040204" pitchFamily="34" charset="0"/>
+                <a:cs typeface="Tahoma" panose="020B0604030504040204" pitchFamily="34" charset="0"/>
+              </a:rPr>
+              <a:t>язык</a:t>
+            </a:r>
+            <a:r>
+              <a:rPr lang="uk-UA" sz="2400" dirty="0">
+                <a:latin typeface="Tahoma" panose="020B0604030504040204" pitchFamily="34" charset="0"/>
+                <a:ea typeface="Tahoma" panose="020B0604030504040204" pitchFamily="34" charset="0"/>
+                <a:cs typeface="Tahoma" panose="020B0604030504040204" pitchFamily="34" charset="0"/>
+              </a:rPr>
+              <a:t> </a:t>
+            </a:r>
+            <a:r>
+              <a:rPr lang="uk-UA" sz="2400" dirty="0" err="1">
+                <a:latin typeface="Tahoma" panose="020B0604030504040204" pitchFamily="34" charset="0"/>
+                <a:ea typeface="Tahoma" panose="020B0604030504040204" pitchFamily="34" charset="0"/>
+                <a:cs typeface="Tahoma" panose="020B0604030504040204" pitchFamily="34" charset="0"/>
+              </a:rPr>
+              <a:t>моделирования</a:t>
+            </a:r>
+            <a:r>
+              <a:rPr lang="uk-UA" sz="2400" dirty="0">
+                <a:latin typeface="Tahoma" panose="020B0604030504040204" pitchFamily="34" charset="0"/>
+                <a:ea typeface="Tahoma" panose="020B0604030504040204" pitchFamily="34" charset="0"/>
+                <a:cs typeface="Tahoma" panose="020B0604030504040204" pitchFamily="34" charset="0"/>
+              </a:rPr>
+              <a:t>) – </a:t>
+            </a:r>
+            <a:r>
+              <a:rPr lang="ru-RU" sz="2400" dirty="0">
+                <a:latin typeface="Tahoma" panose="020B0604030504040204" pitchFamily="34" charset="0"/>
+                <a:ea typeface="Tahoma" panose="020B0604030504040204" pitchFamily="34" charset="0"/>
+                <a:cs typeface="Tahoma" panose="020B0604030504040204" pitchFamily="34" charset="0"/>
+              </a:rPr>
+              <a:t>является графическим языком для </a:t>
+            </a:r>
+            <a:r>
+              <a:rPr lang="ru-RU" sz="2400" dirty="0">
+                <a:latin typeface="Tahoma" panose="020B0604030504040204" pitchFamily="34" charset="0"/>
+                <a:ea typeface="Tahoma" panose="020B0604030504040204" pitchFamily="34" charset="0"/>
+                <a:cs typeface="Tahoma" panose="020B0604030504040204" pitchFamily="34" charset="0"/>
+              </a:rPr>
+              <a:t>визуализации, проектирования и документирования в основном программных систем</a:t>
+            </a:r>
+            <a:r>
               <a:rPr lang="ru-RU" sz="2600" dirty="0" smtClean="0">
                 <a:latin typeface="Times New Roman" panose="02020603050405020304" pitchFamily="18" charset="0"/>
                 <a:cs typeface="Times New Roman" panose="02020603050405020304" pitchFamily="18" charset="0"/>
               </a:rPr>
-              <a:t>Диаграммы в </a:t>
-            </a:r>
-            <a:r>
-              <a:rPr lang="en-US" sz="2600" dirty="0" smtClean="0">
-                <a:latin typeface="Times New Roman" panose="02020603050405020304" pitchFamily="18" charset="0"/>
-                <a:cs typeface="Times New Roman" panose="02020603050405020304" pitchFamily="18" charset="0"/>
-              </a:rPr>
-              <a:t>UML</a:t>
-            </a:r>
-          </a:p>
-          <a:p>
-            <a:r>
-              <a:rPr lang="ru-RU" sz="2600" dirty="0" smtClean="0">
-                <a:latin typeface="Times New Roman" panose="02020603050405020304" pitchFamily="18" charset="0"/>
-                <a:cs typeface="Times New Roman" panose="02020603050405020304" pitchFamily="18" charset="0"/>
-              </a:rPr>
-              <a:t>Обзор существующих алгоритмов для упорядочения графов</a:t>
-            </a:r>
-          </a:p>
-          <a:p>
-            <a:r>
-              <a:rPr lang="ru-RU" sz="2600" dirty="0" smtClean="0">
-                <a:latin typeface="Times New Roman" panose="02020603050405020304" pitchFamily="18" charset="0"/>
-                <a:cs typeface="Times New Roman" panose="02020603050405020304" pitchFamily="18" charset="0"/>
-              </a:rPr>
-              <a:t>Визуализация графов</a:t>
-            </a:r>
-          </a:p>
-          <a:p>
-            <a:endParaRPr lang="ru-RU" sz="2600" dirty="0">
-              <a:latin typeface="Times New Roman" panose="02020603050405020304" pitchFamily="18" charset="0"/>
-              <a:cs typeface="Times New Roman" panose="02020603050405020304" pitchFamily="18" charset="0"/>
-            </a:endParaRPr>
-          </a:p>
-          <a:p>
-            <a:pPr marL="0" indent="0" algn="just">
-              <a:buNone/>
-            </a:pPr>
-            <a:r>
-              <a:rPr lang="uk-UA" sz="2600" dirty="0" smtClean="0">
-                <a:latin typeface="Times New Roman" panose="02020603050405020304" pitchFamily="18" charset="0"/>
-                <a:cs typeface="Times New Roman" panose="02020603050405020304" pitchFamily="18" charset="0"/>
-              </a:rPr>
-              <a:t> Unified </a:t>
-            </a:r>
-            <a:r>
-              <a:rPr lang="uk-UA" sz="2600" dirty="0">
-                <a:latin typeface="Times New Roman" panose="02020603050405020304" pitchFamily="18" charset="0"/>
-                <a:cs typeface="Times New Roman" panose="02020603050405020304" pitchFamily="18" charset="0"/>
-              </a:rPr>
-              <a:t>Modeling </a:t>
-            </a:r>
-            <a:r>
-              <a:rPr lang="uk-UA" sz="2600" dirty="0" smtClean="0">
-                <a:latin typeface="Times New Roman" panose="02020603050405020304" pitchFamily="18" charset="0"/>
-                <a:cs typeface="Times New Roman" panose="02020603050405020304" pitchFamily="18" charset="0"/>
-              </a:rPr>
-              <a:t>Language </a:t>
-            </a:r>
-            <a:r>
-              <a:rPr lang="uk-UA" sz="2600" dirty="0">
-                <a:latin typeface="Times New Roman" panose="02020603050405020304" pitchFamily="18" charset="0"/>
-                <a:cs typeface="Times New Roman" panose="02020603050405020304" pitchFamily="18" charset="0"/>
-              </a:rPr>
-              <a:t>– (</a:t>
-            </a:r>
-            <a:r>
-              <a:rPr lang="uk-UA" sz="2600" dirty="0" err="1" smtClean="0">
-                <a:latin typeface="Times New Roman" panose="02020603050405020304" pitchFamily="18" charset="0"/>
-                <a:cs typeface="Times New Roman" panose="02020603050405020304" pitchFamily="18" charset="0"/>
-              </a:rPr>
-              <a:t>унифицированый</a:t>
-            </a:r>
-            <a:r>
-              <a:rPr lang="uk-UA" sz="2600" dirty="0" smtClean="0">
-                <a:latin typeface="Times New Roman" panose="02020603050405020304" pitchFamily="18" charset="0"/>
-                <a:cs typeface="Times New Roman" panose="02020603050405020304" pitchFamily="18" charset="0"/>
-              </a:rPr>
-              <a:t> </a:t>
-            </a:r>
-            <a:r>
-              <a:rPr lang="uk-UA" sz="2600" dirty="0" err="1" smtClean="0">
-                <a:latin typeface="Times New Roman" panose="02020603050405020304" pitchFamily="18" charset="0"/>
-                <a:cs typeface="Times New Roman" panose="02020603050405020304" pitchFamily="18" charset="0"/>
-              </a:rPr>
-              <a:t>язык</a:t>
-            </a:r>
-            <a:r>
-              <a:rPr lang="uk-UA" sz="2600" dirty="0" smtClean="0">
-                <a:latin typeface="Times New Roman" panose="02020603050405020304" pitchFamily="18" charset="0"/>
-                <a:cs typeface="Times New Roman" panose="02020603050405020304" pitchFamily="18" charset="0"/>
-              </a:rPr>
-              <a:t> </a:t>
-            </a:r>
-            <a:r>
-              <a:rPr lang="uk-UA" sz="2600" dirty="0" err="1" smtClean="0">
-                <a:latin typeface="Times New Roman" panose="02020603050405020304" pitchFamily="18" charset="0"/>
-                <a:cs typeface="Times New Roman" panose="02020603050405020304" pitchFamily="18" charset="0"/>
-              </a:rPr>
-              <a:t>моделирования</a:t>
-            </a:r>
-            <a:r>
-              <a:rPr lang="uk-UA" sz="2600" dirty="0" smtClean="0">
-                <a:latin typeface="Times New Roman" panose="02020603050405020304" pitchFamily="18" charset="0"/>
-                <a:cs typeface="Times New Roman" panose="02020603050405020304" pitchFamily="18" charset="0"/>
-              </a:rPr>
-              <a:t>) – </a:t>
-            </a:r>
-            <a:r>
-              <a:rPr lang="ru-RU" sz="2600" dirty="0">
-                <a:latin typeface="Times New Roman" panose="02020603050405020304" pitchFamily="18" charset="0"/>
-                <a:cs typeface="Times New Roman" panose="02020603050405020304" pitchFamily="18" charset="0"/>
-              </a:rPr>
-              <a:t>является графическим языком для </a:t>
-            </a:r>
-            <a:r>
-              <a:rPr lang="ru-RU" sz="2600" dirty="0" smtClean="0">
-                <a:latin typeface="Times New Roman" panose="02020603050405020304" pitchFamily="18" charset="0"/>
-                <a:cs typeface="Times New Roman" panose="02020603050405020304" pitchFamily="18" charset="0"/>
-              </a:rPr>
-              <a:t>визуализации, проектирования и документирования в основном программных систем.</a:t>
+              <a:t>.</a:t>
             </a:r>
             <a:endParaRPr lang="en-US" sz="2600" dirty="0">
               <a:latin typeface="Times New Roman" panose="02020603050405020304" pitchFamily="18" charset="0"/>
@@ -6232,7 +9259,7 @@
 </p:sld>
 </file>
 
-<file path=ppt/slides/slide4.xml><?xml version="1.0" encoding="utf-8"?>
+<file path=ppt/slides/slide9.xml><?xml version="1.0" encoding="utf-8"?>
 <p:sld xmlns:a="http://schemas.openxmlformats.org/drawingml/2006/main" xmlns:r="http://schemas.openxmlformats.org/officeDocument/2006/relationships" xmlns:p="http://schemas.openxmlformats.org/presentationml/2006/main">
   <p:cSld>
     <p:spTree>
@@ -6551,1566 +9578,6 @@
     <p:extLst>
       <p:ext uri="{BB962C8B-B14F-4D97-AF65-F5344CB8AC3E}">
         <p14:creationId xmlns:p14="http://schemas.microsoft.com/office/powerpoint/2010/main" val="40807578"/>
-      </p:ext>
-    </p:extLst>
-  </p:cSld>
-  <p:clrMapOvr>
-    <a:masterClrMapping/>
-  </p:clrMapOvr>
-  <p:timing>
-    <p:tnLst>
-      <p:par>
-        <p:cTn id="1" dur="indefinite" restart="never" nodeType="tmRoot"/>
-      </p:par>
-    </p:tnLst>
-  </p:timing>
-</p:sld>
-</file>
-
-<file path=ppt/slides/slide5.xml><?xml version="1.0" encoding="utf-8"?>
-<p:sld xmlns:a="http://schemas.openxmlformats.org/drawingml/2006/main" xmlns:r="http://schemas.openxmlformats.org/officeDocument/2006/relationships" xmlns:p="http://schemas.openxmlformats.org/presentationml/2006/main">
-  <p:cSld>
-    <p:spTree>
-      <p:nvGrpSpPr>
-        <p:cNvPr id="1" name=""/>
-        <p:cNvGrpSpPr/>
-        <p:nvPr/>
-      </p:nvGrpSpPr>
-      <p:grpSpPr>
-        <a:xfrm>
-          <a:off x="0" y="0"/>
-          <a:ext cx="0" cy="0"/>
-          <a:chOff x="0" y="0"/>
-          <a:chExt cx="0" cy="0"/>
-        </a:xfrm>
-      </p:grpSpPr>
-      <p:sp>
-        <p:nvSpPr>
-          <p:cNvPr id="2" name="Content Placeholder 2"/>
-          <p:cNvSpPr txBox="1">
-            <a:spLocks/>
-          </p:cNvSpPr>
-          <p:nvPr/>
-        </p:nvSpPr>
-        <p:spPr>
-          <a:xfrm>
-            <a:off x="251520" y="548680"/>
-            <a:ext cx="8640960" cy="5688632"/>
-          </a:xfrm>
-          <a:prstGeom prst="rect">
-            <a:avLst/>
-          </a:prstGeom>
-        </p:spPr>
-        <p:txBody>
-          <a:bodyPr>
-            <a:noAutofit/>
-          </a:bodyPr>
-          <a:lstStyle>
-            <a:lvl1pPr marL="342900" indent="-342900" algn="l" defTabSz="914400" rtl="0" eaLnBrk="1" latinLnBrk="0" hangingPunct="1">
-              <a:spcBef>
-                <a:spcPct val="20000"/>
-              </a:spcBef>
-              <a:buFont typeface="Arial" pitchFamily="34" charset="0"/>
-              <a:buChar char="•"/>
-              <a:defRPr sz="3200" kern="1200">
-                <a:solidFill>
-                  <a:schemeClr val="tx1"/>
-                </a:solidFill>
-                <a:latin typeface="+mn-lt"/>
-                <a:ea typeface="+mn-ea"/>
-                <a:cs typeface="+mn-cs"/>
-              </a:defRPr>
-            </a:lvl1pPr>
-            <a:lvl2pPr marL="742950" indent="-285750" algn="l" defTabSz="914400" rtl="0" eaLnBrk="1" latinLnBrk="0" hangingPunct="1">
-              <a:spcBef>
-                <a:spcPct val="20000"/>
-              </a:spcBef>
-              <a:buFont typeface="Arial" pitchFamily="34" charset="0"/>
-              <a:buChar char="–"/>
-              <a:defRPr sz="2800" kern="1200">
-                <a:solidFill>
-                  <a:schemeClr val="tx1"/>
-                </a:solidFill>
-                <a:latin typeface="+mn-lt"/>
-                <a:ea typeface="+mn-ea"/>
-                <a:cs typeface="+mn-cs"/>
-              </a:defRPr>
-            </a:lvl2pPr>
-            <a:lvl3pPr marL="1143000" indent="-228600" algn="l" defTabSz="914400" rtl="0" eaLnBrk="1" latinLnBrk="0" hangingPunct="1">
-              <a:spcBef>
-                <a:spcPct val="20000"/>
-              </a:spcBef>
-              <a:buFont typeface="Arial" pitchFamily="34" charset="0"/>
-              <a:buChar char="•"/>
-              <a:defRPr sz="2400" kern="1200">
-                <a:solidFill>
-                  <a:schemeClr val="tx1"/>
-                </a:solidFill>
-                <a:latin typeface="+mn-lt"/>
-                <a:ea typeface="+mn-ea"/>
-                <a:cs typeface="+mn-cs"/>
-              </a:defRPr>
-            </a:lvl3pPr>
-            <a:lvl4pPr marL="1600200" indent="-228600" algn="l" defTabSz="914400" rtl="0" eaLnBrk="1" latinLnBrk="0" hangingPunct="1">
-              <a:spcBef>
-                <a:spcPct val="20000"/>
-              </a:spcBef>
-              <a:buFont typeface="Arial" pitchFamily="34" charset="0"/>
-              <a:buChar char="–"/>
-              <a:defRPr sz="2000" kern="1200">
-                <a:solidFill>
-                  <a:schemeClr val="tx1"/>
-                </a:solidFill>
-                <a:latin typeface="+mn-lt"/>
-                <a:ea typeface="+mn-ea"/>
-                <a:cs typeface="+mn-cs"/>
-              </a:defRPr>
-            </a:lvl4pPr>
-            <a:lvl5pPr marL="2057400" indent="-228600" algn="l" defTabSz="914400" rtl="0" eaLnBrk="1" latinLnBrk="0" hangingPunct="1">
-              <a:spcBef>
-                <a:spcPct val="20000"/>
-              </a:spcBef>
-              <a:buFont typeface="Arial" pitchFamily="34" charset="0"/>
-              <a:buChar char="»"/>
-              <a:defRPr sz="2000" kern="1200">
-                <a:solidFill>
-                  <a:schemeClr val="tx1"/>
-                </a:solidFill>
-                <a:latin typeface="+mn-lt"/>
-                <a:ea typeface="+mn-ea"/>
-                <a:cs typeface="+mn-cs"/>
-              </a:defRPr>
-            </a:lvl5pPr>
-            <a:lvl6pPr marL="2514600" indent="-228600" algn="l" defTabSz="914400" rtl="0" eaLnBrk="1" latinLnBrk="0" hangingPunct="1">
-              <a:spcBef>
-                <a:spcPct val="20000"/>
-              </a:spcBef>
-              <a:buFont typeface="Arial" pitchFamily="34" charset="0"/>
-              <a:buChar char="•"/>
-              <a:defRPr sz="2000" kern="1200">
-                <a:solidFill>
-                  <a:schemeClr val="tx1"/>
-                </a:solidFill>
-                <a:latin typeface="+mn-lt"/>
-                <a:ea typeface="+mn-ea"/>
-                <a:cs typeface="+mn-cs"/>
-              </a:defRPr>
-            </a:lvl6pPr>
-            <a:lvl7pPr marL="2971800" indent="-228600" algn="l" defTabSz="914400" rtl="0" eaLnBrk="1" latinLnBrk="0" hangingPunct="1">
-              <a:spcBef>
-                <a:spcPct val="20000"/>
-              </a:spcBef>
-              <a:buFont typeface="Arial" pitchFamily="34" charset="0"/>
-              <a:buChar char="•"/>
-              <a:defRPr sz="2000" kern="1200">
-                <a:solidFill>
-                  <a:schemeClr val="tx1"/>
-                </a:solidFill>
-                <a:latin typeface="+mn-lt"/>
-                <a:ea typeface="+mn-ea"/>
-                <a:cs typeface="+mn-cs"/>
-              </a:defRPr>
-            </a:lvl7pPr>
-            <a:lvl8pPr marL="3429000" indent="-228600" algn="l" defTabSz="914400" rtl="0" eaLnBrk="1" latinLnBrk="0" hangingPunct="1">
-              <a:spcBef>
-                <a:spcPct val="20000"/>
-              </a:spcBef>
-              <a:buFont typeface="Arial" pitchFamily="34" charset="0"/>
-              <a:buChar char="•"/>
-              <a:defRPr sz="2000" kern="1200">
-                <a:solidFill>
-                  <a:schemeClr val="tx1"/>
-                </a:solidFill>
-                <a:latin typeface="+mn-lt"/>
-                <a:ea typeface="+mn-ea"/>
-                <a:cs typeface="+mn-cs"/>
-              </a:defRPr>
-            </a:lvl8pPr>
-            <a:lvl9pPr marL="3886200" indent="-228600" algn="l" defTabSz="914400" rtl="0" eaLnBrk="1" latinLnBrk="0" hangingPunct="1">
-              <a:spcBef>
-                <a:spcPct val="20000"/>
-              </a:spcBef>
-              <a:buFont typeface="Arial" pitchFamily="34" charset="0"/>
-              <a:buChar char="•"/>
-              <a:defRPr sz="2000" kern="1200">
-                <a:solidFill>
-                  <a:schemeClr val="tx1"/>
-                </a:solidFill>
-                <a:latin typeface="+mn-lt"/>
-                <a:ea typeface="+mn-ea"/>
-                <a:cs typeface="+mn-cs"/>
-              </a:defRPr>
-            </a:lvl9pPr>
-          </a:lstStyle>
-          <a:p>
-            <a:pPr marL="0" indent="0">
-              <a:buNone/>
-            </a:pPr>
-            <a:r>
-              <a:rPr lang="ru-RU" sz="2800" b="1" dirty="0" smtClean="0">
-                <a:latin typeface="Times New Roman" panose="02020603050405020304" pitchFamily="18" charset="0"/>
-                <a:cs typeface="Times New Roman" panose="02020603050405020304" pitchFamily="18" charset="0"/>
-              </a:rPr>
-              <a:t>Алгоритм </a:t>
-            </a:r>
-            <a:r>
-              <a:rPr lang="ru-RU" sz="2600" dirty="0" smtClean="0">
-                <a:latin typeface="Times New Roman" panose="02020603050405020304" pitchFamily="18" charset="0"/>
-                <a:cs typeface="Times New Roman" panose="02020603050405020304" pitchFamily="18" charset="0"/>
-              </a:rPr>
-              <a:t>последовательность </a:t>
-            </a:r>
-            <a:r>
-              <a:rPr lang="ru-RU" sz="2600" dirty="0">
-                <a:latin typeface="Times New Roman" panose="02020603050405020304" pitchFamily="18" charset="0"/>
-                <a:cs typeface="Times New Roman" panose="02020603050405020304" pitchFamily="18" charset="0"/>
-              </a:rPr>
-              <a:t>команд, предназначенная исполнителю, в результате выполнения которой он должен решить поставленную задачу. </a:t>
-            </a:r>
-          </a:p>
-          <a:p>
-            <a:pPr marL="0" indent="0">
-              <a:buNone/>
-            </a:pPr>
-            <a:r>
-              <a:rPr lang="ru-RU" sz="2600" dirty="0" smtClean="0">
-                <a:latin typeface="Times New Roman" panose="02020603050405020304" pitchFamily="18" charset="0"/>
-                <a:cs typeface="Times New Roman" panose="02020603050405020304" pitchFamily="18" charset="0"/>
-              </a:rPr>
-              <a:t> Алгоритмы визуализации графов можно условно разделить:</a:t>
-            </a:r>
-          </a:p>
-          <a:p>
-            <a:pPr algn="just"/>
-            <a:r>
-              <a:rPr lang="ru-RU" sz="2600" dirty="0">
-                <a:latin typeface="Times New Roman" panose="02020603050405020304" pitchFamily="18" charset="0"/>
-                <a:cs typeface="Times New Roman" panose="02020603050405020304" pitchFamily="18" charset="0"/>
-              </a:rPr>
-              <a:t>а</a:t>
-            </a:r>
-            <a:r>
-              <a:rPr lang="ru-RU" sz="2600" dirty="0" smtClean="0">
-                <a:latin typeface="Times New Roman" panose="02020603050405020304" pitchFamily="18" charset="0"/>
-                <a:cs typeface="Times New Roman" panose="02020603050405020304" pitchFamily="18" charset="0"/>
-              </a:rPr>
-              <a:t>лгоритм компоновки</a:t>
-            </a:r>
-          </a:p>
-          <a:p>
-            <a:pPr algn="just"/>
-            <a:r>
-              <a:rPr lang="ru-RU" sz="2600" dirty="0">
-                <a:latin typeface="Times New Roman" panose="02020603050405020304" pitchFamily="18" charset="0"/>
-                <a:cs typeface="Times New Roman" panose="02020603050405020304" pitchFamily="18" charset="0"/>
-              </a:rPr>
-              <a:t>а</a:t>
-            </a:r>
-            <a:r>
-              <a:rPr lang="ru-RU" sz="2600" dirty="0" smtClean="0">
-                <a:latin typeface="Times New Roman" panose="02020603050405020304" pitchFamily="18" charset="0"/>
-                <a:cs typeface="Times New Roman" panose="02020603050405020304" pitchFamily="18" charset="0"/>
-              </a:rPr>
-              <a:t>лгоритм размещения</a:t>
-            </a:r>
-          </a:p>
-          <a:p>
-            <a:pPr algn="just"/>
-            <a:r>
-              <a:rPr lang="ru-RU" sz="2600" dirty="0">
-                <a:latin typeface="Times New Roman" panose="02020603050405020304" pitchFamily="18" charset="0"/>
-                <a:cs typeface="Times New Roman" panose="02020603050405020304" pitchFamily="18" charset="0"/>
-              </a:rPr>
-              <a:t>а</a:t>
-            </a:r>
-            <a:r>
-              <a:rPr lang="ru-RU" sz="2600" dirty="0" smtClean="0">
-                <a:latin typeface="Times New Roman" panose="02020603050405020304" pitchFamily="18" charset="0"/>
-                <a:cs typeface="Times New Roman" panose="02020603050405020304" pitchFamily="18" charset="0"/>
-              </a:rPr>
-              <a:t>лгоритм трассировки</a:t>
-            </a:r>
-            <a:endParaRPr lang="ru-RU" sz="2600" dirty="0">
-              <a:latin typeface="Times New Roman" panose="02020603050405020304" pitchFamily="18" charset="0"/>
-              <a:cs typeface="Times New Roman" panose="02020603050405020304" pitchFamily="18" charset="0"/>
-            </a:endParaRPr>
-          </a:p>
-          <a:p>
-            <a:pPr marL="0" indent="0">
-              <a:buNone/>
-            </a:pPr>
-            <a:r>
-              <a:rPr lang="uk-UA" sz="2600" dirty="0" smtClean="0">
-                <a:latin typeface="Times New Roman" panose="02020603050405020304" pitchFamily="18" charset="0"/>
-                <a:cs typeface="Times New Roman" panose="02020603050405020304" pitchFamily="18" charset="0"/>
-              </a:rPr>
-              <a:t> </a:t>
-            </a:r>
-            <a:endParaRPr lang="en-US" sz="2600" dirty="0">
-              <a:latin typeface="Times New Roman" panose="02020603050405020304" pitchFamily="18" charset="0"/>
-              <a:cs typeface="Times New Roman" panose="02020603050405020304" pitchFamily="18" charset="0"/>
-            </a:endParaRPr>
-          </a:p>
-        </p:txBody>
-      </p:sp>
-    </p:spTree>
-    <p:extLst>
-      <p:ext uri="{BB962C8B-B14F-4D97-AF65-F5344CB8AC3E}">
-        <p14:creationId xmlns:p14="http://schemas.microsoft.com/office/powerpoint/2010/main" val="2407367015"/>
-      </p:ext>
-    </p:extLst>
-  </p:cSld>
-  <p:clrMapOvr>
-    <a:masterClrMapping/>
-  </p:clrMapOvr>
-  <p:timing>
-    <p:tnLst>
-      <p:par>
-        <p:cTn id="1" dur="indefinite" restart="never" nodeType="tmRoot"/>
-      </p:par>
-    </p:tnLst>
-  </p:timing>
-</p:sld>
-</file>
-
-<file path=ppt/slides/slide6.xml><?xml version="1.0" encoding="utf-8"?>
-<p:sld xmlns:a="http://schemas.openxmlformats.org/drawingml/2006/main" xmlns:r="http://schemas.openxmlformats.org/officeDocument/2006/relationships" xmlns:p="http://schemas.openxmlformats.org/presentationml/2006/main">
-  <p:cSld>
-    <p:spTree>
-      <p:nvGrpSpPr>
-        <p:cNvPr id="1" name=""/>
-        <p:cNvGrpSpPr/>
-        <p:nvPr/>
-      </p:nvGrpSpPr>
-      <p:grpSpPr>
-        <a:xfrm>
-          <a:off x="0" y="0"/>
-          <a:ext cx="0" cy="0"/>
-          <a:chOff x="0" y="0"/>
-          <a:chExt cx="0" cy="0"/>
-        </a:xfrm>
-      </p:grpSpPr>
-      <p:sp>
-        <p:nvSpPr>
-          <p:cNvPr id="2" name="Content Placeholder 2"/>
-          <p:cNvSpPr txBox="1">
-            <a:spLocks/>
-          </p:cNvSpPr>
-          <p:nvPr/>
-        </p:nvSpPr>
-        <p:spPr>
-          <a:xfrm>
-            <a:off x="251520" y="548680"/>
-            <a:ext cx="8640960" cy="5688632"/>
-          </a:xfrm>
-          <a:prstGeom prst="rect">
-            <a:avLst/>
-          </a:prstGeom>
-        </p:spPr>
-        <p:txBody>
-          <a:bodyPr>
-            <a:noAutofit/>
-          </a:bodyPr>
-          <a:lstStyle>
-            <a:lvl1pPr marL="342900" indent="-342900" algn="l" defTabSz="914400" rtl="0" eaLnBrk="1" latinLnBrk="0" hangingPunct="1">
-              <a:spcBef>
-                <a:spcPct val="20000"/>
-              </a:spcBef>
-              <a:buFont typeface="Arial" pitchFamily="34" charset="0"/>
-              <a:buChar char="•"/>
-              <a:defRPr sz="3200" kern="1200">
-                <a:solidFill>
-                  <a:schemeClr val="tx1"/>
-                </a:solidFill>
-                <a:latin typeface="+mn-lt"/>
-                <a:ea typeface="+mn-ea"/>
-                <a:cs typeface="+mn-cs"/>
-              </a:defRPr>
-            </a:lvl1pPr>
-            <a:lvl2pPr marL="742950" indent="-285750" algn="l" defTabSz="914400" rtl="0" eaLnBrk="1" latinLnBrk="0" hangingPunct="1">
-              <a:spcBef>
-                <a:spcPct val="20000"/>
-              </a:spcBef>
-              <a:buFont typeface="Arial" pitchFamily="34" charset="0"/>
-              <a:buChar char="–"/>
-              <a:defRPr sz="2800" kern="1200">
-                <a:solidFill>
-                  <a:schemeClr val="tx1"/>
-                </a:solidFill>
-                <a:latin typeface="+mn-lt"/>
-                <a:ea typeface="+mn-ea"/>
-                <a:cs typeface="+mn-cs"/>
-              </a:defRPr>
-            </a:lvl2pPr>
-            <a:lvl3pPr marL="1143000" indent="-228600" algn="l" defTabSz="914400" rtl="0" eaLnBrk="1" latinLnBrk="0" hangingPunct="1">
-              <a:spcBef>
-                <a:spcPct val="20000"/>
-              </a:spcBef>
-              <a:buFont typeface="Arial" pitchFamily="34" charset="0"/>
-              <a:buChar char="•"/>
-              <a:defRPr sz="2400" kern="1200">
-                <a:solidFill>
-                  <a:schemeClr val="tx1"/>
-                </a:solidFill>
-                <a:latin typeface="+mn-lt"/>
-                <a:ea typeface="+mn-ea"/>
-                <a:cs typeface="+mn-cs"/>
-              </a:defRPr>
-            </a:lvl3pPr>
-            <a:lvl4pPr marL="1600200" indent="-228600" algn="l" defTabSz="914400" rtl="0" eaLnBrk="1" latinLnBrk="0" hangingPunct="1">
-              <a:spcBef>
-                <a:spcPct val="20000"/>
-              </a:spcBef>
-              <a:buFont typeface="Arial" pitchFamily="34" charset="0"/>
-              <a:buChar char="–"/>
-              <a:defRPr sz="2000" kern="1200">
-                <a:solidFill>
-                  <a:schemeClr val="tx1"/>
-                </a:solidFill>
-                <a:latin typeface="+mn-lt"/>
-                <a:ea typeface="+mn-ea"/>
-                <a:cs typeface="+mn-cs"/>
-              </a:defRPr>
-            </a:lvl4pPr>
-            <a:lvl5pPr marL="2057400" indent="-228600" algn="l" defTabSz="914400" rtl="0" eaLnBrk="1" latinLnBrk="0" hangingPunct="1">
-              <a:spcBef>
-                <a:spcPct val="20000"/>
-              </a:spcBef>
-              <a:buFont typeface="Arial" pitchFamily="34" charset="0"/>
-              <a:buChar char="»"/>
-              <a:defRPr sz="2000" kern="1200">
-                <a:solidFill>
-                  <a:schemeClr val="tx1"/>
-                </a:solidFill>
-                <a:latin typeface="+mn-lt"/>
-                <a:ea typeface="+mn-ea"/>
-                <a:cs typeface="+mn-cs"/>
-              </a:defRPr>
-            </a:lvl5pPr>
-            <a:lvl6pPr marL="2514600" indent="-228600" algn="l" defTabSz="914400" rtl="0" eaLnBrk="1" latinLnBrk="0" hangingPunct="1">
-              <a:spcBef>
-                <a:spcPct val="20000"/>
-              </a:spcBef>
-              <a:buFont typeface="Arial" pitchFamily="34" charset="0"/>
-              <a:buChar char="•"/>
-              <a:defRPr sz="2000" kern="1200">
-                <a:solidFill>
-                  <a:schemeClr val="tx1"/>
-                </a:solidFill>
-                <a:latin typeface="+mn-lt"/>
-                <a:ea typeface="+mn-ea"/>
-                <a:cs typeface="+mn-cs"/>
-              </a:defRPr>
-            </a:lvl6pPr>
-            <a:lvl7pPr marL="2971800" indent="-228600" algn="l" defTabSz="914400" rtl="0" eaLnBrk="1" latinLnBrk="0" hangingPunct="1">
-              <a:spcBef>
-                <a:spcPct val="20000"/>
-              </a:spcBef>
-              <a:buFont typeface="Arial" pitchFamily="34" charset="0"/>
-              <a:buChar char="•"/>
-              <a:defRPr sz="2000" kern="1200">
-                <a:solidFill>
-                  <a:schemeClr val="tx1"/>
-                </a:solidFill>
-                <a:latin typeface="+mn-lt"/>
-                <a:ea typeface="+mn-ea"/>
-                <a:cs typeface="+mn-cs"/>
-              </a:defRPr>
-            </a:lvl7pPr>
-            <a:lvl8pPr marL="3429000" indent="-228600" algn="l" defTabSz="914400" rtl="0" eaLnBrk="1" latinLnBrk="0" hangingPunct="1">
-              <a:spcBef>
-                <a:spcPct val="20000"/>
-              </a:spcBef>
-              <a:buFont typeface="Arial" pitchFamily="34" charset="0"/>
-              <a:buChar char="•"/>
-              <a:defRPr sz="2000" kern="1200">
-                <a:solidFill>
-                  <a:schemeClr val="tx1"/>
-                </a:solidFill>
-                <a:latin typeface="+mn-lt"/>
-                <a:ea typeface="+mn-ea"/>
-                <a:cs typeface="+mn-cs"/>
-              </a:defRPr>
-            </a:lvl8pPr>
-            <a:lvl9pPr marL="3886200" indent="-228600" algn="l" defTabSz="914400" rtl="0" eaLnBrk="1" latinLnBrk="0" hangingPunct="1">
-              <a:spcBef>
-                <a:spcPct val="20000"/>
-              </a:spcBef>
-              <a:buFont typeface="Arial" pitchFamily="34" charset="0"/>
-              <a:buChar char="•"/>
-              <a:defRPr sz="2000" kern="1200">
-                <a:solidFill>
-                  <a:schemeClr val="tx1"/>
-                </a:solidFill>
-                <a:latin typeface="+mn-lt"/>
-                <a:ea typeface="+mn-ea"/>
-                <a:cs typeface="+mn-cs"/>
-              </a:defRPr>
-            </a:lvl9pPr>
-          </a:lstStyle>
-          <a:p>
-            <a:pPr marL="0" indent="0">
-              <a:buNone/>
-            </a:pPr>
-            <a:r>
-              <a:rPr lang="ru-RU" sz="2800" b="1" dirty="0" smtClean="0">
-                <a:latin typeface="Times New Roman" panose="02020603050405020304" pitchFamily="18" charset="0"/>
-                <a:cs typeface="Times New Roman" panose="02020603050405020304" pitchFamily="18" charset="0"/>
-              </a:rPr>
-              <a:t>2 Реализация автоматического размещения </a:t>
-            </a:r>
-            <a:r>
-              <a:rPr lang="en-US" sz="2800" b="1" dirty="0" smtClean="0">
-                <a:latin typeface="Times New Roman" panose="02020603050405020304" pitchFamily="18" charset="0"/>
-                <a:cs typeface="Times New Roman" panose="02020603050405020304" pitchFamily="18" charset="0"/>
-              </a:rPr>
-              <a:t>UML </a:t>
-            </a:r>
-            <a:r>
-              <a:rPr lang="ru-RU" sz="2800" b="1" dirty="0" smtClean="0">
-                <a:latin typeface="Times New Roman" panose="02020603050405020304" pitchFamily="18" charset="0"/>
-                <a:cs typeface="Times New Roman" panose="02020603050405020304" pitchFamily="18" charset="0"/>
-              </a:rPr>
-              <a:t>диаграмм</a:t>
-            </a:r>
-          </a:p>
-          <a:p>
-            <a:pPr marL="0" indent="0">
-              <a:buNone/>
-            </a:pPr>
-            <a:endParaRPr lang="ru-RU" sz="2800" b="1" dirty="0" smtClean="0">
-              <a:latin typeface="Times New Roman" panose="02020603050405020304" pitchFamily="18" charset="0"/>
-              <a:cs typeface="Times New Roman" panose="02020603050405020304" pitchFamily="18" charset="0"/>
-            </a:endParaRPr>
-          </a:p>
-          <a:p>
-            <a:r>
-              <a:rPr lang="ru-RU" sz="2600" dirty="0" smtClean="0">
-                <a:latin typeface="Times New Roman" panose="02020603050405020304" pitchFamily="18" charset="0"/>
-                <a:cs typeface="Times New Roman" panose="02020603050405020304" pitchFamily="18" charset="0"/>
-              </a:rPr>
-              <a:t>Особенности реализации с использованием редактора </a:t>
-            </a:r>
-            <a:r>
-              <a:rPr lang="en-US" sz="2600" dirty="0" err="1" smtClean="0">
-                <a:latin typeface="Times New Roman" panose="02020603050405020304" pitchFamily="18" charset="0"/>
-                <a:cs typeface="Times New Roman" panose="02020603050405020304" pitchFamily="18" charset="0"/>
-              </a:rPr>
-              <a:t>ArgoUML</a:t>
-            </a:r>
-            <a:endParaRPr lang="en-US" sz="2600" dirty="0" smtClean="0">
-              <a:latin typeface="Times New Roman" panose="02020603050405020304" pitchFamily="18" charset="0"/>
-              <a:cs typeface="Times New Roman" panose="02020603050405020304" pitchFamily="18" charset="0"/>
-            </a:endParaRPr>
-          </a:p>
-          <a:p>
-            <a:r>
-              <a:rPr lang="uk-UA" sz="2600" dirty="0" smtClean="0">
-                <a:latin typeface="Times New Roman" panose="02020603050405020304" pitchFamily="18" charset="0"/>
-                <a:cs typeface="Times New Roman" panose="02020603050405020304" pitchFamily="18" charset="0"/>
-              </a:rPr>
-              <a:t>Опис</a:t>
-            </a:r>
-            <a:r>
-              <a:rPr lang="ru-RU" sz="2600" dirty="0" err="1" smtClean="0">
-                <a:latin typeface="Times New Roman" panose="02020603050405020304" pitchFamily="18" charset="0"/>
-                <a:cs typeface="Times New Roman" panose="02020603050405020304" pitchFamily="18" charset="0"/>
-              </a:rPr>
-              <a:t>ание</a:t>
-            </a:r>
-            <a:r>
-              <a:rPr lang="ru-RU" sz="2600" dirty="0" smtClean="0">
-                <a:latin typeface="Times New Roman" panose="02020603050405020304" pitchFamily="18" charset="0"/>
-                <a:cs typeface="Times New Roman" panose="02020603050405020304" pitchFamily="18" charset="0"/>
-              </a:rPr>
-              <a:t> </a:t>
-            </a:r>
-            <a:r>
-              <a:rPr lang="ru-RU" sz="2600" dirty="0" err="1" smtClean="0">
-                <a:latin typeface="Times New Roman" panose="02020603050405020304" pitchFamily="18" charset="0"/>
-                <a:cs typeface="Times New Roman" panose="02020603050405020304" pitchFamily="18" charset="0"/>
-              </a:rPr>
-              <a:t>выбраных</a:t>
-            </a:r>
-            <a:r>
-              <a:rPr lang="ru-RU" sz="2600" dirty="0" smtClean="0">
-                <a:latin typeface="Times New Roman" panose="02020603050405020304" pitchFamily="18" charset="0"/>
-                <a:cs typeface="Times New Roman" panose="02020603050405020304" pitchFamily="18" charset="0"/>
-              </a:rPr>
-              <a:t> алгоритмов </a:t>
-            </a:r>
-            <a:r>
-              <a:rPr lang="ru-RU" sz="2600" dirty="0" err="1" smtClean="0">
-                <a:latin typeface="Times New Roman" panose="02020603050405020304" pitchFamily="18" charset="0"/>
-                <a:cs typeface="Times New Roman" panose="02020603050405020304" pitchFamily="18" charset="0"/>
-              </a:rPr>
-              <a:t>розмищения</a:t>
-            </a:r>
-            <a:endParaRPr lang="ru-RU" sz="2600" dirty="0" smtClean="0">
-              <a:latin typeface="Times New Roman" panose="02020603050405020304" pitchFamily="18" charset="0"/>
-              <a:cs typeface="Times New Roman" panose="02020603050405020304" pitchFamily="18" charset="0"/>
-            </a:endParaRPr>
-          </a:p>
-          <a:p>
-            <a:r>
-              <a:rPr lang="ru-RU" sz="2600" dirty="0" smtClean="0">
-                <a:latin typeface="Times New Roman" panose="02020603050405020304" pitchFamily="18" charset="0"/>
-                <a:cs typeface="Times New Roman" panose="02020603050405020304" pitchFamily="18" charset="0"/>
-              </a:rPr>
-              <a:t>Реализация</a:t>
-            </a:r>
-            <a:endParaRPr lang="en-US" sz="2600" dirty="0" smtClean="0">
-              <a:latin typeface="Times New Roman" panose="02020603050405020304" pitchFamily="18" charset="0"/>
-              <a:cs typeface="Times New Roman" panose="02020603050405020304" pitchFamily="18" charset="0"/>
-            </a:endParaRPr>
-          </a:p>
-        </p:txBody>
-      </p:sp>
-    </p:spTree>
-    <p:extLst>
-      <p:ext uri="{BB962C8B-B14F-4D97-AF65-F5344CB8AC3E}">
-        <p14:creationId xmlns:p14="http://schemas.microsoft.com/office/powerpoint/2010/main" val="2837910175"/>
-      </p:ext>
-    </p:extLst>
-  </p:cSld>
-  <p:clrMapOvr>
-    <a:masterClrMapping/>
-  </p:clrMapOvr>
-  <p:timing>
-    <p:tnLst>
-      <p:par>
-        <p:cTn id="1" dur="indefinite" restart="never" nodeType="tmRoot"/>
-      </p:par>
-    </p:tnLst>
-  </p:timing>
-</p:sld>
-</file>
-
-<file path=ppt/slides/slide7.xml><?xml version="1.0" encoding="utf-8"?>
-<p:sld xmlns:a="http://schemas.openxmlformats.org/drawingml/2006/main" xmlns:r="http://schemas.openxmlformats.org/officeDocument/2006/relationships" xmlns:p="http://schemas.openxmlformats.org/presentationml/2006/main">
-  <p:cSld>
-    <p:spTree>
-      <p:nvGrpSpPr>
-        <p:cNvPr id="1" name=""/>
-        <p:cNvGrpSpPr/>
-        <p:nvPr/>
-      </p:nvGrpSpPr>
-      <p:grpSpPr>
-        <a:xfrm>
-          <a:off x="0" y="0"/>
-          <a:ext cx="0" cy="0"/>
-          <a:chOff x="0" y="0"/>
-          <a:chExt cx="0" cy="0"/>
-        </a:xfrm>
-      </p:grpSpPr>
-      <p:pic>
-        <p:nvPicPr>
-          <p:cNvPr id="1026" name="Picture 2"/>
-          <p:cNvPicPr>
-            <a:picLocks noChangeAspect="1" noChangeArrowheads="1"/>
-          </p:cNvPicPr>
-          <p:nvPr/>
-        </p:nvPicPr>
-        <p:blipFill>
-          <a:blip r:embed="rId2">
-            <a:extLst>
-              <a:ext uri="{28A0092B-C50C-407E-A947-70E740481C1C}">
-                <a14:useLocalDpi xmlns:a14="http://schemas.microsoft.com/office/drawing/2010/main" val="0"/>
-              </a:ext>
-            </a:extLst>
-          </a:blip>
-          <a:srcRect/>
-          <a:stretch>
-            <a:fillRect/>
-          </a:stretch>
-        </p:blipFill>
-        <p:spPr bwMode="auto">
-          <a:xfrm>
-            <a:off x="420894" y="1052736"/>
-            <a:ext cx="8379759" cy="5328592"/>
-          </a:xfrm>
-          <a:prstGeom prst="rect">
-            <a:avLst/>
-          </a:prstGeom>
-          <a:noFill/>
-          <a:ln>
-            <a:noFill/>
-          </a:ln>
-          <a:extLst>
-            <a:ext uri="{909E8E84-426E-40DD-AFC4-6F175D3DCCD1}">
-              <a14:hiddenFill xmlns:a14="http://schemas.microsoft.com/office/drawing/2010/main">
-                <a:solidFill>
-                  <a:schemeClr val="accent1"/>
-                </a:solidFill>
-              </a14:hiddenFill>
-            </a:ext>
-            <a:ext uri="{91240B29-F687-4F45-9708-019B960494DF}">
-              <a14:hiddenLine xmlns:a14="http://schemas.microsoft.com/office/drawing/2010/main" w="9525">
-                <a:solidFill>
-                  <a:schemeClr val="tx1"/>
-                </a:solidFill>
-                <a:miter lim="800000"/>
-                <a:headEnd/>
-                <a:tailEnd/>
-              </a14:hiddenLine>
-            </a:ext>
-          </a:extLst>
-        </p:spPr>
-      </p:pic>
-      <p:sp>
-        <p:nvSpPr>
-          <p:cNvPr id="3" name="Прямоугольник 2"/>
-          <p:cNvSpPr/>
-          <p:nvPr/>
-        </p:nvSpPr>
-        <p:spPr>
-          <a:xfrm>
-            <a:off x="2411760" y="332656"/>
-            <a:ext cx="4572000" cy="523220"/>
-          </a:xfrm>
-          <a:prstGeom prst="rect">
-            <a:avLst/>
-          </a:prstGeom>
-        </p:spPr>
-        <p:txBody>
-          <a:bodyPr>
-            <a:spAutoFit/>
-          </a:bodyPr>
-          <a:lstStyle/>
-          <a:p>
-            <a:pPr algn="ctr"/>
-            <a:r>
-              <a:rPr lang="ru-RU" sz="2800" dirty="0" smtClean="0">
-                <a:latin typeface="Times New Roman" panose="02020603050405020304" pitchFamily="18" charset="0"/>
-                <a:cs typeface="Times New Roman" panose="02020603050405020304" pitchFamily="18" charset="0"/>
-              </a:rPr>
-              <a:t>Редактор </a:t>
-            </a:r>
-            <a:r>
-              <a:rPr lang="en-US" sz="2800" dirty="0" err="1">
-                <a:latin typeface="Times New Roman" panose="02020603050405020304" pitchFamily="18" charset="0"/>
-                <a:cs typeface="Times New Roman" panose="02020603050405020304" pitchFamily="18" charset="0"/>
-              </a:rPr>
-              <a:t>ArgoUML</a:t>
-            </a:r>
-            <a:endParaRPr lang="en-US" sz="2800" dirty="0">
-              <a:latin typeface="Times New Roman" panose="02020603050405020304" pitchFamily="18" charset="0"/>
-              <a:cs typeface="Times New Roman" panose="02020603050405020304" pitchFamily="18" charset="0"/>
-            </a:endParaRPr>
-          </a:p>
-        </p:txBody>
-      </p:sp>
-    </p:spTree>
-    <p:extLst>
-      <p:ext uri="{BB962C8B-B14F-4D97-AF65-F5344CB8AC3E}">
-        <p14:creationId xmlns:p14="http://schemas.microsoft.com/office/powerpoint/2010/main" val="2003169493"/>
-      </p:ext>
-    </p:extLst>
-  </p:cSld>
-  <p:clrMapOvr>
-    <a:masterClrMapping/>
-  </p:clrMapOvr>
-  <p:timing>
-    <p:tnLst>
-      <p:par>
-        <p:cTn id="1" dur="indefinite" restart="never" nodeType="tmRoot"/>
-      </p:par>
-    </p:tnLst>
-  </p:timing>
-</p:sld>
-</file>
-
-<file path=ppt/slides/slide8.xml><?xml version="1.0" encoding="utf-8"?>
-<p:sld xmlns:a="http://schemas.openxmlformats.org/drawingml/2006/main" xmlns:r="http://schemas.openxmlformats.org/officeDocument/2006/relationships" xmlns:p="http://schemas.openxmlformats.org/presentationml/2006/main">
-  <p:cSld>
-    <p:spTree>
-      <p:nvGrpSpPr>
-        <p:cNvPr id="1" name=""/>
-        <p:cNvGrpSpPr/>
-        <p:nvPr/>
-      </p:nvGrpSpPr>
-      <p:grpSpPr>
-        <a:xfrm>
-          <a:off x="0" y="0"/>
-          <a:ext cx="0" cy="0"/>
-          <a:chOff x="0" y="0"/>
-          <a:chExt cx="0" cy="0"/>
-        </a:xfrm>
-      </p:grpSpPr>
-      <p:pic>
-        <p:nvPicPr>
-          <p:cNvPr id="4" name="officeArt object" descr="image31.png"/>
-          <p:cNvPicPr/>
-          <p:nvPr/>
-        </p:nvPicPr>
-        <p:blipFill rotWithShape="1">
-          <a:blip r:embed="rId2">
-            <a:extLst/>
-          </a:blip>
-          <a:srcRect r="7016"/>
-          <a:stretch/>
-        </p:blipFill>
-        <p:spPr>
-          <a:xfrm>
-            <a:off x="4042256" y="1202255"/>
-            <a:ext cx="4850224" cy="5351614"/>
-          </a:xfrm>
-          <a:prstGeom prst="rect">
-            <a:avLst/>
-          </a:prstGeom>
-          <a:ln w="12700" cap="flat">
-            <a:noFill/>
-            <a:miter lim="400000"/>
-          </a:ln>
-          <a:effectLst/>
-        </p:spPr>
-      </p:pic>
-      <p:sp>
-        <p:nvSpPr>
-          <p:cNvPr id="5" name="TextBox 4"/>
-          <p:cNvSpPr txBox="1"/>
-          <p:nvPr/>
-        </p:nvSpPr>
-        <p:spPr>
-          <a:xfrm>
-            <a:off x="323528" y="278925"/>
-            <a:ext cx="8568952" cy="923330"/>
-          </a:xfrm>
-          <a:prstGeom prst="rect">
-            <a:avLst/>
-          </a:prstGeom>
-          <a:noFill/>
-        </p:spPr>
-        <p:txBody>
-          <a:bodyPr wrap="square" rtlCol="0">
-            <a:spAutoFit/>
-          </a:bodyPr>
-          <a:lstStyle/>
-          <a:p>
-            <a:r>
-              <a:rPr lang="uk-UA" sz="2800" dirty="0" err="1">
-                <a:latin typeface="Times New Roman" panose="02020603050405020304" pitchFamily="18" charset="0"/>
-                <a:cs typeface="Times New Roman" panose="02020603050405020304" pitchFamily="18" charset="0"/>
-              </a:rPr>
-              <a:t>Orthogonal</a:t>
-            </a:r>
-            <a:r>
-              <a:rPr lang="uk-UA" sz="2800" dirty="0">
-                <a:latin typeface="Times New Roman" panose="02020603050405020304" pitchFamily="18" charset="0"/>
-                <a:cs typeface="Times New Roman" panose="02020603050405020304" pitchFamily="18" charset="0"/>
-              </a:rPr>
-              <a:t> </a:t>
-            </a:r>
-            <a:r>
-              <a:rPr lang="uk-UA" sz="2800" dirty="0" err="1">
-                <a:latin typeface="Times New Roman" panose="02020603050405020304" pitchFamily="18" charset="0"/>
-                <a:cs typeface="Times New Roman" panose="02020603050405020304" pitchFamily="18" charset="0"/>
-              </a:rPr>
-              <a:t>Layout</a:t>
-            </a:r>
-            <a:r>
-              <a:rPr lang="uk-UA" sz="2800" b="1" dirty="0">
-                <a:latin typeface="Times New Roman" panose="02020603050405020304" pitchFamily="18" charset="0"/>
-                <a:cs typeface="Times New Roman" panose="02020603050405020304" pitchFamily="18" charset="0"/>
-              </a:rPr>
-              <a:t> </a:t>
-            </a:r>
-            <a:r>
-              <a:rPr lang="uk-UA" sz="2400" dirty="0" smtClean="0">
-                <a:latin typeface="Times New Roman" panose="02020603050405020304" pitchFamily="18" charset="0"/>
-                <a:cs typeface="Times New Roman" panose="02020603050405020304" pitchFamily="18" charset="0"/>
-              </a:rPr>
-              <a:t>– </a:t>
-            </a:r>
-            <a:r>
-              <a:rPr lang="uk-UA" sz="2600" dirty="0" err="1" smtClean="0">
-                <a:latin typeface="Times New Roman" panose="02020603050405020304" pitchFamily="18" charset="0"/>
-                <a:cs typeface="Times New Roman" panose="02020603050405020304" pitchFamily="18" charset="0"/>
-              </a:rPr>
-              <a:t>это</a:t>
-            </a:r>
-            <a:r>
-              <a:rPr lang="uk-UA" sz="2600" dirty="0" smtClean="0">
-                <a:latin typeface="Times New Roman" panose="02020603050405020304" pitchFamily="18" charset="0"/>
-                <a:cs typeface="Times New Roman" panose="02020603050405020304" pitchFamily="18" charset="0"/>
-              </a:rPr>
-              <a:t> </a:t>
-            </a:r>
-            <a:r>
-              <a:rPr lang="uk-UA" sz="2600" dirty="0" err="1" smtClean="0">
-                <a:latin typeface="Times New Roman" panose="02020603050405020304" pitchFamily="18" charset="0"/>
-                <a:cs typeface="Times New Roman" panose="02020603050405020304" pitchFamily="18" charset="0"/>
-              </a:rPr>
-              <a:t>основной</a:t>
-            </a:r>
-            <a:r>
-              <a:rPr lang="uk-UA" sz="2600" dirty="0" smtClean="0">
-                <a:latin typeface="Times New Roman" panose="02020603050405020304" pitchFamily="18" charset="0"/>
-                <a:cs typeface="Times New Roman" panose="02020603050405020304" pitchFamily="18" charset="0"/>
-              </a:rPr>
-              <a:t> алгоритм для </a:t>
-            </a:r>
-            <a:r>
-              <a:rPr lang="ru-RU" sz="2600" dirty="0" smtClean="0">
-                <a:latin typeface="Times New Roman" panose="02020603050405020304" pitchFamily="18" charset="0"/>
-                <a:cs typeface="Times New Roman" panose="02020603050405020304" pitchFamily="18" charset="0"/>
-              </a:rPr>
-              <a:t>выполнения</a:t>
-            </a:r>
-            <a:r>
-              <a:rPr lang="uk-UA" sz="2600" dirty="0" smtClean="0">
-                <a:latin typeface="Times New Roman" panose="02020603050405020304" pitchFamily="18" charset="0"/>
-                <a:cs typeface="Times New Roman" panose="02020603050405020304" pitchFamily="18" charset="0"/>
-              </a:rPr>
-              <a:t> </a:t>
-            </a:r>
-            <a:r>
-              <a:rPr lang="ru-RU" sz="2600" dirty="0" smtClean="0">
-                <a:latin typeface="Times New Roman" panose="02020603050405020304" pitchFamily="18" charset="0"/>
-                <a:cs typeface="Times New Roman" panose="02020603050405020304" pitchFamily="18" charset="0"/>
-              </a:rPr>
-              <a:t>размещения</a:t>
-            </a:r>
-            <a:r>
-              <a:rPr lang="uk-UA" sz="2600" dirty="0" smtClean="0">
-                <a:latin typeface="Times New Roman" panose="02020603050405020304" pitchFamily="18" charset="0"/>
-                <a:cs typeface="Times New Roman" panose="02020603050405020304" pitchFamily="18" charset="0"/>
-              </a:rPr>
-              <a:t> </a:t>
-            </a:r>
-            <a:r>
-              <a:rPr lang="ru-RU" sz="2600" dirty="0" smtClean="0">
-                <a:latin typeface="Times New Roman" panose="02020603050405020304" pitchFamily="18" charset="0"/>
-                <a:cs typeface="Times New Roman" panose="02020603050405020304" pitchFamily="18" charset="0"/>
-              </a:rPr>
-              <a:t>неориентированных</a:t>
-            </a:r>
-            <a:r>
-              <a:rPr lang="uk-UA" sz="2600" dirty="0" smtClean="0">
-                <a:latin typeface="Times New Roman" panose="02020603050405020304" pitchFamily="18" charset="0"/>
-                <a:cs typeface="Times New Roman" panose="02020603050405020304" pitchFamily="18" charset="0"/>
-              </a:rPr>
-              <a:t> </a:t>
-            </a:r>
-            <a:r>
-              <a:rPr lang="uk-UA" sz="2600" dirty="0" err="1" smtClean="0">
-                <a:latin typeface="Times New Roman" panose="02020603050405020304" pitchFamily="18" charset="0"/>
-                <a:cs typeface="Times New Roman" panose="02020603050405020304" pitchFamily="18" charset="0"/>
-              </a:rPr>
-              <a:t>графов</a:t>
-            </a:r>
-            <a:r>
-              <a:rPr lang="uk-UA" sz="2600" dirty="0" smtClean="0">
-                <a:latin typeface="Times New Roman" panose="02020603050405020304" pitchFamily="18" charset="0"/>
-                <a:cs typeface="Times New Roman" panose="02020603050405020304" pitchFamily="18" charset="0"/>
-              </a:rPr>
-              <a:t>. </a:t>
-            </a:r>
-            <a:endParaRPr lang="ru-RU" sz="2600" dirty="0">
-              <a:latin typeface="Times New Roman" panose="02020603050405020304" pitchFamily="18" charset="0"/>
-              <a:cs typeface="Times New Roman" panose="02020603050405020304" pitchFamily="18" charset="0"/>
-            </a:endParaRPr>
-          </a:p>
-        </p:txBody>
-      </p:sp>
-      <p:sp>
-        <p:nvSpPr>
-          <p:cNvPr id="6" name="TextBox 5"/>
-          <p:cNvSpPr txBox="1"/>
-          <p:nvPr/>
-        </p:nvSpPr>
-        <p:spPr>
-          <a:xfrm>
-            <a:off x="491720" y="1440996"/>
-            <a:ext cx="3312368" cy="553998"/>
-          </a:xfrm>
-          <a:prstGeom prst="rect">
-            <a:avLst/>
-          </a:prstGeom>
-          <a:noFill/>
-          <a:ln w="12700">
-            <a:solidFill>
-              <a:schemeClr val="tx1"/>
-            </a:solidFill>
-          </a:ln>
-        </p:spPr>
-        <p:txBody>
-          <a:bodyPr wrap="square" rtlCol="0">
-            <a:spAutoFit/>
-          </a:bodyPr>
-          <a:lstStyle/>
-          <a:p>
-            <a:pPr algn="ctr"/>
-            <a:r>
-              <a:rPr lang="ru-RU" sz="1500" dirty="0" smtClean="0"/>
-              <a:t>временно удаляет какие-либо </a:t>
-            </a:r>
-          </a:p>
-          <a:p>
-            <a:pPr algn="ctr"/>
-            <a:r>
-              <a:rPr lang="ru-RU" sz="1500" dirty="0"/>
-              <a:t>н</a:t>
-            </a:r>
-            <a:r>
-              <a:rPr lang="ru-RU" sz="1500" dirty="0" smtClean="0"/>
-              <a:t>аправленные циклы </a:t>
-            </a:r>
-            <a:endParaRPr lang="ru-RU" sz="1500" dirty="0"/>
-          </a:p>
-        </p:txBody>
-      </p:sp>
-      <p:sp>
-        <p:nvSpPr>
-          <p:cNvPr id="7" name="Стрелка вниз 6"/>
-          <p:cNvSpPr/>
-          <p:nvPr/>
-        </p:nvSpPr>
-        <p:spPr>
-          <a:xfrm>
-            <a:off x="1890121" y="2047916"/>
-            <a:ext cx="432048" cy="504056"/>
-          </a:xfrm>
-          <a:prstGeom prst="downArrow">
-            <a:avLst/>
-          </a:prstGeom>
-          <a:noFill/>
-          <a:ln w="19050">
-            <a:solidFill>
-              <a:schemeClr val="tx1"/>
-            </a:solidFill>
-          </a:ln>
-        </p:spPr>
-        <p:style>
-          <a:lnRef idx="2">
-            <a:schemeClr val="accent1">
-              <a:shade val="50000"/>
-            </a:schemeClr>
-          </a:lnRef>
-          <a:fillRef idx="1">
-            <a:schemeClr val="accent1"/>
-          </a:fillRef>
-          <a:effectRef idx="0">
-            <a:schemeClr val="accent1"/>
-          </a:effectRef>
-          <a:fontRef idx="minor">
-            <a:schemeClr val="lt1"/>
-          </a:fontRef>
-        </p:style>
-        <p:txBody>
-          <a:bodyPr rtlCol="0" anchor="ctr"/>
-          <a:lstStyle/>
-          <a:p>
-            <a:pPr algn="ctr"/>
-            <a:endParaRPr lang="ru-RU" sz="1500"/>
-          </a:p>
-        </p:txBody>
-      </p:sp>
-      <p:sp>
-        <p:nvSpPr>
-          <p:cNvPr id="8" name="TextBox 7"/>
-          <p:cNvSpPr txBox="1"/>
-          <p:nvPr/>
-        </p:nvSpPr>
-        <p:spPr>
-          <a:xfrm>
-            <a:off x="491720" y="2611903"/>
-            <a:ext cx="3312368" cy="553998"/>
-          </a:xfrm>
-          <a:prstGeom prst="rect">
-            <a:avLst/>
-          </a:prstGeom>
-          <a:noFill/>
-          <a:ln w="12700">
-            <a:solidFill>
-              <a:schemeClr val="tx1"/>
-            </a:solidFill>
-          </a:ln>
-        </p:spPr>
-        <p:txBody>
-          <a:bodyPr wrap="square" rtlCol="0">
-            <a:spAutoFit/>
-          </a:bodyPr>
-          <a:lstStyle/>
-          <a:p>
-            <a:pPr algn="ctr"/>
-            <a:r>
-              <a:rPr lang="ru-RU" sz="1500" dirty="0" smtClean="0"/>
-              <a:t>р</a:t>
-            </a:r>
-            <a:r>
-              <a:rPr lang="ru-RU" sz="1500" dirty="0"/>
-              <a:t>а</a:t>
-            </a:r>
-            <a:r>
-              <a:rPr lang="ru-RU" sz="1500" dirty="0" smtClean="0"/>
-              <a:t>змещает узлы на </a:t>
-            </a:r>
-          </a:p>
-          <a:p>
-            <a:pPr algn="ctr"/>
-            <a:r>
-              <a:rPr lang="ru-RU" sz="1500" dirty="0" smtClean="0"/>
-              <a:t>горизонтальных уровнях</a:t>
-            </a:r>
-            <a:endParaRPr lang="ru-RU" sz="1500" dirty="0"/>
-          </a:p>
-        </p:txBody>
-      </p:sp>
-      <p:sp>
-        <p:nvSpPr>
-          <p:cNvPr id="9" name="Стрелка вниз 8"/>
-          <p:cNvSpPr/>
-          <p:nvPr/>
-        </p:nvSpPr>
-        <p:spPr>
-          <a:xfrm>
-            <a:off x="1949463" y="3219960"/>
-            <a:ext cx="432048" cy="504056"/>
-          </a:xfrm>
-          <a:prstGeom prst="downArrow">
-            <a:avLst/>
-          </a:prstGeom>
-          <a:noFill/>
-          <a:ln w="19050">
-            <a:solidFill>
-              <a:schemeClr val="tx1"/>
-            </a:solidFill>
-          </a:ln>
-        </p:spPr>
-        <p:style>
-          <a:lnRef idx="2">
-            <a:schemeClr val="accent1">
-              <a:shade val="50000"/>
-            </a:schemeClr>
-          </a:lnRef>
-          <a:fillRef idx="1">
-            <a:schemeClr val="accent1"/>
-          </a:fillRef>
-          <a:effectRef idx="0">
-            <a:schemeClr val="accent1"/>
-          </a:effectRef>
-          <a:fontRef idx="minor">
-            <a:schemeClr val="lt1"/>
-          </a:fontRef>
-        </p:style>
-        <p:txBody>
-          <a:bodyPr rtlCol="0" anchor="ctr"/>
-          <a:lstStyle/>
-          <a:p>
-            <a:pPr algn="ctr"/>
-            <a:endParaRPr lang="ru-RU" sz="1500"/>
-          </a:p>
-        </p:txBody>
-      </p:sp>
-      <p:sp>
-        <p:nvSpPr>
-          <p:cNvPr id="10" name="TextBox 9"/>
-          <p:cNvSpPr txBox="1"/>
-          <p:nvPr/>
-        </p:nvSpPr>
-        <p:spPr>
-          <a:xfrm>
-            <a:off x="509303" y="3825335"/>
-            <a:ext cx="3312368" cy="553998"/>
-          </a:xfrm>
-          <a:prstGeom prst="rect">
-            <a:avLst/>
-          </a:prstGeom>
-          <a:noFill/>
-          <a:ln w="12700">
-            <a:solidFill>
-              <a:schemeClr val="tx1"/>
-            </a:solidFill>
-          </a:ln>
-        </p:spPr>
-        <p:txBody>
-          <a:bodyPr wrap="square" rtlCol="0">
-            <a:spAutoFit/>
-          </a:bodyPr>
-          <a:lstStyle/>
-          <a:p>
-            <a:pPr algn="ctr"/>
-            <a:r>
-              <a:rPr lang="ru-RU" sz="1500" dirty="0" smtClean="0"/>
-              <a:t>переставляет узлы на </a:t>
-            </a:r>
-          </a:p>
-          <a:p>
-            <a:pPr algn="ctr"/>
-            <a:r>
-              <a:rPr lang="ru-RU" sz="1500" dirty="0"/>
-              <a:t>к</a:t>
-            </a:r>
-            <a:r>
-              <a:rPr lang="ru-RU" sz="1500" dirty="0" smtClean="0"/>
-              <a:t>аждом уровне </a:t>
-            </a:r>
-            <a:endParaRPr lang="ru-RU" sz="1500" dirty="0"/>
-          </a:p>
-        </p:txBody>
-      </p:sp>
-      <p:sp>
-        <p:nvSpPr>
-          <p:cNvPr id="11" name="Стрелка вниз 10"/>
-          <p:cNvSpPr/>
-          <p:nvPr/>
-        </p:nvSpPr>
-        <p:spPr>
-          <a:xfrm>
-            <a:off x="1956030" y="4432420"/>
-            <a:ext cx="432048" cy="504056"/>
-          </a:xfrm>
-          <a:prstGeom prst="downArrow">
-            <a:avLst/>
-          </a:prstGeom>
-          <a:noFill/>
-          <a:ln w="19050">
-            <a:solidFill>
-              <a:schemeClr val="tx1"/>
-            </a:solidFill>
-          </a:ln>
-        </p:spPr>
-        <p:style>
-          <a:lnRef idx="2">
-            <a:schemeClr val="accent1">
-              <a:shade val="50000"/>
-            </a:schemeClr>
-          </a:lnRef>
-          <a:fillRef idx="1">
-            <a:schemeClr val="accent1"/>
-          </a:fillRef>
-          <a:effectRef idx="0">
-            <a:schemeClr val="accent1"/>
-          </a:effectRef>
-          <a:fontRef idx="minor">
-            <a:schemeClr val="lt1"/>
-          </a:fontRef>
-        </p:style>
-        <p:txBody>
-          <a:bodyPr rtlCol="0" anchor="ctr"/>
-          <a:lstStyle/>
-          <a:p>
-            <a:pPr algn="ctr"/>
-            <a:endParaRPr lang="ru-RU" sz="1500"/>
-          </a:p>
-        </p:txBody>
-      </p:sp>
-      <p:sp>
-        <p:nvSpPr>
-          <p:cNvPr id="12" name="TextBox 11"/>
-          <p:cNvSpPr txBox="1"/>
-          <p:nvPr/>
-        </p:nvSpPr>
-        <p:spPr>
-          <a:xfrm>
-            <a:off x="467544" y="5038313"/>
-            <a:ext cx="3312368" cy="553998"/>
-          </a:xfrm>
-          <a:prstGeom prst="rect">
-            <a:avLst/>
-          </a:prstGeom>
-          <a:noFill/>
-          <a:ln w="12700">
-            <a:solidFill>
-              <a:schemeClr val="tx1"/>
-            </a:solidFill>
-          </a:ln>
-        </p:spPr>
-        <p:txBody>
-          <a:bodyPr wrap="square" rtlCol="0">
-            <a:spAutoFit/>
-          </a:bodyPr>
-          <a:lstStyle/>
-          <a:p>
-            <a:pPr algn="ctr"/>
-            <a:r>
-              <a:rPr lang="ru-RU" sz="1500" dirty="0" smtClean="0"/>
-              <a:t>добавляет связи ассоциации</a:t>
-            </a:r>
-          </a:p>
-          <a:p>
-            <a:pPr algn="ctr"/>
-            <a:r>
-              <a:rPr lang="ru-RU" sz="1500" dirty="0"/>
-              <a:t>с</a:t>
-            </a:r>
-            <a:r>
-              <a:rPr lang="ru-RU" sz="1500" dirty="0" smtClean="0"/>
-              <a:t>охраняя  базовую структуру</a:t>
-            </a:r>
-            <a:endParaRPr lang="ru-RU" sz="1500" dirty="0"/>
-          </a:p>
-        </p:txBody>
-      </p:sp>
-    </p:spTree>
-    <p:extLst>
-      <p:ext uri="{BB962C8B-B14F-4D97-AF65-F5344CB8AC3E}">
-        <p14:creationId xmlns:p14="http://schemas.microsoft.com/office/powerpoint/2010/main" val="3126727771"/>
-      </p:ext>
-    </p:extLst>
-  </p:cSld>
-  <p:clrMapOvr>
-    <a:masterClrMapping/>
-  </p:clrMapOvr>
-  <p:timing>
-    <p:tnLst>
-      <p:par>
-        <p:cTn id="1" dur="indefinite" restart="never" nodeType="tmRoot"/>
-      </p:par>
-    </p:tnLst>
-  </p:timing>
-</p:sld>
-</file>
-
-<file path=ppt/slides/slide9.xml><?xml version="1.0" encoding="utf-8"?>
-<p:sld xmlns:a="http://schemas.openxmlformats.org/drawingml/2006/main" xmlns:r="http://schemas.openxmlformats.org/officeDocument/2006/relationships" xmlns:p="http://schemas.openxmlformats.org/presentationml/2006/main">
-  <p:cSld>
-    <p:spTree>
-      <p:nvGrpSpPr>
-        <p:cNvPr id="1" name=""/>
-        <p:cNvGrpSpPr/>
-        <p:nvPr/>
-      </p:nvGrpSpPr>
-      <p:grpSpPr>
-        <a:xfrm>
-          <a:off x="0" y="0"/>
-          <a:ext cx="0" cy="0"/>
-          <a:chOff x="0" y="0"/>
-          <a:chExt cx="0" cy="0"/>
-        </a:xfrm>
-      </p:grpSpPr>
-      <p:sp>
-        <p:nvSpPr>
-          <p:cNvPr id="2" name="Content Placeholder 2"/>
-          <p:cNvSpPr txBox="1">
-            <a:spLocks/>
-          </p:cNvSpPr>
-          <p:nvPr/>
-        </p:nvSpPr>
-        <p:spPr>
-          <a:xfrm>
-            <a:off x="251520" y="548680"/>
-            <a:ext cx="8640960" cy="5688632"/>
-          </a:xfrm>
-          <a:prstGeom prst="rect">
-            <a:avLst/>
-          </a:prstGeom>
-        </p:spPr>
-        <p:txBody>
-          <a:bodyPr>
-            <a:noAutofit/>
-          </a:bodyPr>
-          <a:lstStyle>
-            <a:lvl1pPr marL="342900" indent="-342900" algn="l" defTabSz="914400" rtl="0" eaLnBrk="1" latinLnBrk="0" hangingPunct="1">
-              <a:spcBef>
-                <a:spcPct val="20000"/>
-              </a:spcBef>
-              <a:buFont typeface="Arial" pitchFamily="34" charset="0"/>
-              <a:buChar char="•"/>
-              <a:defRPr sz="3200" kern="1200">
-                <a:solidFill>
-                  <a:schemeClr val="tx1"/>
-                </a:solidFill>
-                <a:latin typeface="+mn-lt"/>
-                <a:ea typeface="+mn-ea"/>
-                <a:cs typeface="+mn-cs"/>
-              </a:defRPr>
-            </a:lvl1pPr>
-            <a:lvl2pPr marL="742950" indent="-285750" algn="l" defTabSz="914400" rtl="0" eaLnBrk="1" latinLnBrk="0" hangingPunct="1">
-              <a:spcBef>
-                <a:spcPct val="20000"/>
-              </a:spcBef>
-              <a:buFont typeface="Arial" pitchFamily="34" charset="0"/>
-              <a:buChar char="–"/>
-              <a:defRPr sz="2800" kern="1200">
-                <a:solidFill>
-                  <a:schemeClr val="tx1"/>
-                </a:solidFill>
-                <a:latin typeface="+mn-lt"/>
-                <a:ea typeface="+mn-ea"/>
-                <a:cs typeface="+mn-cs"/>
-              </a:defRPr>
-            </a:lvl2pPr>
-            <a:lvl3pPr marL="1143000" indent="-228600" algn="l" defTabSz="914400" rtl="0" eaLnBrk="1" latinLnBrk="0" hangingPunct="1">
-              <a:spcBef>
-                <a:spcPct val="20000"/>
-              </a:spcBef>
-              <a:buFont typeface="Arial" pitchFamily="34" charset="0"/>
-              <a:buChar char="•"/>
-              <a:defRPr sz="2400" kern="1200">
-                <a:solidFill>
-                  <a:schemeClr val="tx1"/>
-                </a:solidFill>
-                <a:latin typeface="+mn-lt"/>
-                <a:ea typeface="+mn-ea"/>
-                <a:cs typeface="+mn-cs"/>
-              </a:defRPr>
-            </a:lvl3pPr>
-            <a:lvl4pPr marL="1600200" indent="-228600" algn="l" defTabSz="914400" rtl="0" eaLnBrk="1" latinLnBrk="0" hangingPunct="1">
-              <a:spcBef>
-                <a:spcPct val="20000"/>
-              </a:spcBef>
-              <a:buFont typeface="Arial" pitchFamily="34" charset="0"/>
-              <a:buChar char="–"/>
-              <a:defRPr sz="2000" kern="1200">
-                <a:solidFill>
-                  <a:schemeClr val="tx1"/>
-                </a:solidFill>
-                <a:latin typeface="+mn-lt"/>
-                <a:ea typeface="+mn-ea"/>
-                <a:cs typeface="+mn-cs"/>
-              </a:defRPr>
-            </a:lvl4pPr>
-            <a:lvl5pPr marL="2057400" indent="-228600" algn="l" defTabSz="914400" rtl="0" eaLnBrk="1" latinLnBrk="0" hangingPunct="1">
-              <a:spcBef>
-                <a:spcPct val="20000"/>
-              </a:spcBef>
-              <a:buFont typeface="Arial" pitchFamily="34" charset="0"/>
-              <a:buChar char="»"/>
-              <a:defRPr sz="2000" kern="1200">
-                <a:solidFill>
-                  <a:schemeClr val="tx1"/>
-                </a:solidFill>
-                <a:latin typeface="+mn-lt"/>
-                <a:ea typeface="+mn-ea"/>
-                <a:cs typeface="+mn-cs"/>
-              </a:defRPr>
-            </a:lvl5pPr>
-            <a:lvl6pPr marL="2514600" indent="-228600" algn="l" defTabSz="914400" rtl="0" eaLnBrk="1" latinLnBrk="0" hangingPunct="1">
-              <a:spcBef>
-                <a:spcPct val="20000"/>
-              </a:spcBef>
-              <a:buFont typeface="Arial" pitchFamily="34" charset="0"/>
-              <a:buChar char="•"/>
-              <a:defRPr sz="2000" kern="1200">
-                <a:solidFill>
-                  <a:schemeClr val="tx1"/>
-                </a:solidFill>
-                <a:latin typeface="+mn-lt"/>
-                <a:ea typeface="+mn-ea"/>
-                <a:cs typeface="+mn-cs"/>
-              </a:defRPr>
-            </a:lvl6pPr>
-            <a:lvl7pPr marL="2971800" indent="-228600" algn="l" defTabSz="914400" rtl="0" eaLnBrk="1" latinLnBrk="0" hangingPunct="1">
-              <a:spcBef>
-                <a:spcPct val="20000"/>
-              </a:spcBef>
-              <a:buFont typeface="Arial" pitchFamily="34" charset="0"/>
-              <a:buChar char="•"/>
-              <a:defRPr sz="2000" kern="1200">
-                <a:solidFill>
-                  <a:schemeClr val="tx1"/>
-                </a:solidFill>
-                <a:latin typeface="+mn-lt"/>
-                <a:ea typeface="+mn-ea"/>
-                <a:cs typeface="+mn-cs"/>
-              </a:defRPr>
-            </a:lvl7pPr>
-            <a:lvl8pPr marL="3429000" indent="-228600" algn="l" defTabSz="914400" rtl="0" eaLnBrk="1" latinLnBrk="0" hangingPunct="1">
-              <a:spcBef>
-                <a:spcPct val="20000"/>
-              </a:spcBef>
-              <a:buFont typeface="Arial" pitchFamily="34" charset="0"/>
-              <a:buChar char="•"/>
-              <a:defRPr sz="2000" kern="1200">
-                <a:solidFill>
-                  <a:schemeClr val="tx1"/>
-                </a:solidFill>
-                <a:latin typeface="+mn-lt"/>
-                <a:ea typeface="+mn-ea"/>
-                <a:cs typeface="+mn-cs"/>
-              </a:defRPr>
-            </a:lvl8pPr>
-            <a:lvl9pPr marL="3886200" indent="-228600" algn="l" defTabSz="914400" rtl="0" eaLnBrk="1" latinLnBrk="0" hangingPunct="1">
-              <a:spcBef>
-                <a:spcPct val="20000"/>
-              </a:spcBef>
-              <a:buFont typeface="Arial" pitchFamily="34" charset="0"/>
-              <a:buChar char="•"/>
-              <a:defRPr sz="2000" kern="1200">
-                <a:solidFill>
-                  <a:schemeClr val="tx1"/>
-                </a:solidFill>
-                <a:latin typeface="+mn-lt"/>
-                <a:ea typeface="+mn-ea"/>
-                <a:cs typeface="+mn-cs"/>
-              </a:defRPr>
-            </a:lvl9pPr>
-          </a:lstStyle>
-          <a:p>
-            <a:pPr marL="0" indent="0" algn="just">
-              <a:buNone/>
-            </a:pPr>
-            <a:r>
-              <a:rPr lang="ru-RU" sz="2800" b="1" dirty="0">
-                <a:latin typeface="Times New Roman" panose="02020603050405020304" pitchFamily="18" charset="0"/>
-                <a:cs typeface="Times New Roman" panose="02020603050405020304" pitchFamily="18" charset="0"/>
-              </a:rPr>
-              <a:t>3</a:t>
-            </a:r>
-            <a:r>
-              <a:rPr lang="ru-RU" sz="2800" b="1" dirty="0" smtClean="0">
-                <a:latin typeface="Times New Roman" panose="02020603050405020304" pitchFamily="18" charset="0"/>
-                <a:cs typeface="Times New Roman" panose="02020603050405020304" pitchFamily="18" charset="0"/>
-              </a:rPr>
-              <a:t> Экспериментальная проверка результатов размещения</a:t>
-            </a:r>
-          </a:p>
-          <a:p>
-            <a:pPr algn="just"/>
-            <a:r>
-              <a:rPr lang="ru-RU" sz="2600" dirty="0" smtClean="0">
-                <a:latin typeface="Times New Roman" panose="02020603050405020304" pitchFamily="18" charset="0"/>
-                <a:cs typeface="Times New Roman" panose="02020603050405020304" pitchFamily="18" charset="0"/>
-              </a:rPr>
-              <a:t>Шаги проведения эксперимента</a:t>
-            </a:r>
-          </a:p>
-          <a:p>
-            <a:pPr algn="just"/>
-            <a:r>
-              <a:rPr lang="ru-RU" sz="2600" dirty="0" smtClean="0">
-                <a:latin typeface="Times New Roman" panose="02020603050405020304" pitchFamily="18" charset="0"/>
-                <a:cs typeface="Times New Roman" panose="02020603050405020304" pitchFamily="18" charset="0"/>
-              </a:rPr>
-              <a:t>Проверка на практике отображения и удобства размещения </a:t>
-            </a:r>
-            <a:r>
-              <a:rPr lang="en-US" sz="2600" dirty="0" smtClean="0">
-                <a:latin typeface="Times New Roman" panose="02020603050405020304" pitchFamily="18" charset="0"/>
-                <a:cs typeface="Times New Roman" panose="02020603050405020304" pitchFamily="18" charset="0"/>
-              </a:rPr>
-              <a:t>UML </a:t>
-            </a:r>
-            <a:r>
-              <a:rPr lang="ru-RU" sz="2600" dirty="0" smtClean="0">
-                <a:latin typeface="Times New Roman" panose="02020603050405020304" pitchFamily="18" charset="0"/>
-                <a:cs typeface="Times New Roman" panose="02020603050405020304" pitchFamily="18" charset="0"/>
-              </a:rPr>
-              <a:t>диаграммы</a:t>
-            </a:r>
-          </a:p>
-          <a:p>
-            <a:pPr algn="just"/>
-            <a:r>
-              <a:rPr lang="ru-RU" sz="2600" dirty="0" smtClean="0">
-                <a:latin typeface="Times New Roman" panose="02020603050405020304" pitchFamily="18" charset="0"/>
-                <a:cs typeface="Times New Roman" panose="02020603050405020304" pitchFamily="18" charset="0"/>
-              </a:rPr>
-              <a:t>Анализ и оценка</a:t>
-            </a:r>
-            <a:endParaRPr lang="en-US" sz="2600" dirty="0" smtClean="0">
-              <a:latin typeface="Times New Roman" panose="02020603050405020304" pitchFamily="18" charset="0"/>
-              <a:cs typeface="Times New Roman" panose="02020603050405020304" pitchFamily="18" charset="0"/>
-            </a:endParaRPr>
-          </a:p>
-        </p:txBody>
-      </p:sp>
-    </p:spTree>
-    <p:extLst>
-      <p:ext uri="{BB962C8B-B14F-4D97-AF65-F5344CB8AC3E}">
-        <p14:creationId xmlns:p14="http://schemas.microsoft.com/office/powerpoint/2010/main" val="2839034499"/>
       </p:ext>
     </p:extLst>
   </p:cSld>
